--- a/PROG1350 - Software Engineering Fundamentals/GUIs Good vs Bad Presentation/GUIs Good vs Bad Presentation.pptx
+++ b/PROG1350 - Software Engineering Fundamentals/GUIs Good vs Bad Presentation/GUIs Good vs Bad Presentation.pptx
@@ -5,17 +5,20 @@
     <p:sldMasterId id="2147483648" r:id="rId1"/>
   </p:sldMasterIdLst>
   <p:notesMasterIdLst>
-    <p:notesMasterId r:id="rId4"/>
+    <p:notesMasterId r:id="rId10"/>
   </p:notesMasterIdLst>
-  <p:handoutMasterIdLst>
-    <p:handoutMasterId r:id="rId5"/>
-  </p:handoutMasterIdLst>
   <p:sldIdLst>
     <p:sldId id="256" r:id="rId2"/>
     <p:sldId id="257" r:id="rId3"/>
+    <p:sldId id="258" r:id="rId4"/>
+    <p:sldId id="259" r:id="rId5"/>
+    <p:sldId id="260" r:id="rId6"/>
+    <p:sldId id="261" r:id="rId7"/>
+    <p:sldId id="262" r:id="rId8"/>
+    <p:sldId id="263" r:id="rId9"/>
   </p:sldIdLst>
   <p:sldSz cx="9144000" cy="6858000" type="screen4x3"/>
-  <p:notesSz cx="6858000" cy="9296400"/>
+  <p:notesSz cx="6858000" cy="9144000"/>
   <p:defaultTextStyle>
     <a:defPPr>
       <a:defRPr lang="en-US"/>
@@ -114,171 +117,6 @@
 </p:presentation>
 </file>
 
-<file path=ppt/handoutMasters/handoutMaster1.xml><?xml version="1.0" encoding="utf-8"?>
-<p:handoutMaster xmlns:a="http://schemas.openxmlformats.org/drawingml/2006/main" xmlns:r="http://schemas.openxmlformats.org/officeDocument/2006/relationships" xmlns:p="http://schemas.openxmlformats.org/presentationml/2006/main">
-  <p:cSld>
-    <p:bg>
-      <p:bgRef idx="1001">
-        <a:schemeClr val="bg1"/>
-      </p:bgRef>
-    </p:bg>
-    <p:spTree>
-      <p:nvGrpSpPr>
-        <p:cNvPr id="1" name=""/>
-        <p:cNvGrpSpPr/>
-        <p:nvPr/>
-      </p:nvGrpSpPr>
-      <p:grpSpPr>
-        <a:xfrm>
-          <a:off x="0" y="0"/>
-          <a:ext cx="0" cy="0"/>
-          <a:chOff x="0" y="0"/>
-          <a:chExt cx="0" cy="0"/>
-        </a:xfrm>
-      </p:grpSpPr>
-      <p:sp>
-        <p:nvSpPr>
-          <p:cNvPr id="2" name="Header Placeholder 1"/>
-          <p:cNvSpPr>
-            <a:spLocks noGrp="1"/>
-          </p:cNvSpPr>
-          <p:nvPr>
-            <p:ph type="hdr" sz="quarter"/>
-          </p:nvPr>
-        </p:nvSpPr>
-        <p:spPr>
-          <a:xfrm>
-            <a:off x="0" y="0"/>
-            <a:ext cx="2971800" cy="464820"/>
-          </a:xfrm>
-          <a:prstGeom prst="rect">
-            <a:avLst/>
-          </a:prstGeom>
-        </p:spPr>
-        <p:txBody>
-          <a:bodyPr vert="horz" lIns="91440" tIns="45720" rIns="91440" bIns="45720" rtlCol="0"/>
-          <a:lstStyle>
-            <a:lvl1pPr algn="l">
-              <a:defRPr sz="1200"/>
-            </a:lvl1pPr>
-          </a:lstStyle>
-          <a:p>
-            <a:endParaRPr lang="en-CA"/>
-          </a:p>
-        </p:txBody>
-      </p:sp>
-      <p:sp>
-        <p:nvSpPr>
-          <p:cNvPr id="3" name="Date Placeholder 2"/>
-          <p:cNvSpPr>
-            <a:spLocks noGrp="1"/>
-          </p:cNvSpPr>
-          <p:nvPr>
-            <p:ph type="dt" sz="quarter" idx="1"/>
-          </p:nvPr>
-        </p:nvSpPr>
-        <p:spPr>
-          <a:xfrm>
-            <a:off x="3884613" y="0"/>
-            <a:ext cx="2971800" cy="464820"/>
-          </a:xfrm>
-          <a:prstGeom prst="rect">
-            <a:avLst/>
-          </a:prstGeom>
-        </p:spPr>
-        <p:txBody>
-          <a:bodyPr vert="horz" lIns="91440" tIns="45720" rIns="91440" bIns="45720" rtlCol="0"/>
-          <a:lstStyle>
-            <a:lvl1pPr algn="r">
-              <a:defRPr sz="1200"/>
-            </a:lvl1pPr>
-          </a:lstStyle>
-          <a:p>
-            <a:fld id="{6E28109A-4FAE-4EFF-9629-C4B271B00C56}" type="datetimeFigureOut">
-              <a:rPr lang="en-CA" smtClean="0"/>
-              <a:t>03/10/2012</a:t>
-            </a:fld>
-            <a:endParaRPr lang="en-CA"/>
-          </a:p>
-        </p:txBody>
-      </p:sp>
-      <p:sp>
-        <p:nvSpPr>
-          <p:cNvPr id="4" name="Footer Placeholder 3"/>
-          <p:cNvSpPr>
-            <a:spLocks noGrp="1"/>
-          </p:cNvSpPr>
-          <p:nvPr>
-            <p:ph type="ftr" sz="quarter" idx="2"/>
-          </p:nvPr>
-        </p:nvSpPr>
-        <p:spPr>
-          <a:xfrm>
-            <a:off x="0" y="8829967"/>
-            <a:ext cx="2971800" cy="464820"/>
-          </a:xfrm>
-          <a:prstGeom prst="rect">
-            <a:avLst/>
-          </a:prstGeom>
-        </p:spPr>
-        <p:txBody>
-          <a:bodyPr vert="horz" lIns="91440" tIns="45720" rIns="91440" bIns="45720" rtlCol="0" anchor="b"/>
-          <a:lstStyle>
-            <a:lvl1pPr algn="l">
-              <a:defRPr sz="1200"/>
-            </a:lvl1pPr>
-          </a:lstStyle>
-          <a:p>
-            <a:endParaRPr lang="en-CA"/>
-          </a:p>
-        </p:txBody>
-      </p:sp>
-      <p:sp>
-        <p:nvSpPr>
-          <p:cNvPr id="5" name="Slide Number Placeholder 4"/>
-          <p:cNvSpPr>
-            <a:spLocks noGrp="1"/>
-          </p:cNvSpPr>
-          <p:nvPr>
-            <p:ph type="sldNum" sz="quarter" idx="3"/>
-          </p:nvPr>
-        </p:nvSpPr>
-        <p:spPr>
-          <a:xfrm>
-            <a:off x="3884613" y="8829967"/>
-            <a:ext cx="2971800" cy="464820"/>
-          </a:xfrm>
-          <a:prstGeom prst="rect">
-            <a:avLst/>
-          </a:prstGeom>
-        </p:spPr>
-        <p:txBody>
-          <a:bodyPr vert="horz" lIns="91440" tIns="45720" rIns="91440" bIns="45720" rtlCol="0" anchor="b"/>
-          <a:lstStyle>
-            <a:lvl1pPr algn="r">
-              <a:defRPr sz="1200"/>
-            </a:lvl1pPr>
-          </a:lstStyle>
-          <a:p>
-            <a:fld id="{A67EE8F5-986F-4FB7-8717-E0643DDD427C}" type="slidenum">
-              <a:rPr lang="en-CA" smtClean="0"/>
-              <a:t>‹#›</a:t>
-            </a:fld>
-            <a:endParaRPr lang="en-CA"/>
-          </a:p>
-        </p:txBody>
-      </p:sp>
-    </p:spTree>
-    <p:extLst>
-      <p:ext uri="{BB962C8B-B14F-4D97-AF65-F5344CB8AC3E}">
-        <p14:creationId xmlns:p14="http://schemas.microsoft.com/office/powerpoint/2010/main" val="1548348966"/>
-      </p:ext>
-    </p:extLst>
-  </p:cSld>
-  <p:clrMap bg1="lt1" tx1="dk1" bg2="lt2" tx2="dk2" accent1="accent1" accent2="accent2" accent3="accent3" accent4="accent4" accent5="accent5" accent6="accent6" hlink="hlink" folHlink="folHlink"/>
-</p:handoutMaster>
-</file>
-
 <file path=ppt/notesMasters/notesMaster1.xml><?xml version="1.0" encoding="utf-8"?>
 <p:notesMaster xmlns:a="http://schemas.openxmlformats.org/drawingml/2006/main" xmlns:r="http://schemas.openxmlformats.org/officeDocument/2006/relationships" xmlns:p="http://schemas.openxmlformats.org/presentationml/2006/main">
   <p:cSld>
@@ -314,7 +152,7 @@
         <p:spPr>
           <a:xfrm>
             <a:off x="0" y="0"/>
-            <a:ext cx="2971800" cy="464820"/>
+            <a:ext cx="2971800" cy="457200"/>
           </a:xfrm>
           <a:prstGeom prst="rect">
             <a:avLst/>
@@ -345,7 +183,7 @@
         <p:spPr>
           <a:xfrm>
             <a:off x="3884613" y="0"/>
-            <a:ext cx="2971800" cy="464820"/>
+            <a:ext cx="2971800" cy="457200"/>
           </a:xfrm>
           <a:prstGeom prst="rect">
             <a:avLst/>
@@ -359,9 +197,9 @@
             </a:lvl1pPr>
           </a:lstStyle>
           <a:p>
-            <a:fld id="{2353CFD8-6D67-4D94-99FA-4465733A2FD9}" type="datetimeFigureOut">
+            <a:fld id="{80E7138A-302D-410C-97AD-12AA1AF73DEA}" type="datetimeFigureOut">
               <a:rPr lang="en-CA" smtClean="0"/>
-              <a:t>03/10/2012</a:t>
+              <a:t>05/10/2012</a:t>
             </a:fld>
             <a:endParaRPr lang="en-CA"/>
           </a:p>
@@ -379,8 +217,8 @@
         </p:nvSpPr>
         <p:spPr>
           <a:xfrm>
-            <a:off x="1104900" y="696913"/>
-            <a:ext cx="4648200" cy="3486150"/>
+            <a:off x="1143000" y="685800"/>
+            <a:ext cx="4572000" cy="3429000"/>
           </a:xfrm>
           <a:prstGeom prst="rect">
             <a:avLst/>
@@ -412,8 +250,8 @@
         </p:nvSpPr>
         <p:spPr>
           <a:xfrm>
-            <a:off x="685800" y="4415790"/>
-            <a:ext cx="5486400" cy="4183380"/>
+            <a:off x="685800" y="4343400"/>
+            <a:ext cx="5486400" cy="4114800"/>
           </a:xfrm>
           <a:prstGeom prst="rect">
             <a:avLst/>
@@ -472,8 +310,8 @@
         </p:nvSpPr>
         <p:spPr>
           <a:xfrm>
-            <a:off x="0" y="8829967"/>
-            <a:ext cx="2971800" cy="464820"/>
+            <a:off x="0" y="8685213"/>
+            <a:ext cx="2971800" cy="457200"/>
           </a:xfrm>
           <a:prstGeom prst="rect">
             <a:avLst/>
@@ -503,8 +341,8 @@
         </p:nvSpPr>
         <p:spPr>
           <a:xfrm>
-            <a:off x="3884613" y="8829967"/>
-            <a:ext cx="2971800" cy="464820"/>
+            <a:off x="3884613" y="8685213"/>
+            <a:ext cx="2971800" cy="457200"/>
           </a:xfrm>
           <a:prstGeom prst="rect">
             <a:avLst/>
@@ -518,7 +356,7 @@
             </a:lvl1pPr>
           </a:lstStyle>
           <a:p>
-            <a:fld id="{FE71D7AA-8444-4ECB-9C9E-E6C2CA5C2AB1}" type="slidenum">
+            <a:fld id="{FC0424FA-FFBA-4B11-82D2-0263B2CB6FF4}" type="slidenum">
               <a:rPr lang="en-CA" smtClean="0"/>
               <a:t>‹#›</a:t>
             </a:fld>
@@ -529,7 +367,7 @@
     </p:spTree>
     <p:extLst>
       <p:ext uri="{BB962C8B-B14F-4D97-AF65-F5344CB8AC3E}">
-        <p14:creationId xmlns:p14="http://schemas.microsoft.com/office/powerpoint/2010/main" val="2078275444"/>
+        <p14:creationId xmlns:p14="http://schemas.microsoft.com/office/powerpoint/2010/main" val="3646865508"/>
       </p:ext>
     </p:extLst>
   </p:cSld>
@@ -800,8 +638,8 @@
               <a:buChar char="•"/>
             </a:pPr>
             <a:r>
-              <a:rPr lang="en-US" b="0" baseline="0" dirty="0" err="1" smtClean="0"/>
-              <a:t>Consistant</a:t>
+              <a:rPr lang="en-US" b="0" baseline="0" dirty="0" smtClean="0"/>
+              <a:t>Consistent</a:t>
             </a:r>
             <a:endParaRPr lang="en-US" b="0" baseline="0" dirty="0" smtClean="0"/>
           </a:p>
@@ -824,7 +662,7 @@
           <a:p>
             <a:fld id="{FE71D7AA-8444-4ECB-9C9E-E6C2CA5C2AB1}" type="slidenum">
               <a:rPr lang="en-CA" smtClean="0"/>
-              <a:t>1</a:t>
+              <a:t>7</a:t>
             </a:fld>
             <a:endParaRPr lang="en-CA"/>
           </a:p>
@@ -1050,7 +888,7 @@
           <a:p>
             <a:fld id="{FE71D7AA-8444-4ECB-9C9E-E6C2CA5C2AB1}" type="slidenum">
               <a:rPr lang="en-CA" smtClean="0"/>
-              <a:t>2</a:t>
+              <a:t>8</a:t>
             </a:fld>
             <a:endParaRPr lang="en-CA"/>
           </a:p>
@@ -1070,7 +908,7 @@
 </file>
 
 <file path=ppt/slideLayouts/slideLayout1.xml><?xml version="1.0" encoding="utf-8"?>
-<p:sldLayout xmlns:a="http://schemas.openxmlformats.org/drawingml/2006/main" xmlns:r="http://schemas.openxmlformats.org/officeDocument/2006/relationships" xmlns:p="http://schemas.openxmlformats.org/presentationml/2006/main" type="title" preserve="1">
+<p:sldLayout xmlns:a="http://schemas.openxmlformats.org/drawingml/2006/main" xmlns:r="http://schemas.openxmlformats.org/officeDocument/2006/relationships" xmlns:p="http://schemas.openxmlformats.org/presentationml/2006/main" showMasterSp="0" type="title" preserve="1">
   <p:cSld name="Title Slide">
     <p:spTree>
       <p:nvGrpSpPr>
@@ -1088,35 +926,201 @@
       </p:grpSpPr>
       <p:sp>
         <p:nvSpPr>
-          <p:cNvPr id="2" name="Title 1"/>
-          <p:cNvSpPr>
-            <a:spLocks noGrp="1"/>
-          </p:cNvSpPr>
-          <p:nvPr>
-            <p:ph type="ctrTitle"/>
-          </p:nvPr>
+          <p:cNvPr id="15" name="Rounded Rectangle 14"/>
+          <p:cNvSpPr/>
+          <p:nvPr/>
         </p:nvSpPr>
         <p:spPr>
           <a:xfrm>
-            <a:off x="685800" y="2130425"/>
-            <a:ext cx="7772400" cy="1470025"/>
+            <a:off x="304800" y="329184"/>
+            <a:ext cx="8532055" cy="6196819"/>
+          </a:xfrm>
+          <a:prstGeom prst="roundRect">
+            <a:avLst>
+              <a:gd name="adj" fmla="val 2081"/>
+            </a:avLst>
+          </a:prstGeom>
+          <a:gradFill flip="none" rotWithShape="1">
+            <a:gsLst>
+              <a:gs pos="0">
+                <a:srgbClr val="FFFFFF">
+                  <a:shade val="100000"/>
+                </a:srgbClr>
+              </a:gs>
+              <a:gs pos="98000">
+                <a:srgbClr val="FFFFFF">
+                  <a:shade val="100000"/>
+                </a:srgbClr>
+              </a:gs>
+              <a:gs pos="99055">
+                <a:srgbClr val="FFFFFF">
+                  <a:shade val="93000"/>
+                </a:srgbClr>
+              </a:gs>
+              <a:gs pos="100000">
+                <a:srgbClr val="FFFFFF">
+                  <a:shade val="70000"/>
+                </a:srgbClr>
+              </a:gs>
+            </a:gsLst>
+            <a:lin ang="5400000" scaled="1"/>
+            <a:tileRect/>
+          </a:gradFill>
+          <a:ln w="2000" cap="rnd" cmpd="sng" algn="ctr">
+            <a:solidFill>
+              <a:srgbClr val="302F2C">
+                <a:tint val="65000"/>
+                <a:satMod val="120000"/>
+              </a:srgbClr>
+            </a:solidFill>
+            <a:prstDash val="solid"/>
+          </a:ln>
+          <a:effectLst>
+            <a:outerShdw blurRad="76200" dist="50800" dir="5400000" algn="tl" rotWithShape="0">
+              <a:srgbClr val="000000">
+                <a:alpha val="25000"/>
+              </a:srgbClr>
+            </a:outerShdw>
+          </a:effectLst>
+        </p:spPr>
+        <p:style>
+          <a:lnRef idx="3">
+            <a:schemeClr val="lt1"/>
+          </a:lnRef>
+          <a:fillRef idx="1">
+            <a:schemeClr val="accent1"/>
+          </a:fillRef>
+          <a:effectRef idx="1">
+            <a:schemeClr val="accent1"/>
+          </a:effectRef>
+          <a:fontRef idx="minor">
+            <a:schemeClr val="lt1"/>
+          </a:fontRef>
+        </p:style>
+        <p:txBody>
+          <a:bodyPr anchor="ctr"/>
+          <a:lstStyle/>
+          <a:p>
+            <a:pPr algn="ctr" eaLnBrk="1" latinLnBrk="0" hangingPunct="1"/>
+            <a:endParaRPr kumimoji="0" lang="en-US"/>
+          </a:p>
+        </p:txBody>
+      </p:sp>
+      <p:sp>
+        <p:nvSpPr>
+          <p:cNvPr id="10" name="Rounded Rectangle 9"/>
+          <p:cNvSpPr/>
+          <p:nvPr/>
+        </p:nvSpPr>
+        <p:spPr>
+          <a:xfrm>
+            <a:off x="418596" y="434162"/>
+            <a:ext cx="8306809" cy="3108960"/>
+          </a:xfrm>
+          <a:prstGeom prst="roundRect">
+            <a:avLst>
+              <a:gd name="adj" fmla="val 4578"/>
+            </a:avLst>
+          </a:prstGeom>
+          <a:gradFill rotWithShape="1">
+            <a:gsLst>
+              <a:gs pos="0">
+                <a:schemeClr val="bg1">
+                  <a:tint val="75000"/>
+                  <a:satMod val="150000"/>
+                </a:schemeClr>
+              </a:gs>
+              <a:gs pos="55000">
+                <a:schemeClr val="bg1">
+                  <a:shade val="75000"/>
+                  <a:satMod val="100000"/>
+                </a:schemeClr>
+              </a:gs>
+              <a:gs pos="100000">
+                <a:schemeClr val="bg1">
+                  <a:shade val="35000"/>
+                  <a:satMod val="100000"/>
+                </a:schemeClr>
+              </a:gs>
+            </a:gsLst>
+            <a:path path="circle">
+              <a:fillToRect l="50000" t="175000" r="50000" b="-75000"/>
+            </a:path>
+          </a:gradFill>
+          <a:ln w="8890" cap="rnd" cmpd="sng" algn="ctr">
+            <a:noFill/>
+            <a:prstDash val="solid"/>
+          </a:ln>
+          <a:effectLst/>
+        </p:spPr>
+        <p:style>
+          <a:lnRef idx="3">
+            <a:schemeClr val="lt1"/>
+          </a:lnRef>
+          <a:fillRef idx="1">
+            <a:schemeClr val="accent1"/>
+          </a:fillRef>
+          <a:effectRef idx="1">
+            <a:schemeClr val="accent1"/>
+          </a:effectRef>
+          <a:fontRef idx="minor">
+            <a:schemeClr val="lt1"/>
+          </a:fontRef>
+        </p:style>
+        <p:txBody>
+          <a:bodyPr anchor="ctr"/>
+          <a:lstStyle/>
+          <a:p>
+            <a:pPr algn="ctr" eaLnBrk="1" latinLnBrk="0" hangingPunct="1"/>
+            <a:endParaRPr kumimoji="0" lang="en-US"/>
+          </a:p>
+        </p:txBody>
+      </p:sp>
+      <p:sp>
+        <p:nvSpPr>
+          <p:cNvPr id="5" name="Title 4"/>
+          <p:cNvSpPr>
+            <a:spLocks noGrp="1"/>
+          </p:cNvSpPr>
+          <p:nvPr>
+            <p:ph type="ctrTitle"/>
+          </p:nvPr>
+        </p:nvSpPr>
+        <p:spPr>
+          <a:xfrm>
+            <a:off x="722376" y="1820206"/>
+            <a:ext cx="7772400" cy="1828800"/>
           </a:xfrm>
         </p:spPr>
         <p:txBody>
-          <a:bodyPr/>
-          <a:lstStyle/>
-          <a:p>
-            <a:r>
-              <a:rPr lang="en-US" smtClean="0"/>
-              <a:t>Click to edit Master title style</a:t>
-            </a:r>
-            <a:endParaRPr lang="en-CA"/>
-          </a:p>
-        </p:txBody>
-      </p:sp>
-      <p:sp>
-        <p:nvSpPr>
-          <p:cNvPr id="3" name="Subtitle 2"/>
+          <a:bodyPr lIns="45720" rIns="45720" bIns="45720"/>
+          <a:lstStyle>
+            <a:lvl1pPr algn="r">
+              <a:defRPr sz="4500" b="1">
+                <a:solidFill>
+                  <a:schemeClr val="accent1">
+                    <a:tint val="88000"/>
+                    <a:satMod val="150000"/>
+                  </a:schemeClr>
+                </a:solidFill>
+                <a:effectLst>
+                  <a:outerShdw blurRad="53975" dist="22860" dir="5400000" algn="tl" rotWithShape="0">
+                    <a:srgbClr val="000000">
+                      <a:alpha val="55000"/>
+                    </a:srgbClr>
+                  </a:outerShdw>
+                </a:effectLst>
+              </a:defRPr>
+            </a:lvl1pPr>
+          </a:lstStyle>
+          <a:p>
+            <a:endParaRPr kumimoji="0" lang="en-US"/>
+          </a:p>
+        </p:txBody>
+      </p:sp>
+      <p:sp>
+        <p:nvSpPr>
+          <p:cNvPr id="20" name="Subtitle 19"/>
           <p:cNvSpPr>
             <a:spLocks noGrp="1"/>
           </p:cNvSpPr>
@@ -1126,121 +1130,88 @@
         </p:nvSpPr>
         <p:spPr>
           <a:xfrm>
-            <a:off x="1371600" y="3886200"/>
-            <a:ext cx="6400800" cy="1752600"/>
+            <a:off x="722376" y="3685032"/>
+            <a:ext cx="7772400" cy="914400"/>
           </a:xfrm>
         </p:spPr>
         <p:txBody>
-          <a:bodyPr/>
+          <a:bodyPr lIns="182880" tIns="0"/>
           <a:lstStyle>
-            <a:lvl1pPr marL="0" indent="0" algn="ctr">
+            <a:lvl1pPr marL="36576" indent="0" algn="r">
+              <a:spcBef>
+                <a:spcPts val="0"/>
+              </a:spcBef>
               <a:buNone/>
-              <a:defRPr>
+              <a:defRPr sz="2000">
                 <a:solidFill>
-                  <a:schemeClr val="tx1">
-                    <a:tint val="75000"/>
+                  <a:schemeClr val="bg2">
+                    <a:shade val="25000"/>
                   </a:schemeClr>
                 </a:solidFill>
               </a:defRPr>
             </a:lvl1pPr>
             <a:lvl2pPr marL="457200" indent="0" algn="ctr">
               <a:buNone/>
-              <a:defRPr>
-                <a:solidFill>
-                  <a:schemeClr val="tx1">
-                    <a:tint val="75000"/>
-                  </a:schemeClr>
-                </a:solidFill>
-              </a:defRPr>
             </a:lvl2pPr>
             <a:lvl3pPr marL="914400" indent="0" algn="ctr">
               <a:buNone/>
-              <a:defRPr>
-                <a:solidFill>
-                  <a:schemeClr val="tx1">
-                    <a:tint val="75000"/>
-                  </a:schemeClr>
-                </a:solidFill>
-              </a:defRPr>
             </a:lvl3pPr>
             <a:lvl4pPr marL="1371600" indent="0" algn="ctr">
               <a:buNone/>
-              <a:defRPr>
-                <a:solidFill>
-                  <a:schemeClr val="tx1">
-                    <a:tint val="75000"/>
-                  </a:schemeClr>
-                </a:solidFill>
-              </a:defRPr>
             </a:lvl4pPr>
             <a:lvl5pPr marL="1828800" indent="0" algn="ctr">
               <a:buNone/>
-              <a:defRPr>
-                <a:solidFill>
-                  <a:schemeClr val="tx1">
-                    <a:tint val="75000"/>
-                  </a:schemeClr>
-                </a:solidFill>
-              </a:defRPr>
             </a:lvl5pPr>
             <a:lvl6pPr marL="2286000" indent="0" algn="ctr">
               <a:buNone/>
-              <a:defRPr>
-                <a:solidFill>
-                  <a:schemeClr val="tx1">
-                    <a:tint val="75000"/>
-                  </a:schemeClr>
-                </a:solidFill>
-              </a:defRPr>
             </a:lvl6pPr>
             <a:lvl7pPr marL="2743200" indent="0" algn="ctr">
               <a:buNone/>
-              <a:defRPr>
-                <a:solidFill>
-                  <a:schemeClr val="tx1">
-                    <a:tint val="75000"/>
-                  </a:schemeClr>
-                </a:solidFill>
-              </a:defRPr>
             </a:lvl7pPr>
             <a:lvl8pPr marL="3200400" indent="0" algn="ctr">
               <a:buNone/>
-              <a:defRPr>
-                <a:solidFill>
-                  <a:schemeClr val="tx1">
-                    <a:tint val="75000"/>
-                  </a:schemeClr>
-                </a:solidFill>
-              </a:defRPr>
             </a:lvl8pPr>
             <a:lvl9pPr marL="3657600" indent="0" algn="ctr">
               <a:buNone/>
-              <a:defRPr>
-                <a:solidFill>
-                  <a:schemeClr val="tx1">
-                    <a:tint val="75000"/>
-                  </a:schemeClr>
-                </a:solidFill>
-              </a:defRPr>
             </a:lvl9pPr>
           </a:lstStyle>
           <a:p>
-            <a:r>
+            <a:endParaRPr kumimoji="0" lang="en-US"/>
+          </a:p>
+        </p:txBody>
+      </p:sp>
+      <p:sp>
+        <p:nvSpPr>
+          <p:cNvPr id="19" name="Date Placeholder 18"/>
+          <p:cNvSpPr>
+            <a:spLocks noGrp="1"/>
+          </p:cNvSpPr>
+          <p:nvPr>
+            <p:ph type="dt" sz="half" idx="10"/>
+          </p:nvPr>
+        </p:nvSpPr>
+        <p:spPr/>
+        <p:txBody>
+          <a:bodyPr/>
+          <a:lstStyle/>
+          <a:p>
+            <a:fld id="{C699CB88-5E1A-4FAC-892A-60949ACB1F6F}" type="datetimeFigureOut">
               <a:rPr lang="en-US" smtClean="0"/>
-              <a:t>Click to edit Master subtitle style</a:t>
-            </a:r>
-            <a:endParaRPr lang="en-CA"/>
-          </a:p>
-        </p:txBody>
-      </p:sp>
-      <p:sp>
-        <p:nvSpPr>
-          <p:cNvPr id="4" name="Date Placeholder 3"/>
-          <p:cNvSpPr>
-            <a:spLocks noGrp="1"/>
-          </p:cNvSpPr>
-          <p:nvPr>
-            <p:ph type="dt" sz="half" idx="10"/>
+              <a:pPr/>
+              <a:t>10/5/2012</a:t>
+            </a:fld>
+            <a:endParaRPr lang="en-US"/>
+          </a:p>
+        </p:txBody>
+      </p:sp>
+      <p:sp>
+        <p:nvSpPr>
+          <p:cNvPr id="8" name="Footer Placeholder 7"/>
+          <p:cNvSpPr>
+            <a:spLocks noGrp="1"/>
+          </p:cNvSpPr>
+          <p:nvPr>
+            <p:ph type="ftr" sz="quarter" idx="11"/>
           </p:nvPr>
         </p:nvSpPr>
         <p:spPr/>
@@ -1248,22 +1219,18 @@
           <a:bodyPr/>
           <a:lstStyle/>
           <a:p>
-            <a:fld id="{80AAE011-496F-41C9-BBC2-E7ACFF69BF3B}" type="datetimeFigureOut">
-              <a:rPr lang="en-CA" smtClean="0"/>
-              <a:t>03/10/2012</a:t>
-            </a:fld>
-            <a:endParaRPr lang="en-CA"/>
-          </a:p>
-        </p:txBody>
-      </p:sp>
-      <p:sp>
-        <p:nvSpPr>
-          <p:cNvPr id="5" name="Footer Placeholder 4"/>
-          <p:cNvSpPr>
-            <a:spLocks noGrp="1"/>
-          </p:cNvSpPr>
-          <p:nvPr>
-            <p:ph type="ftr" sz="quarter" idx="11"/>
+            <a:endParaRPr kumimoji="0" lang="en-US"/>
+          </a:p>
+        </p:txBody>
+      </p:sp>
+      <p:sp>
+        <p:nvSpPr>
+          <p:cNvPr id="11" name="Slide Number Placeholder 10"/>
+          <p:cNvSpPr>
+            <a:spLocks noGrp="1"/>
+          </p:cNvSpPr>
+          <p:nvPr>
+            <p:ph type="sldNum" sz="quarter" idx="12"/>
           </p:nvPr>
         </p:nvSpPr>
         <p:spPr/>
@@ -1271,39 +1238,16 @@
           <a:bodyPr/>
           <a:lstStyle/>
           <a:p>
-            <a:endParaRPr lang="en-CA"/>
-          </a:p>
-        </p:txBody>
-      </p:sp>
-      <p:sp>
-        <p:nvSpPr>
-          <p:cNvPr id="6" name="Slide Number Placeholder 5"/>
-          <p:cNvSpPr>
-            <a:spLocks noGrp="1"/>
-          </p:cNvSpPr>
-          <p:nvPr>
-            <p:ph type="sldNum" sz="quarter" idx="12"/>
-          </p:nvPr>
-        </p:nvSpPr>
-        <p:spPr/>
-        <p:txBody>
-          <a:bodyPr/>
-          <a:lstStyle/>
-          <a:p>
-            <a:fld id="{5DEA27B1-7EAF-4139-A8DC-C82F031F298F}" type="slidenum">
-              <a:rPr lang="en-CA" smtClean="0"/>
+            <a:fld id="{91974DF9-AD47-4691-BA21-BBFCE3637A9A}" type="slidenum">
+              <a:rPr kumimoji="0" lang="en-US" smtClean="0"/>
+              <a:pPr/>
               <a:t>‹#›</a:t>
             </a:fld>
-            <a:endParaRPr lang="en-CA"/>
+            <a:endParaRPr kumimoji="0" lang="en-US"/>
           </a:p>
         </p:txBody>
       </p:sp>
     </p:spTree>
-    <p:extLst>
-      <p:ext uri="{BB962C8B-B14F-4D97-AF65-F5344CB8AC3E}">
-        <p14:creationId xmlns:p14="http://schemas.microsoft.com/office/powerpoint/2010/main" val="3777368090"/>
-      </p:ext>
-    </p:extLst>
   </p:cSld>
   <p:clrMapOvr>
     <a:masterClrMapping/>
@@ -1338,79 +1282,112 @@
             <p:ph type="title"/>
           </p:nvPr>
         </p:nvSpPr>
+        <p:spPr>
+          <a:xfrm>
+            <a:off x="502920" y="4983480"/>
+            <a:ext cx="8183880" cy="1051560"/>
+          </a:xfrm>
+        </p:spPr>
+        <p:txBody>
+          <a:bodyPr/>
+          <a:lstStyle/>
+          <a:p>
+            <a:endParaRPr kumimoji="0" lang="en-US"/>
+          </a:p>
+        </p:txBody>
+      </p:sp>
+      <p:sp>
+        <p:nvSpPr>
+          <p:cNvPr id="3" name="Vertical Text Placeholder 2"/>
+          <p:cNvSpPr>
+            <a:spLocks noGrp="1"/>
+          </p:cNvSpPr>
+          <p:nvPr>
+            <p:ph type="body" orient="vert" idx="1"/>
+          </p:nvPr>
+        </p:nvSpPr>
+        <p:spPr>
+          <a:xfrm>
+            <a:off x="502920" y="530352"/>
+            <a:ext cx="8183880" cy="4187952"/>
+          </a:xfrm>
+        </p:spPr>
+        <p:txBody>
+          <a:bodyPr vert="eaVert"/>
+          <a:lstStyle/>
+          <a:p>
+            <a:pPr lvl="0" eaLnBrk="1" latinLnBrk="0" hangingPunct="1"/>
+            <a:endParaRPr/>
+          </a:p>
+          <a:p>
+            <a:pPr lvl="1" eaLnBrk="1" latinLnBrk="0" hangingPunct="1"/>
+            <a:endParaRPr/>
+          </a:p>
+          <a:p>
+            <a:pPr lvl="2" eaLnBrk="1" latinLnBrk="0" hangingPunct="1"/>
+            <a:endParaRPr/>
+          </a:p>
+          <a:p>
+            <a:pPr lvl="3" eaLnBrk="1" latinLnBrk="0" hangingPunct="1"/>
+            <a:endParaRPr/>
+          </a:p>
+          <a:p>
+            <a:pPr lvl="4" eaLnBrk="1" latinLnBrk="0" hangingPunct="1"/>
+            <a:endParaRPr kumimoji="0" lang="en-US"/>
+          </a:p>
+        </p:txBody>
+      </p:sp>
+      <p:sp>
+        <p:nvSpPr>
+          <p:cNvPr id="4" name="Date Placeholder 3"/>
+          <p:cNvSpPr>
+            <a:spLocks noGrp="1"/>
+          </p:cNvSpPr>
+          <p:nvPr>
+            <p:ph type="dt" sz="half" idx="10"/>
+          </p:nvPr>
+        </p:nvSpPr>
         <p:spPr/>
         <p:txBody>
           <a:bodyPr/>
           <a:lstStyle/>
           <a:p>
-            <a:r>
+            <a:fld id="{C699CB88-5E1A-4FAC-892A-60949ACB1F6F}" type="datetimeFigureOut">
               <a:rPr lang="en-US" smtClean="0"/>
-              <a:t>Click to edit Master title style</a:t>
-            </a:r>
-            <a:endParaRPr lang="en-CA"/>
-          </a:p>
-        </p:txBody>
-      </p:sp>
-      <p:sp>
-        <p:nvSpPr>
-          <p:cNvPr id="3" name="Vertical Text Placeholder 2"/>
-          <p:cNvSpPr>
-            <a:spLocks noGrp="1"/>
-          </p:cNvSpPr>
-          <p:nvPr>
-            <p:ph type="body" orient="vert" idx="1"/>
+              <a:pPr/>
+              <a:t>10/5/2012</a:t>
+            </a:fld>
+            <a:endParaRPr lang="en-US"/>
+          </a:p>
+        </p:txBody>
+      </p:sp>
+      <p:sp>
+        <p:nvSpPr>
+          <p:cNvPr id="5" name="Footer Placeholder 4"/>
+          <p:cNvSpPr>
+            <a:spLocks noGrp="1"/>
+          </p:cNvSpPr>
+          <p:nvPr>
+            <p:ph type="ftr" sz="quarter" idx="11"/>
           </p:nvPr>
         </p:nvSpPr>
         <p:spPr/>
         <p:txBody>
-          <a:bodyPr vert="eaVert"/>
-          <a:lstStyle/>
-          <a:p>
-            <a:pPr lvl="0"/>
-            <a:r>
-              <a:rPr lang="en-US" smtClean="0"/>
-              <a:t>Click to edit Master text styles</a:t>
-            </a:r>
-          </a:p>
-          <a:p>
-            <a:pPr lvl="1"/>
-            <a:r>
-              <a:rPr lang="en-US" smtClean="0"/>
-              <a:t>Second level</a:t>
-            </a:r>
-          </a:p>
-          <a:p>
-            <a:pPr lvl="2"/>
-            <a:r>
-              <a:rPr lang="en-US" smtClean="0"/>
-              <a:t>Third level</a:t>
-            </a:r>
-          </a:p>
-          <a:p>
-            <a:pPr lvl="3"/>
-            <a:r>
-              <a:rPr lang="en-US" smtClean="0"/>
-              <a:t>Fourth level</a:t>
-            </a:r>
-          </a:p>
-          <a:p>
-            <a:pPr lvl="4"/>
-            <a:r>
-              <a:rPr lang="en-US" smtClean="0"/>
-              <a:t>Fifth level</a:t>
-            </a:r>
-            <a:endParaRPr lang="en-CA"/>
-          </a:p>
-        </p:txBody>
-      </p:sp>
-      <p:sp>
-        <p:nvSpPr>
-          <p:cNvPr id="4" name="Date Placeholder 3"/>
-          <p:cNvSpPr>
-            <a:spLocks noGrp="1"/>
-          </p:cNvSpPr>
-          <p:nvPr>
-            <p:ph type="dt" sz="half" idx="10"/>
+          <a:bodyPr/>
+          <a:lstStyle/>
+          <a:p>
+            <a:endParaRPr kumimoji="0" lang="en-US"/>
+          </a:p>
+        </p:txBody>
+      </p:sp>
+      <p:sp>
+        <p:nvSpPr>
+          <p:cNvPr id="6" name="Slide Number Placeholder 5"/>
+          <p:cNvSpPr>
+            <a:spLocks noGrp="1"/>
+          </p:cNvSpPr>
+          <p:nvPr>
+            <p:ph type="sldNum" sz="quarter" idx="12"/>
           </p:nvPr>
         </p:nvSpPr>
         <p:spPr/>
@@ -1418,62 +1395,16 @@
           <a:bodyPr/>
           <a:lstStyle/>
           <a:p>
-            <a:fld id="{80AAE011-496F-41C9-BBC2-E7ACFF69BF3B}" type="datetimeFigureOut">
-              <a:rPr lang="en-CA" smtClean="0"/>
-              <a:t>03/10/2012</a:t>
-            </a:fld>
-            <a:endParaRPr lang="en-CA"/>
-          </a:p>
-        </p:txBody>
-      </p:sp>
-      <p:sp>
-        <p:nvSpPr>
-          <p:cNvPr id="5" name="Footer Placeholder 4"/>
-          <p:cNvSpPr>
-            <a:spLocks noGrp="1"/>
-          </p:cNvSpPr>
-          <p:nvPr>
-            <p:ph type="ftr" sz="quarter" idx="11"/>
-          </p:nvPr>
-        </p:nvSpPr>
-        <p:spPr/>
-        <p:txBody>
-          <a:bodyPr/>
-          <a:lstStyle/>
-          <a:p>
-            <a:endParaRPr lang="en-CA"/>
-          </a:p>
-        </p:txBody>
-      </p:sp>
-      <p:sp>
-        <p:nvSpPr>
-          <p:cNvPr id="6" name="Slide Number Placeholder 5"/>
-          <p:cNvSpPr>
-            <a:spLocks noGrp="1"/>
-          </p:cNvSpPr>
-          <p:nvPr>
-            <p:ph type="sldNum" sz="quarter" idx="12"/>
-          </p:nvPr>
-        </p:nvSpPr>
-        <p:spPr/>
-        <p:txBody>
-          <a:bodyPr/>
-          <a:lstStyle/>
-          <a:p>
-            <a:fld id="{5DEA27B1-7EAF-4139-A8DC-C82F031F298F}" type="slidenum">
-              <a:rPr lang="en-CA" smtClean="0"/>
+            <a:fld id="{91974DF9-AD47-4691-BA21-BBFCE3637A9A}" type="slidenum">
+              <a:rPr kumimoji="0" lang="en-US" smtClean="0"/>
+              <a:pPr/>
               <a:t>‹#›</a:t>
             </a:fld>
-            <a:endParaRPr lang="en-CA"/>
+            <a:endParaRPr kumimoji="0" lang="en-US"/>
           </a:p>
         </p:txBody>
       </p:sp>
     </p:spTree>
-    <p:extLst>
-      <p:ext uri="{BB962C8B-B14F-4D97-AF65-F5344CB8AC3E}">
-        <p14:creationId xmlns:p14="http://schemas.microsoft.com/office/powerpoint/2010/main" val="3259930046"/>
-      </p:ext>
-    </p:extLst>
   </p:cSld>
   <p:clrMapOvr>
     <a:masterClrMapping/>
@@ -1510,19 +1441,15 @@
         </p:nvSpPr>
         <p:spPr>
           <a:xfrm>
-            <a:off x="6629400" y="274638"/>
-            <a:ext cx="2057400" cy="5851525"/>
+            <a:off x="6629400" y="533404"/>
+            <a:ext cx="1981200" cy="5257799"/>
           </a:xfrm>
         </p:spPr>
         <p:txBody>
           <a:bodyPr vert="eaVert"/>
           <a:lstStyle/>
           <a:p>
-            <a:r>
-              <a:rPr lang="en-US" smtClean="0"/>
-              <a:t>Click to edit Master title style</a:t>
-            </a:r>
-            <a:endParaRPr lang="en-CA"/>
+            <a:endParaRPr kumimoji="0" lang="en-US"/>
           </a:p>
         </p:txBody>
       </p:sp>
@@ -1538,59 +1465,67 @@
         </p:nvSpPr>
         <p:spPr>
           <a:xfrm>
-            <a:off x="457200" y="274638"/>
-            <a:ext cx="6019800" cy="5851525"/>
+            <a:off x="533400" y="533402"/>
+            <a:ext cx="5943600" cy="5257801"/>
           </a:xfrm>
         </p:spPr>
         <p:txBody>
           <a:bodyPr vert="eaVert"/>
           <a:lstStyle/>
           <a:p>
-            <a:pPr lvl="0"/>
-            <a:r>
+            <a:pPr lvl="0" eaLnBrk="1" latinLnBrk="0" hangingPunct="1"/>
+            <a:endParaRPr/>
+          </a:p>
+          <a:p>
+            <a:pPr lvl="1" eaLnBrk="1" latinLnBrk="0" hangingPunct="1"/>
+            <a:endParaRPr/>
+          </a:p>
+          <a:p>
+            <a:pPr lvl="2" eaLnBrk="1" latinLnBrk="0" hangingPunct="1"/>
+            <a:endParaRPr/>
+          </a:p>
+          <a:p>
+            <a:pPr lvl="3" eaLnBrk="1" latinLnBrk="0" hangingPunct="1"/>
+            <a:endParaRPr/>
+          </a:p>
+          <a:p>
+            <a:pPr lvl="4" eaLnBrk="1" latinLnBrk="0" hangingPunct="1"/>
+            <a:endParaRPr kumimoji="0" lang="en-US"/>
+          </a:p>
+        </p:txBody>
+      </p:sp>
+      <p:sp>
+        <p:nvSpPr>
+          <p:cNvPr id="4" name="Date Placeholder 3"/>
+          <p:cNvSpPr>
+            <a:spLocks noGrp="1"/>
+          </p:cNvSpPr>
+          <p:nvPr>
+            <p:ph type="dt" sz="half" idx="10"/>
+          </p:nvPr>
+        </p:nvSpPr>
+        <p:spPr/>
+        <p:txBody>
+          <a:bodyPr/>
+          <a:lstStyle/>
+          <a:p>
+            <a:fld id="{C699CB88-5E1A-4FAC-892A-60949ACB1F6F}" type="datetimeFigureOut">
               <a:rPr lang="en-US" smtClean="0"/>
-              <a:t>Click to edit Master text styles</a:t>
-            </a:r>
-          </a:p>
-          <a:p>
-            <a:pPr lvl="1"/>
-            <a:r>
-              <a:rPr lang="en-US" smtClean="0"/>
-              <a:t>Second level</a:t>
-            </a:r>
-          </a:p>
-          <a:p>
-            <a:pPr lvl="2"/>
-            <a:r>
-              <a:rPr lang="en-US" smtClean="0"/>
-              <a:t>Third level</a:t>
-            </a:r>
-          </a:p>
-          <a:p>
-            <a:pPr lvl="3"/>
-            <a:r>
-              <a:rPr lang="en-US" smtClean="0"/>
-              <a:t>Fourth level</a:t>
-            </a:r>
-          </a:p>
-          <a:p>
-            <a:pPr lvl="4"/>
-            <a:r>
-              <a:rPr lang="en-US" smtClean="0"/>
-              <a:t>Fifth level</a:t>
-            </a:r>
-            <a:endParaRPr lang="en-CA"/>
-          </a:p>
-        </p:txBody>
-      </p:sp>
-      <p:sp>
-        <p:nvSpPr>
-          <p:cNvPr id="4" name="Date Placeholder 3"/>
-          <p:cNvSpPr>
-            <a:spLocks noGrp="1"/>
-          </p:cNvSpPr>
-          <p:nvPr>
-            <p:ph type="dt" sz="half" idx="10"/>
+              <a:pPr/>
+              <a:t>10/5/2012</a:t>
+            </a:fld>
+            <a:endParaRPr lang="en-US"/>
+          </a:p>
+        </p:txBody>
+      </p:sp>
+      <p:sp>
+        <p:nvSpPr>
+          <p:cNvPr id="5" name="Footer Placeholder 4"/>
+          <p:cNvSpPr>
+            <a:spLocks noGrp="1"/>
+          </p:cNvSpPr>
+          <p:nvPr>
+            <p:ph type="ftr" sz="quarter" idx="11"/>
           </p:nvPr>
         </p:nvSpPr>
         <p:spPr/>
@@ -1598,22 +1533,18 @@
           <a:bodyPr/>
           <a:lstStyle/>
           <a:p>
-            <a:fld id="{80AAE011-496F-41C9-BBC2-E7ACFF69BF3B}" type="datetimeFigureOut">
-              <a:rPr lang="en-CA" smtClean="0"/>
-              <a:t>03/10/2012</a:t>
-            </a:fld>
-            <a:endParaRPr lang="en-CA"/>
-          </a:p>
-        </p:txBody>
-      </p:sp>
-      <p:sp>
-        <p:nvSpPr>
-          <p:cNvPr id="5" name="Footer Placeholder 4"/>
-          <p:cNvSpPr>
-            <a:spLocks noGrp="1"/>
-          </p:cNvSpPr>
-          <p:nvPr>
-            <p:ph type="ftr" sz="quarter" idx="11"/>
+            <a:endParaRPr kumimoji="0" lang="en-US"/>
+          </a:p>
+        </p:txBody>
+      </p:sp>
+      <p:sp>
+        <p:nvSpPr>
+          <p:cNvPr id="6" name="Slide Number Placeholder 5"/>
+          <p:cNvSpPr>
+            <a:spLocks noGrp="1"/>
+          </p:cNvSpPr>
+          <p:nvPr>
+            <p:ph type="sldNum" sz="quarter" idx="12"/>
           </p:nvPr>
         </p:nvSpPr>
         <p:spPr/>
@@ -1621,39 +1552,16 @@
           <a:bodyPr/>
           <a:lstStyle/>
           <a:p>
-            <a:endParaRPr lang="en-CA"/>
-          </a:p>
-        </p:txBody>
-      </p:sp>
-      <p:sp>
-        <p:nvSpPr>
-          <p:cNvPr id="6" name="Slide Number Placeholder 5"/>
-          <p:cNvSpPr>
-            <a:spLocks noGrp="1"/>
-          </p:cNvSpPr>
-          <p:nvPr>
-            <p:ph type="sldNum" sz="quarter" idx="12"/>
-          </p:nvPr>
-        </p:nvSpPr>
-        <p:spPr/>
-        <p:txBody>
-          <a:bodyPr/>
-          <a:lstStyle/>
-          <a:p>
-            <a:fld id="{5DEA27B1-7EAF-4139-A8DC-C82F031F298F}" type="slidenum">
-              <a:rPr lang="en-CA" smtClean="0"/>
+            <a:fld id="{91974DF9-AD47-4691-BA21-BBFCE3637A9A}" type="slidenum">
+              <a:rPr kumimoji="0" lang="en-US" smtClean="0"/>
+              <a:pPr/>
               <a:t>‹#›</a:t>
             </a:fld>
-            <a:endParaRPr lang="en-CA"/>
+            <a:endParaRPr kumimoji="0" lang="en-US"/>
           </a:p>
         </p:txBody>
       </p:sp>
     </p:spTree>
-    <p:extLst>
-      <p:ext uri="{BB962C8B-B14F-4D97-AF65-F5344CB8AC3E}">
-        <p14:creationId xmlns:p14="http://schemas.microsoft.com/office/powerpoint/2010/main" val="2352882194"/>
-      </p:ext>
-    </p:extLst>
   </p:cSld>
   <p:clrMapOvr>
     <a:masterClrMapping/>
@@ -1688,27 +1596,93 @@
             <p:ph type="title"/>
           </p:nvPr>
         </p:nvSpPr>
+        <p:spPr>
+          <a:xfrm>
+            <a:off x="502920" y="4983480"/>
+            <a:ext cx="8183880" cy="1051560"/>
+          </a:xfrm>
+        </p:spPr>
+        <p:txBody>
+          <a:bodyPr/>
+          <a:lstStyle/>
+          <a:p>
+            <a:endParaRPr kumimoji="0" lang="en-US"/>
+          </a:p>
+        </p:txBody>
+      </p:sp>
+      <p:sp>
+        <p:nvSpPr>
+          <p:cNvPr id="3" name="Content Placeholder 2"/>
+          <p:cNvSpPr>
+            <a:spLocks noGrp="1"/>
+          </p:cNvSpPr>
+          <p:nvPr>
+            <p:ph idx="1"/>
+          </p:nvPr>
+        </p:nvSpPr>
+        <p:spPr>
+          <a:xfrm>
+            <a:off x="502920" y="530352"/>
+            <a:ext cx="8183880" cy="4187952"/>
+          </a:xfrm>
+        </p:spPr>
+        <p:txBody>
+          <a:bodyPr/>
+          <a:lstStyle/>
+          <a:p>
+            <a:pPr lvl="0" eaLnBrk="1" latinLnBrk="0" hangingPunct="1"/>
+            <a:endParaRPr/>
+          </a:p>
+          <a:p>
+            <a:pPr lvl="1" eaLnBrk="1" latinLnBrk="0" hangingPunct="1"/>
+            <a:endParaRPr/>
+          </a:p>
+          <a:p>
+            <a:pPr lvl="2" eaLnBrk="1" latinLnBrk="0" hangingPunct="1"/>
+            <a:endParaRPr/>
+          </a:p>
+          <a:p>
+            <a:pPr lvl="3" eaLnBrk="1" latinLnBrk="0" hangingPunct="1"/>
+            <a:endParaRPr/>
+          </a:p>
+          <a:p>
+            <a:pPr lvl="4" eaLnBrk="1" latinLnBrk="0" hangingPunct="1"/>
+            <a:endParaRPr kumimoji="0" lang="en-US"/>
+          </a:p>
+        </p:txBody>
+      </p:sp>
+      <p:sp>
+        <p:nvSpPr>
+          <p:cNvPr id="4" name="Date Placeholder 3"/>
+          <p:cNvSpPr>
+            <a:spLocks noGrp="1"/>
+          </p:cNvSpPr>
+          <p:nvPr>
+            <p:ph type="dt" sz="half" idx="10"/>
+          </p:nvPr>
+        </p:nvSpPr>
         <p:spPr/>
         <p:txBody>
           <a:bodyPr/>
           <a:lstStyle/>
           <a:p>
-            <a:r>
+            <a:fld id="{C699CB88-5E1A-4FAC-892A-60949ACB1F6F}" type="datetimeFigureOut">
               <a:rPr lang="en-US" smtClean="0"/>
-              <a:t>Click to edit Master title style</a:t>
-            </a:r>
-            <a:endParaRPr lang="en-CA"/>
-          </a:p>
-        </p:txBody>
-      </p:sp>
-      <p:sp>
-        <p:nvSpPr>
-          <p:cNvPr id="3" name="Content Placeholder 2"/>
-          <p:cNvSpPr>
-            <a:spLocks noGrp="1"/>
-          </p:cNvSpPr>
-          <p:nvPr>
-            <p:ph idx="1"/>
+              <a:pPr/>
+              <a:t>10/5/2012</a:t>
+            </a:fld>
+            <a:endParaRPr lang="en-US"/>
+          </a:p>
+        </p:txBody>
+      </p:sp>
+      <p:sp>
+        <p:nvSpPr>
+          <p:cNvPr id="5" name="Footer Placeholder 4"/>
+          <p:cNvSpPr>
+            <a:spLocks noGrp="1"/>
+          </p:cNvSpPr>
+          <p:nvPr>
+            <p:ph type="ftr" sz="quarter" idx="11"/>
           </p:nvPr>
         </p:nvSpPr>
         <p:spPr/>
@@ -1716,51 +1690,18 @@
           <a:bodyPr/>
           <a:lstStyle/>
           <a:p>
-            <a:pPr lvl="0"/>
-            <a:r>
-              <a:rPr lang="en-US" smtClean="0"/>
-              <a:t>Click to edit Master text styles</a:t>
-            </a:r>
-          </a:p>
-          <a:p>
-            <a:pPr lvl="1"/>
-            <a:r>
-              <a:rPr lang="en-US" smtClean="0"/>
-              <a:t>Second level</a:t>
-            </a:r>
-          </a:p>
-          <a:p>
-            <a:pPr lvl="2"/>
-            <a:r>
-              <a:rPr lang="en-US" smtClean="0"/>
-              <a:t>Third level</a:t>
-            </a:r>
-          </a:p>
-          <a:p>
-            <a:pPr lvl="3"/>
-            <a:r>
-              <a:rPr lang="en-US" smtClean="0"/>
-              <a:t>Fourth level</a:t>
-            </a:r>
-          </a:p>
-          <a:p>
-            <a:pPr lvl="4"/>
-            <a:r>
-              <a:rPr lang="en-US" smtClean="0"/>
-              <a:t>Fifth level</a:t>
-            </a:r>
-            <a:endParaRPr lang="en-CA"/>
-          </a:p>
-        </p:txBody>
-      </p:sp>
-      <p:sp>
-        <p:nvSpPr>
-          <p:cNvPr id="4" name="Date Placeholder 3"/>
-          <p:cNvSpPr>
-            <a:spLocks noGrp="1"/>
-          </p:cNvSpPr>
-          <p:nvPr>
-            <p:ph type="dt" sz="half" idx="10"/>
+            <a:endParaRPr kumimoji="0" lang="en-US"/>
+          </a:p>
+        </p:txBody>
+      </p:sp>
+      <p:sp>
+        <p:nvSpPr>
+          <p:cNvPr id="6" name="Slide Number Placeholder 5"/>
+          <p:cNvSpPr>
+            <a:spLocks noGrp="1"/>
+          </p:cNvSpPr>
+          <p:nvPr>
+            <p:ph type="sldNum" sz="quarter" idx="12"/>
           </p:nvPr>
         </p:nvSpPr>
         <p:spPr/>
@@ -1768,62 +1709,16 @@
           <a:bodyPr/>
           <a:lstStyle/>
           <a:p>
-            <a:fld id="{80AAE011-496F-41C9-BBC2-E7ACFF69BF3B}" type="datetimeFigureOut">
-              <a:rPr lang="en-CA" smtClean="0"/>
-              <a:t>03/10/2012</a:t>
-            </a:fld>
-            <a:endParaRPr lang="en-CA"/>
-          </a:p>
-        </p:txBody>
-      </p:sp>
-      <p:sp>
-        <p:nvSpPr>
-          <p:cNvPr id="5" name="Footer Placeholder 4"/>
-          <p:cNvSpPr>
-            <a:spLocks noGrp="1"/>
-          </p:cNvSpPr>
-          <p:nvPr>
-            <p:ph type="ftr" sz="quarter" idx="11"/>
-          </p:nvPr>
-        </p:nvSpPr>
-        <p:spPr/>
-        <p:txBody>
-          <a:bodyPr/>
-          <a:lstStyle/>
-          <a:p>
-            <a:endParaRPr lang="en-CA"/>
-          </a:p>
-        </p:txBody>
-      </p:sp>
-      <p:sp>
-        <p:nvSpPr>
-          <p:cNvPr id="6" name="Slide Number Placeholder 5"/>
-          <p:cNvSpPr>
-            <a:spLocks noGrp="1"/>
-          </p:cNvSpPr>
-          <p:nvPr>
-            <p:ph type="sldNum" sz="quarter" idx="12"/>
-          </p:nvPr>
-        </p:nvSpPr>
-        <p:spPr/>
-        <p:txBody>
-          <a:bodyPr/>
-          <a:lstStyle/>
-          <a:p>
-            <a:fld id="{5DEA27B1-7EAF-4139-A8DC-C82F031F298F}" type="slidenum">
-              <a:rPr lang="en-CA" smtClean="0"/>
+            <a:fld id="{91974DF9-AD47-4691-BA21-BBFCE3637A9A}" type="slidenum">
+              <a:rPr kumimoji="0" lang="en-US" smtClean="0"/>
+              <a:pPr/>
               <a:t>‹#›</a:t>
             </a:fld>
-            <a:endParaRPr lang="en-CA"/>
+            <a:endParaRPr kumimoji="0" lang="en-US"/>
           </a:p>
         </p:txBody>
       </p:sp>
     </p:spTree>
-    <p:extLst>
-      <p:ext uri="{BB962C8B-B14F-4D97-AF65-F5344CB8AC3E}">
-        <p14:creationId xmlns:p14="http://schemas.microsoft.com/office/powerpoint/2010/main" val="2192553345"/>
-      </p:ext>
-    </p:extLst>
   </p:cSld>
   <p:clrMapOvr>
     <a:masterClrMapping/>
@@ -1832,7 +1727,7 @@
 </file>
 
 <file path=ppt/slideLayouts/slideLayout3.xml><?xml version="1.0" encoding="utf-8"?>
-<p:sldLayout xmlns:a="http://schemas.openxmlformats.org/drawingml/2006/main" xmlns:r="http://schemas.openxmlformats.org/officeDocument/2006/relationships" xmlns:p="http://schemas.openxmlformats.org/presentationml/2006/main" type="secHead" preserve="1">
+<p:sldLayout xmlns:a="http://schemas.openxmlformats.org/drawingml/2006/main" xmlns:r="http://schemas.openxmlformats.org/officeDocument/2006/relationships" xmlns:p="http://schemas.openxmlformats.org/presentationml/2006/main" showMasterSp="0" type="secHead" preserve="1">
   <p:cSld name="Section Header">
     <p:spTree>
       <p:nvGrpSpPr>
@@ -1850,33 +1745,189 @@
       </p:grpSpPr>
       <p:sp>
         <p:nvSpPr>
-          <p:cNvPr id="2" name="Title 1"/>
-          <p:cNvSpPr>
-            <a:spLocks noGrp="1"/>
-          </p:cNvSpPr>
-          <p:nvPr>
-            <p:ph type="title"/>
-          </p:nvPr>
+          <p:cNvPr id="14" name="Rounded Rectangle 13"/>
+          <p:cNvSpPr/>
+          <p:nvPr/>
         </p:nvSpPr>
         <p:spPr>
           <a:xfrm>
-            <a:off x="722313" y="4406900"/>
-            <a:ext cx="7772400" cy="1362075"/>
+            <a:off x="304800" y="329184"/>
+            <a:ext cx="8532055" cy="6196819"/>
+          </a:xfrm>
+          <a:prstGeom prst="roundRect">
+            <a:avLst>
+              <a:gd name="adj" fmla="val 2081"/>
+            </a:avLst>
+          </a:prstGeom>
+          <a:gradFill flip="none" rotWithShape="1">
+            <a:gsLst>
+              <a:gs pos="0">
+                <a:srgbClr val="FFFFFF">
+                  <a:shade val="100000"/>
+                </a:srgbClr>
+              </a:gs>
+              <a:gs pos="98000">
+                <a:srgbClr val="FFFFFF">
+                  <a:shade val="100000"/>
+                </a:srgbClr>
+              </a:gs>
+              <a:gs pos="99055">
+                <a:srgbClr val="FFFFFF">
+                  <a:shade val="93000"/>
+                </a:srgbClr>
+              </a:gs>
+              <a:gs pos="100000">
+                <a:srgbClr val="FFFFFF">
+                  <a:shade val="70000"/>
+                </a:srgbClr>
+              </a:gs>
+            </a:gsLst>
+            <a:lin ang="5400000" scaled="1"/>
+            <a:tileRect/>
+          </a:gradFill>
+          <a:ln w="2000" cap="rnd" cmpd="sng" algn="ctr">
+            <a:solidFill>
+              <a:srgbClr val="302F2C">
+                <a:tint val="65000"/>
+                <a:satMod val="120000"/>
+              </a:srgbClr>
+            </a:solidFill>
+            <a:prstDash val="solid"/>
+          </a:ln>
+          <a:effectLst>
+            <a:outerShdw blurRad="76200" dist="50800" dir="5400000" algn="tl" rotWithShape="0">
+              <a:srgbClr val="000000">
+                <a:alpha val="25000"/>
+              </a:srgbClr>
+            </a:outerShdw>
+          </a:effectLst>
+        </p:spPr>
+        <p:style>
+          <a:lnRef idx="3">
+            <a:schemeClr val="lt1"/>
+          </a:lnRef>
+          <a:fillRef idx="1">
+            <a:schemeClr val="accent1"/>
+          </a:fillRef>
+          <a:effectRef idx="1">
+            <a:schemeClr val="accent1"/>
+          </a:effectRef>
+          <a:fontRef idx="minor">
+            <a:schemeClr val="lt1"/>
+          </a:fontRef>
+        </p:style>
+        <p:txBody>
+          <a:bodyPr anchor="ctr"/>
+          <a:lstStyle/>
+          <a:p>
+            <a:pPr algn="ctr" eaLnBrk="1" latinLnBrk="0" hangingPunct="1"/>
+            <a:endParaRPr kumimoji="0" lang="en-US"/>
+          </a:p>
+        </p:txBody>
+      </p:sp>
+      <p:sp>
+        <p:nvSpPr>
+          <p:cNvPr id="11" name="Rounded Rectangle 10"/>
+          <p:cNvSpPr/>
+          <p:nvPr/>
+        </p:nvSpPr>
+        <p:spPr>
+          <a:xfrm>
+            <a:off x="418596" y="434162"/>
+            <a:ext cx="8306809" cy="4341329"/>
+          </a:xfrm>
+          <a:prstGeom prst="roundRect">
+            <a:avLst>
+              <a:gd name="adj" fmla="val 2127"/>
+            </a:avLst>
+          </a:prstGeom>
+          <a:gradFill rotWithShape="1">
+            <a:gsLst>
+              <a:gs pos="0">
+                <a:schemeClr val="bg1">
+                  <a:tint val="75000"/>
+                  <a:satMod val="150000"/>
+                </a:schemeClr>
+              </a:gs>
+              <a:gs pos="55000">
+                <a:schemeClr val="bg1">
+                  <a:shade val="75000"/>
+                  <a:satMod val="100000"/>
+                </a:schemeClr>
+              </a:gs>
+              <a:gs pos="100000">
+                <a:schemeClr val="bg1">
+                  <a:shade val="35000"/>
+                  <a:satMod val="100000"/>
+                </a:schemeClr>
+              </a:gs>
+            </a:gsLst>
+            <a:path path="circle">
+              <a:fillToRect l="50000" t="175000" r="50000" b="-75000"/>
+            </a:path>
+          </a:gradFill>
+          <a:ln w="8890" cap="rnd" cmpd="sng" algn="ctr">
+            <a:noFill/>
+            <a:prstDash val="solid"/>
+          </a:ln>
+          <a:effectLst/>
+        </p:spPr>
+        <p:style>
+          <a:lnRef idx="3">
+            <a:schemeClr val="lt1"/>
+          </a:lnRef>
+          <a:fillRef idx="1">
+            <a:schemeClr val="accent1"/>
+          </a:fillRef>
+          <a:effectRef idx="1">
+            <a:schemeClr val="accent1"/>
+          </a:effectRef>
+          <a:fontRef idx="minor">
+            <a:schemeClr val="lt1"/>
+          </a:fontRef>
+        </p:style>
+        <p:txBody>
+          <a:bodyPr anchor="ctr"/>
+          <a:lstStyle/>
+          <a:p>
+            <a:pPr algn="ctr" eaLnBrk="1" latinLnBrk="0" hangingPunct="1"/>
+            <a:endParaRPr kumimoji="0" lang="en-US"/>
+          </a:p>
+        </p:txBody>
+      </p:sp>
+      <p:sp>
+        <p:nvSpPr>
+          <p:cNvPr id="2" name="Title 1"/>
+          <p:cNvSpPr>
+            <a:spLocks noGrp="1"/>
+          </p:cNvSpPr>
+          <p:nvPr>
+            <p:ph type="title"/>
+          </p:nvPr>
+        </p:nvSpPr>
+        <p:spPr>
+          <a:xfrm>
+            <a:off x="468344" y="4928616"/>
+            <a:ext cx="8183880" cy="676656"/>
           </a:xfrm>
         </p:spPr>
         <p:txBody>
-          <a:bodyPr anchor="t"/>
+          <a:bodyPr lIns="91440" bIns="0" anchor="b"/>
           <a:lstStyle>
             <a:lvl1pPr algn="l">
-              <a:defRPr sz="4000" b="1" cap="all"/>
+              <a:buNone/>
+              <a:defRPr sz="3600" b="0" cap="none" baseline="0">
+                <a:solidFill>
+                  <a:schemeClr val="bg2">
+                    <a:shade val="25000"/>
+                  </a:schemeClr>
+                </a:solidFill>
+                <a:effectLst/>
+              </a:defRPr>
             </a:lvl1pPr>
           </a:lstStyle>
           <a:p>
-            <a:r>
-              <a:rPr lang="en-US" smtClean="0"/>
-              <a:t>Click to edit Master title style</a:t>
-            </a:r>
-            <a:endParaRPr lang="en-CA"/>
+            <a:endParaRPr kumimoji="0" lang="en-US"/>
           </a:p>
         </p:txBody>
       </p:sp>
@@ -1892,24 +1943,32 @@
         </p:nvSpPr>
         <p:spPr>
           <a:xfrm>
-            <a:off x="722313" y="2906713"/>
-            <a:ext cx="7772400" cy="1500187"/>
+            <a:off x="468344" y="5624484"/>
+            <a:ext cx="8183880" cy="420624"/>
           </a:xfrm>
         </p:spPr>
         <p:txBody>
-          <a:bodyPr anchor="b"/>
+          <a:bodyPr lIns="118872" tIns="0" anchor="t"/>
           <a:lstStyle>
-            <a:lvl1pPr marL="0" indent="0">
+            <a:lvl1pPr marL="0" marR="36576" indent="0" algn="l">
+              <a:spcBef>
+                <a:spcPts val="0"/>
+              </a:spcBef>
+              <a:spcAft>
+                <a:spcPts val="0"/>
+              </a:spcAft>
               <a:buNone/>
-              <a:defRPr sz="2000">
+              <a:defRPr sz="1800" b="0">
                 <a:solidFill>
-                  <a:schemeClr val="tx1">
-                    <a:tint val="75000"/>
+                  <a:schemeClr val="accent1">
+                    <a:shade val="50000"/>
+                    <a:satMod val="110000"/>
                   </a:schemeClr>
                 </a:solidFill>
+                <a:effectLst/>
               </a:defRPr>
             </a:lvl1pPr>
-            <a:lvl2pPr marL="457200" indent="0">
+            <a:lvl2pPr>
               <a:buNone/>
               <a:defRPr sz="1800">
                 <a:solidFill>
@@ -1919,7 +1978,7 @@
                 </a:solidFill>
               </a:defRPr>
             </a:lvl2pPr>
-            <a:lvl3pPr marL="914400" indent="0">
+            <a:lvl3pPr>
               <a:buNone/>
               <a:defRPr sz="1600">
                 <a:solidFill>
@@ -1929,7 +1988,7 @@
                 </a:solidFill>
               </a:defRPr>
             </a:lvl3pPr>
-            <a:lvl4pPr marL="1371600" indent="0">
+            <a:lvl4pPr>
               <a:buNone/>
               <a:defRPr sz="1400">
                 <a:solidFill>
@@ -1939,7 +1998,7 @@
                 </a:solidFill>
               </a:defRPr>
             </a:lvl4pPr>
-            <a:lvl5pPr marL="1828800" indent="0">
+            <a:lvl5pPr>
               <a:buNone/>
               <a:defRPr sz="1400">
                 <a:solidFill>
@@ -1949,64 +2008,45 @@
                 </a:solidFill>
               </a:defRPr>
             </a:lvl5pPr>
-            <a:lvl6pPr marL="2286000" indent="0">
-              <a:buNone/>
-              <a:defRPr sz="1400">
-                <a:solidFill>
-                  <a:schemeClr val="tx1">
-                    <a:tint val="75000"/>
-                  </a:schemeClr>
-                </a:solidFill>
-              </a:defRPr>
-            </a:lvl6pPr>
-            <a:lvl7pPr marL="2743200" indent="0">
-              <a:buNone/>
-              <a:defRPr sz="1400">
-                <a:solidFill>
-                  <a:schemeClr val="tx1">
-                    <a:tint val="75000"/>
-                  </a:schemeClr>
-                </a:solidFill>
-              </a:defRPr>
-            </a:lvl7pPr>
-            <a:lvl8pPr marL="3200400" indent="0">
-              <a:buNone/>
-              <a:defRPr sz="1400">
-                <a:solidFill>
-                  <a:schemeClr val="tx1">
-                    <a:tint val="75000"/>
-                  </a:schemeClr>
-                </a:solidFill>
-              </a:defRPr>
-            </a:lvl8pPr>
-            <a:lvl9pPr marL="3657600" indent="0">
-              <a:buNone/>
-              <a:defRPr sz="1400">
-                <a:solidFill>
-                  <a:schemeClr val="tx1">
-                    <a:tint val="75000"/>
-                  </a:schemeClr>
-                </a:solidFill>
-              </a:defRPr>
-            </a:lvl9pPr>
           </a:lstStyle>
           <a:p>
-            <a:pPr lvl="0"/>
-            <a:r>
+            <a:pPr lvl="0" eaLnBrk="1" latinLnBrk="0" hangingPunct="1"/>
+            <a:endParaRPr kumimoji="0" lang="en-US"/>
+          </a:p>
+        </p:txBody>
+      </p:sp>
+      <p:sp>
+        <p:nvSpPr>
+          <p:cNvPr id="4" name="Date Placeholder 3"/>
+          <p:cNvSpPr>
+            <a:spLocks noGrp="1"/>
+          </p:cNvSpPr>
+          <p:nvPr>
+            <p:ph type="dt" sz="half" idx="10"/>
+          </p:nvPr>
+        </p:nvSpPr>
+        <p:spPr/>
+        <p:txBody>
+          <a:bodyPr/>
+          <a:lstStyle/>
+          <a:p>
+            <a:fld id="{C699CB88-5E1A-4FAC-892A-60949ACB1F6F}" type="datetimeFigureOut">
               <a:rPr lang="en-US" smtClean="0"/>
-              <a:t>Click to edit Master text styles</a:t>
-            </a:r>
-          </a:p>
-        </p:txBody>
-      </p:sp>
-      <p:sp>
-        <p:nvSpPr>
-          <p:cNvPr id="4" name="Date Placeholder 3"/>
-          <p:cNvSpPr>
-            <a:spLocks noGrp="1"/>
-          </p:cNvSpPr>
-          <p:nvPr>
-            <p:ph type="dt" sz="half" idx="10"/>
+              <a:pPr/>
+              <a:t>10/5/2012</a:t>
+            </a:fld>
+            <a:endParaRPr lang="en-US"/>
+          </a:p>
+        </p:txBody>
+      </p:sp>
+      <p:sp>
+        <p:nvSpPr>
+          <p:cNvPr id="5" name="Footer Placeholder 4"/>
+          <p:cNvSpPr>
+            <a:spLocks noGrp="1"/>
+          </p:cNvSpPr>
+          <p:nvPr>
+            <p:ph type="ftr" sz="quarter" idx="11"/>
           </p:nvPr>
         </p:nvSpPr>
         <p:spPr/>
@@ -2014,22 +2054,18 @@
           <a:bodyPr/>
           <a:lstStyle/>
           <a:p>
-            <a:fld id="{80AAE011-496F-41C9-BBC2-E7ACFF69BF3B}" type="datetimeFigureOut">
-              <a:rPr lang="en-CA" smtClean="0"/>
-              <a:t>03/10/2012</a:t>
-            </a:fld>
-            <a:endParaRPr lang="en-CA"/>
-          </a:p>
-        </p:txBody>
-      </p:sp>
-      <p:sp>
-        <p:nvSpPr>
-          <p:cNvPr id="5" name="Footer Placeholder 4"/>
-          <p:cNvSpPr>
-            <a:spLocks noGrp="1"/>
-          </p:cNvSpPr>
-          <p:nvPr>
-            <p:ph type="ftr" sz="quarter" idx="11"/>
+            <a:endParaRPr kumimoji="0" lang="en-US"/>
+          </a:p>
+        </p:txBody>
+      </p:sp>
+      <p:sp>
+        <p:nvSpPr>
+          <p:cNvPr id="6" name="Slide Number Placeholder 5"/>
+          <p:cNvSpPr>
+            <a:spLocks noGrp="1"/>
+          </p:cNvSpPr>
+          <p:nvPr>
+            <p:ph type="sldNum" sz="quarter" idx="12"/>
           </p:nvPr>
         </p:nvSpPr>
         <p:spPr/>
@@ -2037,39 +2073,16 @@
           <a:bodyPr/>
           <a:lstStyle/>
           <a:p>
-            <a:endParaRPr lang="en-CA"/>
-          </a:p>
-        </p:txBody>
-      </p:sp>
-      <p:sp>
-        <p:nvSpPr>
-          <p:cNvPr id="6" name="Slide Number Placeholder 5"/>
-          <p:cNvSpPr>
-            <a:spLocks noGrp="1"/>
-          </p:cNvSpPr>
-          <p:nvPr>
-            <p:ph type="sldNum" sz="quarter" idx="12"/>
-          </p:nvPr>
-        </p:nvSpPr>
-        <p:spPr/>
-        <p:txBody>
-          <a:bodyPr/>
-          <a:lstStyle/>
-          <a:p>
-            <a:fld id="{5DEA27B1-7EAF-4139-A8DC-C82F031F298F}" type="slidenum">
-              <a:rPr lang="en-CA" smtClean="0"/>
+            <a:fld id="{91974DF9-AD47-4691-BA21-BBFCE3637A9A}" type="slidenum">
+              <a:rPr kumimoji="0" lang="en-US" smtClean="0"/>
+              <a:pPr/>
               <a:t>‹#›</a:t>
             </a:fld>
-            <a:endParaRPr lang="en-CA"/>
+            <a:endParaRPr kumimoji="0" lang="en-US"/>
           </a:p>
         </p:txBody>
       </p:sp>
     </p:spTree>
-    <p:extLst>
-      <p:ext uri="{BB962C8B-B14F-4D97-AF65-F5344CB8AC3E}">
-        <p14:creationId xmlns:p14="http://schemas.microsoft.com/office/powerpoint/2010/main" val="3958761022"/>
-      </p:ext>
-    </p:extLst>
   </p:cSld>
   <p:clrMapOvr>
     <a:masterClrMapping/>
@@ -2109,11 +2122,7 @@
           <a:bodyPr/>
           <a:lstStyle/>
           <a:p>
-            <a:r>
-              <a:rPr lang="en-US" smtClean="0"/>
-              <a:t>Click to edit Master title style</a:t>
-            </a:r>
-            <a:endParaRPr lang="en-CA"/>
+            <a:endParaRPr kumimoji="0" lang="en-US"/>
           </a:p>
         </p:txBody>
       </p:sp>
@@ -2129,18 +2138,18 @@
         </p:nvSpPr>
         <p:spPr>
           <a:xfrm>
-            <a:off x="457200" y="1600200"/>
-            <a:ext cx="4038600" cy="4525963"/>
+            <a:off x="514352" y="530352"/>
+            <a:ext cx="3931920" cy="4389120"/>
           </a:xfrm>
         </p:spPr>
         <p:txBody>
           <a:bodyPr/>
           <a:lstStyle>
             <a:lvl1pPr>
-              <a:defRPr sz="2800"/>
+              <a:defRPr sz="2600"/>
             </a:lvl1pPr>
             <a:lvl2pPr>
-              <a:defRPr sz="2400"/>
+              <a:defRPr sz="2200"/>
             </a:lvl2pPr>
             <a:lvl3pPr>
               <a:defRPr sz="2000"/>
@@ -2151,54 +2160,26 @@
             <a:lvl5pPr>
               <a:defRPr sz="1800"/>
             </a:lvl5pPr>
-            <a:lvl6pPr>
-              <a:defRPr sz="1800"/>
-            </a:lvl6pPr>
-            <a:lvl7pPr>
-              <a:defRPr sz="1800"/>
-            </a:lvl7pPr>
-            <a:lvl8pPr>
-              <a:defRPr sz="1800"/>
-            </a:lvl8pPr>
-            <a:lvl9pPr>
-              <a:defRPr sz="1800"/>
-            </a:lvl9pPr>
           </a:lstStyle>
           <a:p>
-            <a:pPr lvl="0"/>
-            <a:r>
-              <a:rPr lang="en-US" smtClean="0"/>
-              <a:t>Click to edit Master text styles</a:t>
-            </a:r>
-          </a:p>
-          <a:p>
-            <a:pPr lvl="1"/>
-            <a:r>
-              <a:rPr lang="en-US" smtClean="0"/>
-              <a:t>Second level</a:t>
-            </a:r>
-          </a:p>
-          <a:p>
-            <a:pPr lvl="2"/>
-            <a:r>
-              <a:rPr lang="en-US" smtClean="0"/>
-              <a:t>Third level</a:t>
-            </a:r>
-          </a:p>
-          <a:p>
-            <a:pPr lvl="3"/>
-            <a:r>
-              <a:rPr lang="en-US" smtClean="0"/>
-              <a:t>Fourth level</a:t>
-            </a:r>
-          </a:p>
-          <a:p>
-            <a:pPr lvl="4"/>
-            <a:r>
-              <a:rPr lang="en-US" smtClean="0"/>
-              <a:t>Fifth level</a:t>
-            </a:r>
-            <a:endParaRPr lang="en-CA"/>
+            <a:pPr lvl="0" eaLnBrk="1" latinLnBrk="0" hangingPunct="1"/>
+            <a:endParaRPr/>
+          </a:p>
+          <a:p>
+            <a:pPr lvl="1" eaLnBrk="1" latinLnBrk="0" hangingPunct="1"/>
+            <a:endParaRPr/>
+          </a:p>
+          <a:p>
+            <a:pPr lvl="2" eaLnBrk="1" latinLnBrk="0" hangingPunct="1"/>
+            <a:endParaRPr/>
+          </a:p>
+          <a:p>
+            <a:pPr lvl="3" eaLnBrk="1" latinLnBrk="0" hangingPunct="1"/>
+            <a:endParaRPr/>
+          </a:p>
+          <a:p>
+            <a:pPr lvl="4" eaLnBrk="1" latinLnBrk="0" hangingPunct="1"/>
+            <a:endParaRPr kumimoji="0" lang="en-US"/>
           </a:p>
         </p:txBody>
       </p:sp>
@@ -2214,18 +2195,18 @@
         </p:nvSpPr>
         <p:spPr>
           <a:xfrm>
-            <a:off x="4648200" y="1600200"/>
-            <a:ext cx="4038600" cy="4525963"/>
+            <a:off x="4755360" y="530352"/>
+            <a:ext cx="3931920" cy="4389120"/>
           </a:xfrm>
         </p:spPr>
         <p:txBody>
           <a:bodyPr/>
           <a:lstStyle>
             <a:lvl1pPr>
-              <a:defRPr sz="2800"/>
+              <a:defRPr sz="2600"/>
             </a:lvl1pPr>
             <a:lvl2pPr>
-              <a:defRPr sz="2400"/>
+              <a:defRPr sz="2200"/>
             </a:lvl2pPr>
             <a:lvl3pPr>
               <a:defRPr sz="2000"/>
@@ -2236,65 +2217,61 @@
             <a:lvl5pPr>
               <a:defRPr sz="1800"/>
             </a:lvl5pPr>
-            <a:lvl6pPr>
-              <a:defRPr sz="1800"/>
-            </a:lvl6pPr>
-            <a:lvl7pPr>
-              <a:defRPr sz="1800"/>
-            </a:lvl7pPr>
-            <a:lvl8pPr>
-              <a:defRPr sz="1800"/>
-            </a:lvl8pPr>
-            <a:lvl9pPr>
-              <a:defRPr sz="1800"/>
-            </a:lvl9pPr>
           </a:lstStyle>
           <a:p>
-            <a:pPr lvl="0"/>
-            <a:r>
+            <a:pPr lvl="0" eaLnBrk="1" latinLnBrk="0" hangingPunct="1"/>
+            <a:endParaRPr/>
+          </a:p>
+          <a:p>
+            <a:pPr lvl="1" eaLnBrk="1" latinLnBrk="0" hangingPunct="1"/>
+            <a:endParaRPr/>
+          </a:p>
+          <a:p>
+            <a:pPr lvl="2" eaLnBrk="1" latinLnBrk="0" hangingPunct="1"/>
+            <a:endParaRPr/>
+          </a:p>
+          <a:p>
+            <a:pPr lvl="3" eaLnBrk="1" latinLnBrk="0" hangingPunct="1"/>
+            <a:endParaRPr/>
+          </a:p>
+          <a:p>
+            <a:pPr lvl="4" eaLnBrk="1" latinLnBrk="0" hangingPunct="1"/>
+            <a:endParaRPr kumimoji="0" lang="en-US"/>
+          </a:p>
+        </p:txBody>
+      </p:sp>
+      <p:sp>
+        <p:nvSpPr>
+          <p:cNvPr id="5" name="Date Placeholder 4"/>
+          <p:cNvSpPr>
+            <a:spLocks noGrp="1"/>
+          </p:cNvSpPr>
+          <p:nvPr>
+            <p:ph type="dt" sz="half" idx="10"/>
+          </p:nvPr>
+        </p:nvSpPr>
+        <p:spPr/>
+        <p:txBody>
+          <a:bodyPr/>
+          <a:lstStyle/>
+          <a:p>
+            <a:fld id="{C699CB88-5E1A-4FAC-892A-60949ACB1F6F}" type="datetimeFigureOut">
               <a:rPr lang="en-US" smtClean="0"/>
-              <a:t>Click to edit Master text styles</a:t>
-            </a:r>
-          </a:p>
-          <a:p>
-            <a:pPr lvl="1"/>
-            <a:r>
-              <a:rPr lang="en-US" smtClean="0"/>
-              <a:t>Second level</a:t>
-            </a:r>
-          </a:p>
-          <a:p>
-            <a:pPr lvl="2"/>
-            <a:r>
-              <a:rPr lang="en-US" smtClean="0"/>
-              <a:t>Third level</a:t>
-            </a:r>
-          </a:p>
-          <a:p>
-            <a:pPr lvl="3"/>
-            <a:r>
-              <a:rPr lang="en-US" smtClean="0"/>
-              <a:t>Fourth level</a:t>
-            </a:r>
-          </a:p>
-          <a:p>
-            <a:pPr lvl="4"/>
-            <a:r>
-              <a:rPr lang="en-US" smtClean="0"/>
-              <a:t>Fifth level</a:t>
-            </a:r>
-            <a:endParaRPr lang="en-CA"/>
-          </a:p>
-        </p:txBody>
-      </p:sp>
-      <p:sp>
-        <p:nvSpPr>
-          <p:cNvPr id="5" name="Date Placeholder 4"/>
-          <p:cNvSpPr>
-            <a:spLocks noGrp="1"/>
-          </p:cNvSpPr>
-          <p:nvPr>
-            <p:ph type="dt" sz="half" idx="10"/>
+              <a:pPr/>
+              <a:t>10/5/2012</a:t>
+            </a:fld>
+            <a:endParaRPr lang="en-US"/>
+          </a:p>
+        </p:txBody>
+      </p:sp>
+      <p:sp>
+        <p:nvSpPr>
+          <p:cNvPr id="6" name="Footer Placeholder 5"/>
+          <p:cNvSpPr>
+            <a:spLocks noGrp="1"/>
+          </p:cNvSpPr>
+          <p:nvPr>
+            <p:ph type="ftr" sz="quarter" idx="11"/>
           </p:nvPr>
         </p:nvSpPr>
         <p:spPr/>
@@ -2302,22 +2279,18 @@
           <a:bodyPr/>
           <a:lstStyle/>
           <a:p>
-            <a:fld id="{80AAE011-496F-41C9-BBC2-E7ACFF69BF3B}" type="datetimeFigureOut">
-              <a:rPr lang="en-CA" smtClean="0"/>
-              <a:t>03/10/2012</a:t>
-            </a:fld>
-            <a:endParaRPr lang="en-CA"/>
-          </a:p>
-        </p:txBody>
-      </p:sp>
-      <p:sp>
-        <p:nvSpPr>
-          <p:cNvPr id="6" name="Footer Placeholder 5"/>
-          <p:cNvSpPr>
-            <a:spLocks noGrp="1"/>
-          </p:cNvSpPr>
-          <p:nvPr>
-            <p:ph type="ftr" sz="quarter" idx="11"/>
+            <a:endParaRPr kumimoji="0" lang="en-US"/>
+          </a:p>
+        </p:txBody>
+      </p:sp>
+      <p:sp>
+        <p:nvSpPr>
+          <p:cNvPr id="7" name="Slide Number Placeholder 6"/>
+          <p:cNvSpPr>
+            <a:spLocks noGrp="1"/>
+          </p:cNvSpPr>
+          <p:nvPr>
+            <p:ph type="sldNum" sz="quarter" idx="12"/>
           </p:nvPr>
         </p:nvSpPr>
         <p:spPr/>
@@ -2325,39 +2298,16 @@
           <a:bodyPr/>
           <a:lstStyle/>
           <a:p>
-            <a:endParaRPr lang="en-CA"/>
-          </a:p>
-        </p:txBody>
-      </p:sp>
-      <p:sp>
-        <p:nvSpPr>
-          <p:cNvPr id="7" name="Slide Number Placeholder 6"/>
-          <p:cNvSpPr>
-            <a:spLocks noGrp="1"/>
-          </p:cNvSpPr>
-          <p:nvPr>
-            <p:ph type="sldNum" sz="quarter" idx="12"/>
-          </p:nvPr>
-        </p:nvSpPr>
-        <p:spPr/>
-        <p:txBody>
-          <a:bodyPr/>
-          <a:lstStyle/>
-          <a:p>
-            <a:fld id="{5DEA27B1-7EAF-4139-A8DC-C82F031F298F}" type="slidenum">
-              <a:rPr lang="en-CA" smtClean="0"/>
+            <a:fld id="{91974DF9-AD47-4691-BA21-BBFCE3637A9A}" type="slidenum">
+              <a:rPr kumimoji="0" lang="en-US" smtClean="0"/>
+              <a:pPr/>
               <a:t>‹#›</a:t>
             </a:fld>
-            <a:endParaRPr lang="en-CA"/>
+            <a:endParaRPr kumimoji="0" lang="en-US"/>
           </a:p>
         </p:txBody>
       </p:sp>
     </p:spTree>
-    <p:extLst>
-      <p:ext uri="{BB962C8B-B14F-4D97-AF65-F5344CB8AC3E}">
-        <p14:creationId xmlns:p14="http://schemas.microsoft.com/office/powerpoint/2010/main" val="1762814042"/>
-      </p:ext>
-    </p:extLst>
   </p:cSld>
   <p:clrMapOvr>
     <a:masterClrMapping/>
@@ -2392,20 +2342,21 @@
             <p:ph type="title"/>
           </p:nvPr>
         </p:nvSpPr>
-        <p:spPr/>
-        <p:txBody>
-          <a:bodyPr/>
+        <p:spPr>
+          <a:xfrm>
+            <a:off x="502920" y="4983480"/>
+            <a:ext cx="8183880" cy="1051560"/>
+          </a:xfrm>
+        </p:spPr>
+        <p:txBody>
+          <a:bodyPr anchor="b"/>
           <a:lstStyle>
             <a:lvl1pPr>
-              <a:defRPr/>
+              <a:defRPr b="1"/>
             </a:lvl1pPr>
           </a:lstStyle>
           <a:p>
-            <a:r>
-              <a:rPr lang="en-US" smtClean="0"/>
-              <a:t>Click to edit Master title style</a:t>
-            </a:r>
-            <a:endParaRPr lang="en-CA"/>
+            <a:endParaRPr kumimoji="0" lang="en-US"/>
           </a:p>
         </p:txBody>
       </p:sp>
@@ -2421,302 +2372,240 @@
         </p:nvSpPr>
         <p:spPr>
           <a:xfrm>
-            <a:off x="457200" y="1535113"/>
-            <a:ext cx="4040188" cy="639762"/>
+            <a:off x="607224" y="579438"/>
+            <a:ext cx="3931920" cy="792162"/>
           </a:xfrm>
         </p:spPr>
         <p:txBody>
-          <a:bodyPr anchor="b"/>
+          <a:bodyPr lIns="146304" anchor="ctr"/>
           <a:lstStyle>
-            <a:lvl1pPr marL="0" indent="0">
+            <a:lvl1pPr marL="0" indent="0" algn="l">
               <a:buNone/>
-              <a:defRPr sz="2400" b="1"/>
+              <a:defRPr sz="2400" b="1">
+                <a:solidFill>
+                  <a:schemeClr val="tx1"/>
+                </a:solidFill>
+              </a:defRPr>
             </a:lvl1pPr>
-            <a:lvl2pPr marL="457200" indent="0">
+            <a:lvl2pPr>
               <a:buNone/>
               <a:defRPr sz="2000" b="1"/>
             </a:lvl2pPr>
-            <a:lvl3pPr marL="914400" indent="0">
+            <a:lvl3pPr>
               <a:buNone/>
               <a:defRPr sz="1800" b="1"/>
             </a:lvl3pPr>
-            <a:lvl4pPr marL="1371600" indent="0">
+            <a:lvl4pPr>
               <a:buNone/>
               <a:defRPr sz="1600" b="1"/>
             </a:lvl4pPr>
-            <a:lvl5pPr marL="1828800" indent="0">
+            <a:lvl5pPr>
               <a:buNone/>
               <a:defRPr sz="1600" b="1"/>
             </a:lvl5pPr>
-            <a:lvl6pPr marL="2286000" indent="0">
-              <a:buNone/>
-              <a:defRPr sz="1600" b="1"/>
-            </a:lvl6pPr>
-            <a:lvl7pPr marL="2743200" indent="0">
-              <a:buNone/>
-              <a:defRPr sz="1600" b="1"/>
-            </a:lvl7pPr>
-            <a:lvl8pPr marL="3200400" indent="0">
-              <a:buNone/>
-              <a:defRPr sz="1600" b="1"/>
-            </a:lvl8pPr>
-            <a:lvl9pPr marL="3657600" indent="0">
-              <a:buNone/>
-              <a:defRPr sz="1600" b="1"/>
-            </a:lvl9pPr>
           </a:lstStyle>
           <a:p>
-            <a:pPr lvl="0"/>
-            <a:r>
-              <a:rPr lang="en-US" smtClean="0"/>
-              <a:t>Click to edit Master text styles</a:t>
-            </a:r>
-          </a:p>
-        </p:txBody>
-      </p:sp>
-      <p:sp>
-        <p:nvSpPr>
-          <p:cNvPr id="4" name="Content Placeholder 3"/>
-          <p:cNvSpPr>
-            <a:spLocks noGrp="1"/>
-          </p:cNvSpPr>
-          <p:nvPr>
-            <p:ph sz="half" idx="2"/>
+            <a:pPr lvl="0" eaLnBrk="1" latinLnBrk="0" hangingPunct="1"/>
+            <a:endParaRPr kumimoji="0" lang="en-US"/>
+          </a:p>
+        </p:txBody>
+      </p:sp>
+      <p:sp>
+        <p:nvSpPr>
+          <p:cNvPr id="4" name="Text Placeholder 3"/>
+          <p:cNvSpPr>
+            <a:spLocks noGrp="1"/>
+          </p:cNvSpPr>
+          <p:nvPr>
+            <p:ph type="body" sz="half" idx="3"/>
           </p:nvPr>
         </p:nvSpPr>
         <p:spPr>
           <a:xfrm>
-            <a:off x="457200" y="2174875"/>
-            <a:ext cx="4040188" cy="3951288"/>
+            <a:off x="4652169" y="579438"/>
+            <a:ext cx="3931920" cy="792162"/>
           </a:xfrm>
         </p:spPr>
         <p:txBody>
-          <a:bodyPr/>
+          <a:bodyPr lIns="137160" anchor="ctr"/>
           <a:lstStyle>
-            <a:lvl1pPr>
-              <a:defRPr sz="2400"/>
+            <a:lvl1pPr marL="0" indent="0" algn="l">
+              <a:buNone/>
+              <a:defRPr sz="2400" b="1">
+                <a:solidFill>
+                  <a:schemeClr val="tx1"/>
+                </a:solidFill>
+              </a:defRPr>
             </a:lvl1pPr>
             <a:lvl2pPr>
-              <a:defRPr sz="2000"/>
-            </a:lvl2pPr>
-            <a:lvl3pPr>
-              <a:defRPr sz="1800"/>
-            </a:lvl3pPr>
-            <a:lvl4pPr>
-              <a:defRPr sz="1600"/>
-            </a:lvl4pPr>
-            <a:lvl5pPr>
-              <a:defRPr sz="1600"/>
-            </a:lvl5pPr>
-            <a:lvl6pPr>
-              <a:defRPr sz="1600"/>
-            </a:lvl6pPr>
-            <a:lvl7pPr>
-              <a:defRPr sz="1600"/>
-            </a:lvl7pPr>
-            <a:lvl8pPr>
-              <a:defRPr sz="1600"/>
-            </a:lvl8pPr>
-            <a:lvl9pPr>
-              <a:defRPr sz="1600"/>
-            </a:lvl9pPr>
-          </a:lstStyle>
-          <a:p>
-            <a:pPr lvl="0"/>
-            <a:r>
-              <a:rPr lang="en-US" smtClean="0"/>
-              <a:t>Click to edit Master text styles</a:t>
-            </a:r>
-          </a:p>
-          <a:p>
-            <a:pPr lvl="1"/>
-            <a:r>
-              <a:rPr lang="en-US" smtClean="0"/>
-              <a:t>Second level</a:t>
-            </a:r>
-          </a:p>
-          <a:p>
-            <a:pPr lvl="2"/>
-            <a:r>
-              <a:rPr lang="en-US" smtClean="0"/>
-              <a:t>Third level</a:t>
-            </a:r>
-          </a:p>
-          <a:p>
-            <a:pPr lvl="3"/>
-            <a:r>
-              <a:rPr lang="en-US" smtClean="0"/>
-              <a:t>Fourth level</a:t>
-            </a:r>
-          </a:p>
-          <a:p>
-            <a:pPr lvl="4"/>
-            <a:r>
-              <a:rPr lang="en-US" smtClean="0"/>
-              <a:t>Fifth level</a:t>
-            </a:r>
-            <a:endParaRPr lang="en-CA"/>
-          </a:p>
-        </p:txBody>
-      </p:sp>
-      <p:sp>
-        <p:nvSpPr>
-          <p:cNvPr id="5" name="Text Placeholder 4"/>
-          <p:cNvSpPr>
-            <a:spLocks noGrp="1"/>
-          </p:cNvSpPr>
-          <p:nvPr>
-            <p:ph type="body" sz="quarter" idx="3"/>
-          </p:nvPr>
-        </p:nvSpPr>
-        <p:spPr>
-          <a:xfrm>
-            <a:off x="4645025" y="1535113"/>
-            <a:ext cx="4041775" cy="639762"/>
-          </a:xfrm>
-        </p:spPr>
-        <p:txBody>
-          <a:bodyPr anchor="b"/>
-          <a:lstStyle>
-            <a:lvl1pPr marL="0" indent="0">
-              <a:buNone/>
-              <a:defRPr sz="2400" b="1"/>
-            </a:lvl1pPr>
-            <a:lvl2pPr marL="457200" indent="0">
               <a:buNone/>
               <a:defRPr sz="2000" b="1"/>
             </a:lvl2pPr>
-            <a:lvl3pPr marL="914400" indent="0">
+            <a:lvl3pPr>
               <a:buNone/>
               <a:defRPr sz="1800" b="1"/>
             </a:lvl3pPr>
-            <a:lvl4pPr marL="1371600" indent="0">
+            <a:lvl4pPr>
               <a:buNone/>
               <a:defRPr sz="1600" b="1"/>
             </a:lvl4pPr>
-            <a:lvl5pPr marL="1828800" indent="0">
+            <a:lvl5pPr>
               <a:buNone/>
               <a:defRPr sz="1600" b="1"/>
             </a:lvl5pPr>
-            <a:lvl6pPr marL="2286000" indent="0">
-              <a:buNone/>
-              <a:defRPr sz="1600" b="1"/>
-            </a:lvl6pPr>
-            <a:lvl7pPr marL="2743200" indent="0">
-              <a:buNone/>
-              <a:defRPr sz="1600" b="1"/>
-            </a:lvl7pPr>
-            <a:lvl8pPr marL="3200400" indent="0">
-              <a:buNone/>
-              <a:defRPr sz="1600" b="1"/>
-            </a:lvl8pPr>
-            <a:lvl9pPr marL="3657600" indent="0">
-              <a:buNone/>
-              <a:defRPr sz="1600" b="1"/>
-            </a:lvl9pPr>
           </a:lstStyle>
           <a:p>
-            <a:pPr lvl="0"/>
-            <a:r>
-              <a:rPr lang="en-US" smtClean="0"/>
-              <a:t>Click to edit Master text styles</a:t>
-            </a:r>
-          </a:p>
-        </p:txBody>
-      </p:sp>
-      <p:sp>
-        <p:nvSpPr>
-          <p:cNvPr id="6" name="Content Placeholder 5"/>
-          <p:cNvSpPr>
-            <a:spLocks noGrp="1"/>
-          </p:cNvSpPr>
-          <p:nvPr>
-            <p:ph sz="quarter" idx="4"/>
+            <a:pPr lvl="0" eaLnBrk="1" latinLnBrk="0" hangingPunct="1"/>
+            <a:endParaRPr kumimoji="0" lang="en-US"/>
+          </a:p>
+        </p:txBody>
+      </p:sp>
+      <p:sp>
+        <p:nvSpPr>
+          <p:cNvPr id="5" name="Content Placeholder 4"/>
+          <p:cNvSpPr>
+            <a:spLocks noGrp="1"/>
+          </p:cNvSpPr>
+          <p:nvPr>
+            <p:ph sz="quarter" idx="2"/>
           </p:nvPr>
         </p:nvSpPr>
         <p:spPr>
           <a:xfrm>
-            <a:off x="4645025" y="2174875"/>
-            <a:ext cx="4041775" cy="3951288"/>
+            <a:off x="607224" y="1447800"/>
+            <a:ext cx="3931920" cy="3489960"/>
           </a:xfrm>
         </p:spPr>
         <p:txBody>
-          <a:bodyPr/>
+          <a:bodyPr anchor="t"/>
           <a:lstStyle>
-            <a:lvl1pPr>
+            <a:lvl1pPr algn="l">
               <a:defRPr sz="2400"/>
             </a:lvl1pPr>
-            <a:lvl2pPr>
+            <a:lvl2pPr algn="l">
               <a:defRPr sz="2000"/>
             </a:lvl2pPr>
-            <a:lvl3pPr>
+            <a:lvl3pPr algn="l">
               <a:defRPr sz="1800"/>
             </a:lvl3pPr>
-            <a:lvl4pPr>
+            <a:lvl4pPr algn="l">
               <a:defRPr sz="1600"/>
             </a:lvl4pPr>
-            <a:lvl5pPr>
+            <a:lvl5pPr algn="l">
               <a:defRPr sz="1600"/>
             </a:lvl5pPr>
-            <a:lvl6pPr>
+          </a:lstStyle>
+          <a:p>
+            <a:pPr lvl="0" eaLnBrk="1" latinLnBrk="0" hangingPunct="1"/>
+            <a:endParaRPr/>
+          </a:p>
+          <a:p>
+            <a:pPr lvl="1" eaLnBrk="1" latinLnBrk="0" hangingPunct="1"/>
+            <a:endParaRPr/>
+          </a:p>
+          <a:p>
+            <a:pPr lvl="2" eaLnBrk="1" latinLnBrk="0" hangingPunct="1"/>
+            <a:endParaRPr/>
+          </a:p>
+          <a:p>
+            <a:pPr lvl="3" eaLnBrk="1" latinLnBrk="0" hangingPunct="1"/>
+            <a:endParaRPr/>
+          </a:p>
+          <a:p>
+            <a:pPr lvl="4" eaLnBrk="1" latinLnBrk="0" hangingPunct="1"/>
+            <a:endParaRPr kumimoji="0" lang="en-US"/>
+          </a:p>
+        </p:txBody>
+      </p:sp>
+      <p:sp>
+        <p:nvSpPr>
+          <p:cNvPr id="6" name="Content Placeholder 5"/>
+          <p:cNvSpPr>
+            <a:spLocks noGrp="1"/>
+          </p:cNvSpPr>
+          <p:nvPr>
+            <p:ph sz="quarter" idx="4"/>
+          </p:nvPr>
+        </p:nvSpPr>
+        <p:spPr>
+          <a:xfrm>
+            <a:off x="4652169" y="1447800"/>
+            <a:ext cx="3931920" cy="3489960"/>
+          </a:xfrm>
+        </p:spPr>
+        <p:txBody>
+          <a:bodyPr anchor="t"/>
+          <a:lstStyle>
+            <a:lvl1pPr algn="l">
+              <a:defRPr sz="2400"/>
+            </a:lvl1pPr>
+            <a:lvl2pPr algn="l">
+              <a:defRPr sz="2000"/>
+            </a:lvl2pPr>
+            <a:lvl3pPr algn="l">
+              <a:defRPr sz="1800"/>
+            </a:lvl3pPr>
+            <a:lvl4pPr algn="l">
               <a:defRPr sz="1600"/>
-            </a:lvl6pPr>
-            <a:lvl7pPr>
+            </a:lvl4pPr>
+            <a:lvl5pPr algn="l">
               <a:defRPr sz="1600"/>
-            </a:lvl7pPr>
-            <a:lvl8pPr>
-              <a:defRPr sz="1600"/>
-            </a:lvl8pPr>
-            <a:lvl9pPr>
-              <a:defRPr sz="1600"/>
-            </a:lvl9pPr>
+            </a:lvl5pPr>
           </a:lstStyle>
           <a:p>
-            <a:pPr lvl="0"/>
-            <a:r>
+            <a:pPr lvl="0" eaLnBrk="1" latinLnBrk="0" hangingPunct="1"/>
+            <a:endParaRPr/>
+          </a:p>
+          <a:p>
+            <a:pPr lvl="1" eaLnBrk="1" latinLnBrk="0" hangingPunct="1"/>
+            <a:endParaRPr/>
+          </a:p>
+          <a:p>
+            <a:pPr lvl="2" eaLnBrk="1" latinLnBrk="0" hangingPunct="1"/>
+            <a:endParaRPr/>
+          </a:p>
+          <a:p>
+            <a:pPr lvl="3" eaLnBrk="1" latinLnBrk="0" hangingPunct="1"/>
+            <a:endParaRPr/>
+          </a:p>
+          <a:p>
+            <a:pPr lvl="4" eaLnBrk="1" latinLnBrk="0" hangingPunct="1"/>
+            <a:endParaRPr kumimoji="0" lang="en-US"/>
+          </a:p>
+        </p:txBody>
+      </p:sp>
+      <p:sp>
+        <p:nvSpPr>
+          <p:cNvPr id="7" name="Date Placeholder 6"/>
+          <p:cNvSpPr>
+            <a:spLocks noGrp="1"/>
+          </p:cNvSpPr>
+          <p:nvPr>
+            <p:ph type="dt" sz="half" idx="10"/>
+          </p:nvPr>
+        </p:nvSpPr>
+        <p:spPr/>
+        <p:txBody>
+          <a:bodyPr/>
+          <a:lstStyle/>
+          <a:p>
+            <a:fld id="{C699CB88-5E1A-4FAC-892A-60949ACB1F6F}" type="datetimeFigureOut">
               <a:rPr lang="en-US" smtClean="0"/>
-              <a:t>Click to edit Master text styles</a:t>
-            </a:r>
-          </a:p>
-          <a:p>
-            <a:pPr lvl="1"/>
-            <a:r>
-              <a:rPr lang="en-US" smtClean="0"/>
-              <a:t>Second level</a:t>
-            </a:r>
-          </a:p>
-          <a:p>
-            <a:pPr lvl="2"/>
-            <a:r>
-              <a:rPr lang="en-US" smtClean="0"/>
-              <a:t>Third level</a:t>
-            </a:r>
-          </a:p>
-          <a:p>
-            <a:pPr lvl="3"/>
-            <a:r>
-              <a:rPr lang="en-US" smtClean="0"/>
-              <a:t>Fourth level</a:t>
-            </a:r>
-          </a:p>
-          <a:p>
-            <a:pPr lvl="4"/>
-            <a:r>
-              <a:rPr lang="en-US" smtClean="0"/>
-              <a:t>Fifth level</a:t>
-            </a:r>
-            <a:endParaRPr lang="en-CA"/>
-          </a:p>
-        </p:txBody>
-      </p:sp>
-      <p:sp>
-        <p:nvSpPr>
-          <p:cNvPr id="7" name="Date Placeholder 6"/>
-          <p:cNvSpPr>
-            <a:spLocks noGrp="1"/>
-          </p:cNvSpPr>
-          <p:nvPr>
-            <p:ph type="dt" sz="half" idx="10"/>
+              <a:pPr/>
+              <a:t>10/5/2012</a:t>
+            </a:fld>
+            <a:endParaRPr lang="en-US"/>
+          </a:p>
+        </p:txBody>
+      </p:sp>
+      <p:sp>
+        <p:nvSpPr>
+          <p:cNvPr id="8" name="Footer Placeholder 7"/>
+          <p:cNvSpPr>
+            <a:spLocks noGrp="1"/>
+          </p:cNvSpPr>
+          <p:nvPr>
+            <p:ph type="ftr" sz="quarter" idx="11"/>
           </p:nvPr>
         </p:nvSpPr>
         <p:spPr/>
@@ -2724,22 +2613,18 @@
           <a:bodyPr/>
           <a:lstStyle/>
           <a:p>
-            <a:fld id="{80AAE011-496F-41C9-BBC2-E7ACFF69BF3B}" type="datetimeFigureOut">
-              <a:rPr lang="en-CA" smtClean="0"/>
-              <a:t>03/10/2012</a:t>
-            </a:fld>
-            <a:endParaRPr lang="en-CA"/>
-          </a:p>
-        </p:txBody>
-      </p:sp>
-      <p:sp>
-        <p:nvSpPr>
-          <p:cNvPr id="8" name="Footer Placeholder 7"/>
-          <p:cNvSpPr>
-            <a:spLocks noGrp="1"/>
-          </p:cNvSpPr>
-          <p:nvPr>
-            <p:ph type="ftr" sz="quarter" idx="11"/>
+            <a:endParaRPr kumimoji="0" lang="en-US"/>
+          </a:p>
+        </p:txBody>
+      </p:sp>
+      <p:sp>
+        <p:nvSpPr>
+          <p:cNvPr id="9" name="Slide Number Placeholder 8"/>
+          <p:cNvSpPr>
+            <a:spLocks noGrp="1"/>
+          </p:cNvSpPr>
+          <p:nvPr>
+            <p:ph type="sldNum" sz="quarter" idx="12"/>
           </p:nvPr>
         </p:nvSpPr>
         <p:spPr/>
@@ -2747,39 +2632,16 @@
           <a:bodyPr/>
           <a:lstStyle/>
           <a:p>
-            <a:endParaRPr lang="en-CA"/>
-          </a:p>
-        </p:txBody>
-      </p:sp>
-      <p:sp>
-        <p:nvSpPr>
-          <p:cNvPr id="9" name="Slide Number Placeholder 8"/>
-          <p:cNvSpPr>
-            <a:spLocks noGrp="1"/>
-          </p:cNvSpPr>
-          <p:nvPr>
-            <p:ph type="sldNum" sz="quarter" idx="12"/>
-          </p:nvPr>
-        </p:nvSpPr>
-        <p:spPr/>
-        <p:txBody>
-          <a:bodyPr/>
-          <a:lstStyle/>
-          <a:p>
-            <a:fld id="{5DEA27B1-7EAF-4139-A8DC-C82F031F298F}" type="slidenum">
-              <a:rPr lang="en-CA" smtClean="0"/>
+            <a:fld id="{91974DF9-AD47-4691-BA21-BBFCE3637A9A}" type="slidenum">
+              <a:rPr kumimoji="0" lang="en-US" smtClean="0"/>
+              <a:pPr/>
               <a:t>‹#›</a:t>
             </a:fld>
-            <a:endParaRPr lang="en-CA"/>
+            <a:endParaRPr kumimoji="0" lang="en-US"/>
           </a:p>
         </p:txBody>
       </p:sp>
     </p:spTree>
-    <p:extLst>
-      <p:ext uri="{BB962C8B-B14F-4D97-AF65-F5344CB8AC3E}">
-        <p14:creationId xmlns:p14="http://schemas.microsoft.com/office/powerpoint/2010/main" val="4089976840"/>
-      </p:ext>
-    </p:extLst>
   </p:cSld>
   <p:clrMapOvr>
     <a:masterClrMapping/>
@@ -2819,22 +2681,42 @@
           <a:bodyPr/>
           <a:lstStyle/>
           <a:p>
-            <a:r>
+            <a:endParaRPr kumimoji="0" lang="en-US"/>
+          </a:p>
+        </p:txBody>
+      </p:sp>
+      <p:sp>
+        <p:nvSpPr>
+          <p:cNvPr id="3" name="Date Placeholder 2"/>
+          <p:cNvSpPr>
+            <a:spLocks noGrp="1"/>
+          </p:cNvSpPr>
+          <p:nvPr>
+            <p:ph type="dt" sz="half" idx="10"/>
+          </p:nvPr>
+        </p:nvSpPr>
+        <p:spPr/>
+        <p:txBody>
+          <a:bodyPr/>
+          <a:lstStyle/>
+          <a:p>
+            <a:fld id="{C699CB88-5E1A-4FAC-892A-60949ACB1F6F}" type="datetimeFigureOut">
               <a:rPr lang="en-US" smtClean="0"/>
-              <a:t>Click to edit Master title style</a:t>
-            </a:r>
-            <a:endParaRPr lang="en-CA"/>
-          </a:p>
-        </p:txBody>
-      </p:sp>
-      <p:sp>
-        <p:nvSpPr>
-          <p:cNvPr id="3" name="Date Placeholder 2"/>
-          <p:cNvSpPr>
-            <a:spLocks noGrp="1"/>
-          </p:cNvSpPr>
-          <p:nvPr>
-            <p:ph type="dt" sz="half" idx="10"/>
+              <a:pPr/>
+              <a:t>10/5/2012</a:t>
+            </a:fld>
+            <a:endParaRPr lang="en-US"/>
+          </a:p>
+        </p:txBody>
+      </p:sp>
+      <p:sp>
+        <p:nvSpPr>
+          <p:cNvPr id="4" name="Footer Placeholder 3"/>
+          <p:cNvSpPr>
+            <a:spLocks noGrp="1"/>
+          </p:cNvSpPr>
+          <p:nvPr>
+            <p:ph type="ftr" sz="quarter" idx="11"/>
           </p:nvPr>
         </p:nvSpPr>
         <p:spPr/>
@@ -2842,22 +2724,18 @@
           <a:bodyPr/>
           <a:lstStyle/>
           <a:p>
-            <a:fld id="{80AAE011-496F-41C9-BBC2-E7ACFF69BF3B}" type="datetimeFigureOut">
-              <a:rPr lang="en-CA" smtClean="0"/>
-              <a:t>03/10/2012</a:t>
-            </a:fld>
-            <a:endParaRPr lang="en-CA"/>
-          </a:p>
-        </p:txBody>
-      </p:sp>
-      <p:sp>
-        <p:nvSpPr>
-          <p:cNvPr id="4" name="Footer Placeholder 3"/>
-          <p:cNvSpPr>
-            <a:spLocks noGrp="1"/>
-          </p:cNvSpPr>
-          <p:nvPr>
-            <p:ph type="ftr" sz="quarter" idx="11"/>
+            <a:endParaRPr kumimoji="0" lang="en-US"/>
+          </a:p>
+        </p:txBody>
+      </p:sp>
+      <p:sp>
+        <p:nvSpPr>
+          <p:cNvPr id="5" name="Slide Number Placeholder 4"/>
+          <p:cNvSpPr>
+            <a:spLocks noGrp="1"/>
+          </p:cNvSpPr>
+          <p:nvPr>
+            <p:ph type="sldNum" sz="quarter" idx="12"/>
           </p:nvPr>
         </p:nvSpPr>
         <p:spPr/>
@@ -2865,39 +2743,16 @@
           <a:bodyPr/>
           <a:lstStyle/>
           <a:p>
-            <a:endParaRPr lang="en-CA"/>
-          </a:p>
-        </p:txBody>
-      </p:sp>
-      <p:sp>
-        <p:nvSpPr>
-          <p:cNvPr id="5" name="Slide Number Placeholder 4"/>
-          <p:cNvSpPr>
-            <a:spLocks noGrp="1"/>
-          </p:cNvSpPr>
-          <p:nvPr>
-            <p:ph type="sldNum" sz="quarter" idx="12"/>
-          </p:nvPr>
-        </p:nvSpPr>
-        <p:spPr/>
-        <p:txBody>
-          <a:bodyPr/>
-          <a:lstStyle/>
-          <a:p>
-            <a:fld id="{5DEA27B1-7EAF-4139-A8DC-C82F031F298F}" type="slidenum">
-              <a:rPr lang="en-CA" smtClean="0"/>
+            <a:fld id="{91974DF9-AD47-4691-BA21-BBFCE3637A9A}" type="slidenum">
+              <a:rPr kumimoji="0" lang="en-US" smtClean="0"/>
+              <a:pPr/>
               <a:t>‹#›</a:t>
             </a:fld>
-            <a:endParaRPr lang="en-CA"/>
+            <a:endParaRPr kumimoji="0" lang="en-US"/>
           </a:p>
         </p:txBody>
       </p:sp>
     </p:spTree>
-    <p:extLst>
-      <p:ext uri="{BB962C8B-B14F-4D97-AF65-F5344CB8AC3E}">
-        <p14:creationId xmlns:p14="http://schemas.microsoft.com/office/powerpoint/2010/main" val="1846521746"/>
-      </p:ext>
-    </p:extLst>
   </p:cSld>
   <p:clrMapOvr>
     <a:masterClrMapping/>
@@ -2906,7 +2761,7 @@
 </file>
 
 <file path=ppt/slideLayouts/slideLayout7.xml><?xml version="1.0" encoding="utf-8"?>
-<p:sldLayout xmlns:a="http://schemas.openxmlformats.org/drawingml/2006/main" xmlns:r="http://schemas.openxmlformats.org/officeDocument/2006/relationships" xmlns:p="http://schemas.openxmlformats.org/presentationml/2006/main" type="blank" preserve="1">
+<p:sldLayout xmlns:a="http://schemas.openxmlformats.org/drawingml/2006/main" xmlns:r="http://schemas.openxmlformats.org/officeDocument/2006/relationships" xmlns:p="http://schemas.openxmlformats.org/presentationml/2006/main" showMasterSp="0" type="blank" preserve="1">
   <p:cSld name="Blank">
     <p:spTree>
       <p:nvGrpSpPr>
@@ -2924,6 +2779,88 @@
       </p:grpSpPr>
       <p:sp>
         <p:nvSpPr>
+          <p:cNvPr id="7" name="Rounded Rectangle 6"/>
+          <p:cNvSpPr/>
+          <p:nvPr/>
+        </p:nvSpPr>
+        <p:spPr>
+          <a:xfrm>
+            <a:off x="304800" y="329184"/>
+            <a:ext cx="8532055" cy="6196819"/>
+          </a:xfrm>
+          <a:prstGeom prst="roundRect">
+            <a:avLst>
+              <a:gd name="adj" fmla="val 2081"/>
+            </a:avLst>
+          </a:prstGeom>
+          <a:gradFill flip="none" rotWithShape="1">
+            <a:gsLst>
+              <a:gs pos="0">
+                <a:srgbClr val="FFFFFF">
+                  <a:shade val="100000"/>
+                </a:srgbClr>
+              </a:gs>
+              <a:gs pos="98000">
+                <a:srgbClr val="FFFFFF">
+                  <a:shade val="100000"/>
+                </a:srgbClr>
+              </a:gs>
+              <a:gs pos="99055">
+                <a:srgbClr val="FFFFFF">
+                  <a:shade val="93000"/>
+                </a:srgbClr>
+              </a:gs>
+              <a:gs pos="100000">
+                <a:srgbClr val="FFFFFF">
+                  <a:shade val="70000"/>
+                </a:srgbClr>
+              </a:gs>
+            </a:gsLst>
+            <a:lin ang="5400000" scaled="1"/>
+            <a:tileRect/>
+          </a:gradFill>
+          <a:ln w="2000" cap="rnd" cmpd="sng" algn="ctr">
+            <a:solidFill>
+              <a:srgbClr val="302F2C">
+                <a:tint val="65000"/>
+                <a:satMod val="120000"/>
+              </a:srgbClr>
+            </a:solidFill>
+            <a:prstDash val="solid"/>
+          </a:ln>
+          <a:effectLst>
+            <a:outerShdw blurRad="76200" dist="50800" dir="5400000" algn="tl" rotWithShape="0">
+              <a:srgbClr val="000000">
+                <a:alpha val="25000"/>
+              </a:srgbClr>
+            </a:outerShdw>
+          </a:effectLst>
+        </p:spPr>
+        <p:style>
+          <a:lnRef idx="3">
+            <a:schemeClr val="lt1"/>
+          </a:lnRef>
+          <a:fillRef idx="1">
+            <a:schemeClr val="accent1"/>
+          </a:fillRef>
+          <a:effectRef idx="1">
+            <a:schemeClr val="accent1"/>
+          </a:effectRef>
+          <a:fontRef idx="minor">
+            <a:schemeClr val="lt1"/>
+          </a:fontRef>
+        </p:style>
+        <p:txBody>
+          <a:bodyPr anchor="ctr"/>
+          <a:lstStyle/>
+          <a:p>
+            <a:pPr algn="ctr" eaLnBrk="1" latinLnBrk="0" hangingPunct="1"/>
+            <a:endParaRPr kumimoji="0" lang="en-US"/>
+          </a:p>
+        </p:txBody>
+      </p:sp>
+      <p:sp>
+        <p:nvSpPr>
           <p:cNvPr id="2" name="Date Placeholder 1"/>
           <p:cNvSpPr>
             <a:spLocks noGrp="1"/>
@@ -2937,11 +2874,12 @@
           <a:bodyPr/>
           <a:lstStyle/>
           <a:p>
-            <a:fld id="{80AAE011-496F-41C9-BBC2-E7ACFF69BF3B}" type="datetimeFigureOut">
-              <a:rPr lang="en-CA" smtClean="0"/>
-              <a:t>03/10/2012</a:t>
+            <a:fld id="{C699CB88-5E1A-4FAC-892A-60949ACB1F6F}" type="datetimeFigureOut">
+              <a:rPr lang="en-US" smtClean="0"/>
+              <a:pPr/>
+              <a:t>10/5/2012</a:t>
             </a:fld>
-            <a:endParaRPr lang="en-CA"/>
+            <a:endParaRPr lang="en-US"/>
           </a:p>
         </p:txBody>
       </p:sp>
@@ -2960,7 +2898,7 @@
           <a:bodyPr/>
           <a:lstStyle/>
           <a:p>
-            <a:endParaRPr lang="en-CA"/>
+            <a:endParaRPr kumimoji="0" lang="en-US"/>
           </a:p>
         </p:txBody>
       </p:sp>
@@ -2979,20 +2917,16 @@
           <a:bodyPr/>
           <a:lstStyle/>
           <a:p>
-            <a:fld id="{5DEA27B1-7EAF-4139-A8DC-C82F031F298F}" type="slidenum">
-              <a:rPr lang="en-CA" smtClean="0"/>
+            <a:fld id="{91974DF9-AD47-4691-BA21-BBFCE3637A9A}" type="slidenum">
+              <a:rPr kumimoji="0" lang="en-US" smtClean="0"/>
+              <a:pPr/>
               <a:t>‹#›</a:t>
             </a:fld>
-            <a:endParaRPr lang="en-CA"/>
+            <a:endParaRPr kumimoji="0" lang="en-US"/>
           </a:p>
         </p:txBody>
       </p:sp>
     </p:spTree>
-    <p:extLst>
-      <p:ext uri="{BB962C8B-B14F-4D97-AF65-F5344CB8AC3E}">
-        <p14:creationId xmlns:p14="http://schemas.microsoft.com/office/powerpoint/2010/main" val="2483342304"/>
-      </p:ext>
-    </p:extLst>
   </p:cSld>
   <p:clrMapOvr>
     <a:masterClrMapping/>
@@ -3029,184 +2963,244 @@
         </p:nvSpPr>
         <p:spPr>
           <a:xfrm>
-            <a:off x="457200" y="273050"/>
-            <a:ext cx="3008313" cy="1162050"/>
+            <a:off x="5538784" y="533400"/>
+            <a:ext cx="2971800" cy="914400"/>
           </a:xfrm>
         </p:spPr>
         <p:txBody>
           <a:bodyPr anchor="b"/>
           <a:lstStyle>
             <a:lvl1pPr algn="l">
-              <a:defRPr sz="2000" b="1"/>
+              <a:buNone/>
+              <a:defRPr sz="2200" b="1">
+                <a:solidFill>
+                  <a:schemeClr val="accent1"/>
+                </a:solidFill>
+              </a:defRPr>
             </a:lvl1pPr>
           </a:lstStyle>
           <a:p>
-            <a:r>
-              <a:rPr lang="en-US" smtClean="0"/>
-              <a:t>Click to edit Master title style</a:t>
-            </a:r>
-            <a:endParaRPr lang="en-CA"/>
-          </a:p>
-        </p:txBody>
-      </p:sp>
-      <p:sp>
-        <p:nvSpPr>
-          <p:cNvPr id="3" name="Content Placeholder 2"/>
-          <p:cNvSpPr>
-            <a:spLocks noGrp="1"/>
-          </p:cNvSpPr>
-          <p:nvPr>
-            <p:ph idx="1"/>
+            <a:endParaRPr kumimoji="0" lang="en-US"/>
+          </a:p>
+        </p:txBody>
+      </p:sp>
+      <p:sp>
+        <p:nvSpPr>
+          <p:cNvPr id="3" name="Text Placeholder 2"/>
+          <p:cNvSpPr>
+            <a:spLocks noGrp="1"/>
+          </p:cNvSpPr>
+          <p:nvPr>
+            <p:ph type="body" idx="2"/>
           </p:nvPr>
         </p:nvSpPr>
         <p:spPr>
           <a:xfrm>
-            <a:off x="3575050" y="273050"/>
-            <a:ext cx="5111750" cy="5853113"/>
+            <a:off x="5538847" y="1447802"/>
+            <a:ext cx="2971800" cy="4206112"/>
+          </a:xfrm>
+        </p:spPr>
+        <p:txBody>
+          <a:bodyPr lIns="91440"/>
+          <a:lstStyle>
+            <a:lvl1pPr marL="18288" marR="18288" indent="0">
+              <a:spcBef>
+                <a:spcPts val="0"/>
+              </a:spcBef>
+              <a:buNone/>
+              <a:defRPr sz="1400">
+                <a:solidFill>
+                  <a:schemeClr val="tx1"/>
+                </a:solidFill>
+              </a:defRPr>
+            </a:lvl1pPr>
+            <a:lvl2pPr>
+              <a:buNone/>
+              <a:defRPr sz="1200">
+                <a:solidFill>
+                  <a:schemeClr val="tx1"/>
+                </a:solidFill>
+              </a:defRPr>
+            </a:lvl2pPr>
+            <a:lvl3pPr>
+              <a:buNone/>
+              <a:defRPr sz="1000">
+                <a:solidFill>
+                  <a:schemeClr val="tx1"/>
+                </a:solidFill>
+              </a:defRPr>
+            </a:lvl3pPr>
+            <a:lvl4pPr>
+              <a:buNone/>
+              <a:defRPr sz="900">
+                <a:solidFill>
+                  <a:schemeClr val="tx1"/>
+                </a:solidFill>
+              </a:defRPr>
+            </a:lvl4pPr>
+            <a:lvl5pPr>
+              <a:buNone/>
+              <a:defRPr sz="900">
+                <a:solidFill>
+                  <a:schemeClr val="tx1"/>
+                </a:solidFill>
+              </a:defRPr>
+            </a:lvl5pPr>
+          </a:lstStyle>
+          <a:p>
+            <a:pPr lvl="0" eaLnBrk="1" latinLnBrk="0" hangingPunct="1"/>
+            <a:endParaRPr/>
+          </a:p>
+          <a:p>
+            <a:pPr lvl="1" eaLnBrk="1" latinLnBrk="0" hangingPunct="1"/>
+            <a:endParaRPr/>
+          </a:p>
+          <a:p>
+            <a:pPr lvl="2" eaLnBrk="1" latinLnBrk="0" hangingPunct="1"/>
+            <a:endParaRPr/>
+          </a:p>
+          <a:p>
+            <a:pPr lvl="3" eaLnBrk="1" latinLnBrk="0" hangingPunct="1"/>
+            <a:endParaRPr/>
+          </a:p>
+          <a:p>
+            <a:pPr lvl="4" eaLnBrk="1" latinLnBrk="0" hangingPunct="1"/>
+            <a:endParaRPr kumimoji="0" lang="en-US"/>
+          </a:p>
+        </p:txBody>
+      </p:sp>
+      <p:sp>
+        <p:nvSpPr>
+          <p:cNvPr id="4" name="Content Placeholder 3"/>
+          <p:cNvSpPr>
+            <a:spLocks noGrp="1"/>
+          </p:cNvSpPr>
+          <p:nvPr>
+            <p:ph sz="half" idx="1"/>
+          </p:nvPr>
+        </p:nvSpPr>
+        <p:spPr>
+          <a:xfrm>
+            <a:off x="761372" y="930144"/>
+            <a:ext cx="4626159" cy="4724402"/>
           </a:xfrm>
         </p:spPr>
         <p:txBody>
           <a:bodyPr/>
           <a:lstStyle>
             <a:lvl1pPr>
-              <a:defRPr sz="3200"/>
+              <a:defRPr sz="2800">
+                <a:solidFill>
+                  <a:schemeClr val="tx1"/>
+                </a:solidFill>
+              </a:defRPr>
             </a:lvl1pPr>
             <a:lvl2pPr>
-              <a:defRPr sz="2800"/>
+              <a:defRPr sz="2600">
+                <a:solidFill>
+                  <a:schemeClr val="tx1"/>
+                </a:solidFill>
+              </a:defRPr>
             </a:lvl2pPr>
             <a:lvl3pPr>
-              <a:defRPr sz="2400"/>
+              <a:defRPr sz="2400">
+                <a:solidFill>
+                  <a:schemeClr val="tx1"/>
+                </a:solidFill>
+              </a:defRPr>
             </a:lvl3pPr>
             <a:lvl4pPr>
-              <a:defRPr sz="2000"/>
+              <a:defRPr sz="2000">
+                <a:solidFill>
+                  <a:schemeClr val="tx1"/>
+                </a:solidFill>
+              </a:defRPr>
             </a:lvl4pPr>
             <a:lvl5pPr>
-              <a:defRPr sz="2000"/>
+              <a:defRPr sz="2000">
+                <a:solidFill>
+                  <a:schemeClr val="tx1"/>
+                </a:solidFill>
+              </a:defRPr>
             </a:lvl5pPr>
             <a:lvl6pPr>
-              <a:defRPr sz="2000"/>
+              <a:buNone/>
+              <a:defRPr/>
             </a:lvl6pPr>
-            <a:lvl7pPr>
-              <a:defRPr sz="2000"/>
-            </a:lvl7pPr>
-            <a:lvl8pPr>
-              <a:defRPr sz="2000"/>
-            </a:lvl8pPr>
-            <a:lvl9pPr>
-              <a:defRPr sz="2000"/>
-            </a:lvl9pPr>
           </a:lstStyle>
           <a:p>
-            <a:pPr lvl="0"/>
-            <a:r>
+            <a:pPr lvl="0" eaLnBrk="1" latinLnBrk="0" hangingPunct="1"/>
+            <a:endParaRPr/>
+          </a:p>
+          <a:p>
+            <a:pPr lvl="1" eaLnBrk="1" latinLnBrk="0" hangingPunct="1"/>
+            <a:endParaRPr/>
+          </a:p>
+          <a:p>
+            <a:pPr lvl="2" eaLnBrk="1" latinLnBrk="0" hangingPunct="1"/>
+            <a:endParaRPr/>
+          </a:p>
+          <a:p>
+            <a:pPr lvl="3" eaLnBrk="1" latinLnBrk="0" hangingPunct="1"/>
+            <a:endParaRPr/>
+          </a:p>
+          <a:p>
+            <a:pPr lvl="4" eaLnBrk="1" latinLnBrk="0" hangingPunct="1"/>
+            <a:endParaRPr kumimoji="0" lang="en-US"/>
+          </a:p>
+        </p:txBody>
+      </p:sp>
+      <p:sp>
+        <p:nvSpPr>
+          <p:cNvPr id="5" name="Date Placeholder 4"/>
+          <p:cNvSpPr>
+            <a:spLocks noGrp="1"/>
+          </p:cNvSpPr>
+          <p:nvPr>
+            <p:ph type="dt" sz="half" idx="10"/>
+          </p:nvPr>
+        </p:nvSpPr>
+        <p:spPr/>
+        <p:txBody>
+          <a:bodyPr/>
+          <a:lstStyle/>
+          <a:p>
+            <a:fld id="{C699CB88-5E1A-4FAC-892A-60949ACB1F6F}" type="datetimeFigureOut">
               <a:rPr lang="en-US" smtClean="0"/>
-              <a:t>Click to edit Master text styles</a:t>
-            </a:r>
-          </a:p>
-          <a:p>
-            <a:pPr lvl="1"/>
-            <a:r>
-              <a:rPr lang="en-US" smtClean="0"/>
-              <a:t>Second level</a:t>
-            </a:r>
-          </a:p>
-          <a:p>
-            <a:pPr lvl="2"/>
-            <a:r>
-              <a:rPr lang="en-US" smtClean="0"/>
-              <a:t>Third level</a:t>
-            </a:r>
-          </a:p>
-          <a:p>
-            <a:pPr lvl="3"/>
-            <a:r>
-              <a:rPr lang="en-US" smtClean="0"/>
-              <a:t>Fourth level</a:t>
-            </a:r>
-          </a:p>
-          <a:p>
-            <a:pPr lvl="4"/>
-            <a:r>
-              <a:rPr lang="en-US" smtClean="0"/>
-              <a:t>Fifth level</a:t>
-            </a:r>
-            <a:endParaRPr lang="en-CA"/>
-          </a:p>
-        </p:txBody>
-      </p:sp>
-      <p:sp>
-        <p:nvSpPr>
-          <p:cNvPr id="4" name="Text Placeholder 3"/>
-          <p:cNvSpPr>
-            <a:spLocks noGrp="1"/>
-          </p:cNvSpPr>
-          <p:nvPr>
-            <p:ph type="body" sz="half" idx="2"/>
-          </p:nvPr>
-        </p:nvSpPr>
-        <p:spPr>
-          <a:xfrm>
-            <a:off x="457200" y="1435100"/>
-            <a:ext cx="3008313" cy="4691063"/>
-          </a:xfrm>
-        </p:spPr>
+              <a:pPr/>
+              <a:t>10/5/2012</a:t>
+            </a:fld>
+            <a:endParaRPr lang="en-US"/>
+          </a:p>
+        </p:txBody>
+      </p:sp>
+      <p:sp>
+        <p:nvSpPr>
+          <p:cNvPr id="6" name="Footer Placeholder 5"/>
+          <p:cNvSpPr>
+            <a:spLocks noGrp="1"/>
+          </p:cNvSpPr>
+          <p:nvPr>
+            <p:ph type="ftr" sz="quarter" idx="11"/>
+          </p:nvPr>
+        </p:nvSpPr>
+        <p:spPr/>
         <p:txBody>
           <a:bodyPr/>
-          <a:lstStyle>
-            <a:lvl1pPr marL="0" indent="0">
-              <a:buNone/>
-              <a:defRPr sz="1400"/>
-            </a:lvl1pPr>
-            <a:lvl2pPr marL="457200" indent="0">
-              <a:buNone/>
-              <a:defRPr sz="1200"/>
-            </a:lvl2pPr>
-            <a:lvl3pPr marL="914400" indent="0">
-              <a:buNone/>
-              <a:defRPr sz="1000"/>
-            </a:lvl3pPr>
-            <a:lvl4pPr marL="1371600" indent="0">
-              <a:buNone/>
-              <a:defRPr sz="900"/>
-            </a:lvl4pPr>
-            <a:lvl5pPr marL="1828800" indent="0">
-              <a:buNone/>
-              <a:defRPr sz="900"/>
-            </a:lvl5pPr>
-            <a:lvl6pPr marL="2286000" indent="0">
-              <a:buNone/>
-              <a:defRPr sz="900"/>
-            </a:lvl6pPr>
-            <a:lvl7pPr marL="2743200" indent="0">
-              <a:buNone/>
-              <a:defRPr sz="900"/>
-            </a:lvl7pPr>
-            <a:lvl8pPr marL="3200400" indent="0">
-              <a:buNone/>
-              <a:defRPr sz="900"/>
-            </a:lvl8pPr>
-            <a:lvl9pPr marL="3657600" indent="0">
-              <a:buNone/>
-              <a:defRPr sz="900"/>
-            </a:lvl9pPr>
-          </a:lstStyle>
-          <a:p>
-            <a:pPr lvl="0"/>
-            <a:r>
-              <a:rPr lang="en-US" smtClean="0"/>
-              <a:t>Click to edit Master text styles</a:t>
-            </a:r>
-          </a:p>
-        </p:txBody>
-      </p:sp>
-      <p:sp>
-        <p:nvSpPr>
-          <p:cNvPr id="5" name="Date Placeholder 4"/>
-          <p:cNvSpPr>
-            <a:spLocks noGrp="1"/>
-          </p:cNvSpPr>
-          <p:nvPr>
-            <p:ph type="dt" sz="half" idx="10"/>
+          <a:lstStyle/>
+          <a:p>
+            <a:endParaRPr kumimoji="0" lang="en-US"/>
+          </a:p>
+        </p:txBody>
+      </p:sp>
+      <p:sp>
+        <p:nvSpPr>
+          <p:cNvPr id="7" name="Slide Number Placeholder 6"/>
+          <p:cNvSpPr>
+            <a:spLocks noGrp="1"/>
+          </p:cNvSpPr>
+          <p:nvPr>
+            <p:ph type="sldNum" sz="quarter" idx="12"/>
           </p:nvPr>
         </p:nvSpPr>
         <p:spPr/>
@@ -3214,62 +3208,16 @@
           <a:bodyPr/>
           <a:lstStyle/>
           <a:p>
-            <a:fld id="{80AAE011-496F-41C9-BBC2-E7ACFF69BF3B}" type="datetimeFigureOut">
-              <a:rPr lang="en-CA" smtClean="0"/>
-              <a:t>03/10/2012</a:t>
-            </a:fld>
-            <a:endParaRPr lang="en-CA"/>
-          </a:p>
-        </p:txBody>
-      </p:sp>
-      <p:sp>
-        <p:nvSpPr>
-          <p:cNvPr id="6" name="Footer Placeholder 5"/>
-          <p:cNvSpPr>
-            <a:spLocks noGrp="1"/>
-          </p:cNvSpPr>
-          <p:nvPr>
-            <p:ph type="ftr" sz="quarter" idx="11"/>
-          </p:nvPr>
-        </p:nvSpPr>
-        <p:spPr/>
-        <p:txBody>
-          <a:bodyPr/>
-          <a:lstStyle/>
-          <a:p>
-            <a:endParaRPr lang="en-CA"/>
-          </a:p>
-        </p:txBody>
-      </p:sp>
-      <p:sp>
-        <p:nvSpPr>
-          <p:cNvPr id="7" name="Slide Number Placeholder 6"/>
-          <p:cNvSpPr>
-            <a:spLocks noGrp="1"/>
-          </p:cNvSpPr>
-          <p:nvPr>
-            <p:ph type="sldNum" sz="quarter" idx="12"/>
-          </p:nvPr>
-        </p:nvSpPr>
-        <p:spPr/>
-        <p:txBody>
-          <a:bodyPr/>
-          <a:lstStyle/>
-          <a:p>
-            <a:fld id="{5DEA27B1-7EAF-4139-A8DC-C82F031F298F}" type="slidenum">
-              <a:rPr lang="en-CA" smtClean="0"/>
+            <a:fld id="{91974DF9-AD47-4691-BA21-BBFCE3637A9A}" type="slidenum">
+              <a:rPr kumimoji="0" lang="en-US" smtClean="0"/>
+              <a:pPr/>
               <a:t>‹#›</a:t>
             </a:fld>
-            <a:endParaRPr lang="en-CA"/>
+            <a:endParaRPr kumimoji="0" lang="en-US"/>
           </a:p>
         </p:txBody>
       </p:sp>
     </p:spTree>
-    <p:extLst>
-      <p:ext uri="{BB962C8B-B14F-4D97-AF65-F5344CB8AC3E}">
-        <p14:creationId xmlns:p14="http://schemas.microsoft.com/office/powerpoint/2010/main" val="1400926193"/>
-      </p:ext>
-    </p:extLst>
   </p:cSld>
   <p:clrMapOvr>
     <a:masterClrMapping/>
@@ -3278,7 +3226,7 @@
 </file>
 
 <file path=ppt/slideLayouts/slideLayout9.xml><?xml version="1.0" encoding="utf-8"?>
-<p:sldLayout xmlns:a="http://schemas.openxmlformats.org/drawingml/2006/main" xmlns:r="http://schemas.openxmlformats.org/officeDocument/2006/relationships" xmlns:p="http://schemas.openxmlformats.org/presentationml/2006/main" type="picTx" preserve="1">
+<p:sldLayout xmlns:a="http://schemas.openxmlformats.org/drawingml/2006/main" xmlns:r="http://schemas.openxmlformats.org/officeDocument/2006/relationships" xmlns:p="http://schemas.openxmlformats.org/presentationml/2006/main" showMasterSp="0" type="picTx" preserve="1">
   <p:cSld name="Picture with Caption">
     <p:spTree>
       <p:nvGrpSpPr>
@@ -3296,33 +3244,315 @@
       </p:grpSpPr>
       <p:sp>
         <p:nvSpPr>
-          <p:cNvPr id="2" name="Title 1"/>
-          <p:cNvSpPr>
-            <a:spLocks noGrp="1"/>
-          </p:cNvSpPr>
-          <p:nvPr>
-            <p:ph type="title"/>
-          </p:nvPr>
+          <p:cNvPr id="15" name="Rounded Rectangle 14"/>
+          <p:cNvSpPr/>
+          <p:nvPr/>
         </p:nvSpPr>
         <p:spPr>
           <a:xfrm>
-            <a:off x="1792288" y="4800600"/>
-            <a:ext cx="5486400" cy="566738"/>
+            <a:off x="304800" y="329184"/>
+            <a:ext cx="8532055" cy="6196819"/>
+          </a:xfrm>
+          <a:prstGeom prst="roundRect">
+            <a:avLst>
+              <a:gd name="adj" fmla="val 2081"/>
+            </a:avLst>
+          </a:prstGeom>
+          <a:gradFill flip="none" rotWithShape="1">
+            <a:gsLst>
+              <a:gs pos="0">
+                <a:srgbClr val="FFFFFF">
+                  <a:shade val="100000"/>
+                </a:srgbClr>
+              </a:gs>
+              <a:gs pos="98000">
+                <a:srgbClr val="FFFFFF">
+                  <a:shade val="100000"/>
+                </a:srgbClr>
+              </a:gs>
+              <a:gs pos="99055">
+                <a:srgbClr val="FFFFFF">
+                  <a:shade val="93000"/>
+                </a:srgbClr>
+              </a:gs>
+              <a:gs pos="100000">
+                <a:srgbClr val="FFFFFF">
+                  <a:shade val="70000"/>
+                </a:srgbClr>
+              </a:gs>
+            </a:gsLst>
+            <a:lin ang="5400000" scaled="1"/>
+            <a:tileRect/>
+          </a:gradFill>
+          <a:ln w="2000" cap="rnd" cmpd="sng" algn="ctr">
+            <a:solidFill>
+              <a:srgbClr val="302F2C">
+                <a:tint val="65000"/>
+                <a:satMod val="120000"/>
+              </a:srgbClr>
+            </a:solidFill>
+            <a:prstDash val="solid"/>
+          </a:ln>
+          <a:effectLst>
+            <a:outerShdw blurRad="76200" dist="50800" dir="5400000" algn="tl" rotWithShape="0">
+              <a:srgbClr val="000000">
+                <a:alpha val="25000"/>
+              </a:srgbClr>
+            </a:outerShdw>
+          </a:effectLst>
+        </p:spPr>
+        <p:style>
+          <a:lnRef idx="3">
+            <a:schemeClr val="lt1"/>
+          </a:lnRef>
+          <a:fillRef idx="1">
+            <a:schemeClr val="accent1"/>
+          </a:fillRef>
+          <a:effectRef idx="1">
+            <a:schemeClr val="accent1"/>
+          </a:effectRef>
+          <a:fontRef idx="minor">
+            <a:schemeClr val="lt1"/>
+          </a:fontRef>
+        </p:style>
+        <p:txBody>
+          <a:bodyPr anchor="ctr"/>
+          <a:lstStyle/>
+          <a:p>
+            <a:pPr algn="ctr" eaLnBrk="1" latinLnBrk="0" hangingPunct="1"/>
+            <a:endParaRPr kumimoji="0" lang="en-US"/>
+          </a:p>
+        </p:txBody>
+      </p:sp>
+      <p:sp>
+        <p:nvSpPr>
+          <p:cNvPr id="11" name="Round Single Corner Rectangle 10"/>
+          <p:cNvSpPr/>
+          <p:nvPr/>
+        </p:nvSpPr>
+        <p:spPr>
+          <a:xfrm>
+            <a:off x="6400800" y="434162"/>
+            <a:ext cx="2324605" cy="4343400"/>
+          </a:xfrm>
+          <a:prstGeom prst="round1Rect">
+            <a:avLst>
+              <a:gd name="adj" fmla="val 2748"/>
+            </a:avLst>
+          </a:prstGeom>
+          <a:solidFill>
+            <a:srgbClr val="1C1C1C"/>
+          </a:solidFill>
+          <a:ln w="8890" cap="rnd" cmpd="sng" algn="ctr">
+            <a:noFill/>
+            <a:prstDash val="solid"/>
+          </a:ln>
+          <a:effectLst/>
+        </p:spPr>
+        <p:style>
+          <a:lnRef idx="3">
+            <a:schemeClr val="lt1"/>
+          </a:lnRef>
+          <a:fillRef idx="1">
+            <a:schemeClr val="accent1"/>
+          </a:fillRef>
+          <a:effectRef idx="1">
+            <a:schemeClr val="accent1"/>
+          </a:effectRef>
+          <a:fontRef idx="minor">
+            <a:schemeClr val="lt1"/>
+          </a:fontRef>
+        </p:style>
+        <p:txBody>
+          <a:bodyPr anchor="ctr"/>
+          <a:lstStyle/>
+          <a:p>
+            <a:pPr algn="ctr" eaLnBrk="1" latinLnBrk="0" hangingPunct="1"/>
+            <a:endParaRPr kumimoji="0" lang="en-US"/>
+          </a:p>
+        </p:txBody>
+      </p:sp>
+      <p:sp>
+        <p:nvSpPr>
+          <p:cNvPr id="2" name="Title 1"/>
+          <p:cNvSpPr>
+            <a:spLocks noGrp="1"/>
+          </p:cNvSpPr>
+          <p:nvPr>
+            <p:ph type="title"/>
+          </p:nvPr>
+        </p:nvSpPr>
+        <p:spPr>
+          <a:xfrm>
+            <a:off x="457200" y="5012056"/>
+            <a:ext cx="8229600" cy="1051560"/>
           </a:xfrm>
         </p:spPr>
         <p:txBody>
-          <a:bodyPr anchor="b"/>
+          <a:bodyPr anchor="t"/>
           <a:lstStyle>
             <a:lvl1pPr algn="l">
-              <a:defRPr sz="2000" b="1"/>
+              <a:buNone/>
+              <a:defRPr sz="3600" b="0">
+                <a:solidFill>
+                  <a:schemeClr val="bg2">
+                    <a:shade val="25000"/>
+                  </a:schemeClr>
+                </a:solidFill>
+                <a:effectLst/>
+              </a:defRPr>
             </a:lvl1pPr>
           </a:lstStyle>
           <a:p>
-            <a:r>
+            <a:endParaRPr kumimoji="0" lang="en-US"/>
+          </a:p>
+        </p:txBody>
+      </p:sp>
+      <p:sp>
+        <p:nvSpPr>
+          <p:cNvPr id="4" name="Text Placeholder 3"/>
+          <p:cNvSpPr>
+            <a:spLocks noGrp="1"/>
+          </p:cNvSpPr>
+          <p:nvPr>
+            <p:ph type="body" sz="half" idx="2"/>
+          </p:nvPr>
+        </p:nvSpPr>
+        <p:spPr bwMode="grayWhite">
+          <a:xfrm>
+            <a:off x="6462712" y="533400"/>
+            <a:ext cx="2240280" cy="4211480"/>
+          </a:xfrm>
+        </p:spPr>
+        <p:txBody>
+          <a:bodyPr lIns="91440"/>
+          <a:lstStyle>
+            <a:lvl1pPr marL="45720" indent="0" algn="l">
+              <a:spcBef>
+                <a:spcPts val="0"/>
+              </a:spcBef>
+              <a:buNone/>
+              <a:defRPr sz="1400">
+                <a:solidFill>
+                  <a:srgbClr val="FFFFFF"/>
+                </a:solidFill>
+              </a:defRPr>
+            </a:lvl1pPr>
+            <a:lvl2pPr>
+              <a:defRPr sz="1200">
+                <a:solidFill>
+                  <a:srgbClr val="FFFFFF"/>
+                </a:solidFill>
+              </a:defRPr>
+            </a:lvl2pPr>
+            <a:lvl3pPr>
+              <a:defRPr sz="1000">
+                <a:solidFill>
+                  <a:srgbClr val="FFFFFF"/>
+                </a:solidFill>
+              </a:defRPr>
+            </a:lvl3pPr>
+            <a:lvl4pPr>
+              <a:defRPr sz="900">
+                <a:solidFill>
+                  <a:srgbClr val="FFFFFF"/>
+                </a:solidFill>
+              </a:defRPr>
+            </a:lvl4pPr>
+            <a:lvl5pPr>
+              <a:defRPr sz="900">
+                <a:solidFill>
+                  <a:srgbClr val="FFFFFF"/>
+                </a:solidFill>
+              </a:defRPr>
+            </a:lvl5pPr>
+          </a:lstStyle>
+          <a:p>
+            <a:pPr lvl="0" eaLnBrk="1" latinLnBrk="0" hangingPunct="1"/>
+            <a:endParaRPr/>
+          </a:p>
+          <a:p>
+            <a:pPr lvl="1" eaLnBrk="1" latinLnBrk="0" hangingPunct="1"/>
+            <a:endParaRPr/>
+          </a:p>
+          <a:p>
+            <a:pPr lvl="2" eaLnBrk="1" latinLnBrk="0" hangingPunct="1"/>
+            <a:endParaRPr/>
+          </a:p>
+          <a:p>
+            <a:pPr lvl="3" eaLnBrk="1" latinLnBrk="0" hangingPunct="1"/>
+            <a:endParaRPr/>
+          </a:p>
+          <a:p>
+            <a:pPr lvl="4" eaLnBrk="1" latinLnBrk="0" hangingPunct="1"/>
+            <a:endParaRPr kumimoji="0" lang="en-US"/>
+          </a:p>
+        </p:txBody>
+      </p:sp>
+      <p:sp>
+        <p:nvSpPr>
+          <p:cNvPr id="5" name="Date Placeholder 4"/>
+          <p:cNvSpPr>
+            <a:spLocks noGrp="1"/>
+          </p:cNvSpPr>
+          <p:nvPr>
+            <p:ph type="dt" sz="half" idx="10"/>
+          </p:nvPr>
+        </p:nvSpPr>
+        <p:spPr/>
+        <p:txBody>
+          <a:bodyPr/>
+          <a:lstStyle/>
+          <a:p>
+            <a:fld id="{C699CB88-5E1A-4FAC-892A-60949ACB1F6F}" type="datetimeFigureOut">
               <a:rPr lang="en-US" smtClean="0"/>
-              <a:t>Click to edit Master title style</a:t>
-            </a:r>
-            <a:endParaRPr lang="en-CA"/>
+              <a:pPr/>
+              <a:t>10/5/2012</a:t>
+            </a:fld>
+            <a:endParaRPr lang="en-US"/>
+          </a:p>
+        </p:txBody>
+      </p:sp>
+      <p:sp>
+        <p:nvSpPr>
+          <p:cNvPr id="6" name="Footer Placeholder 5"/>
+          <p:cNvSpPr>
+            <a:spLocks noGrp="1"/>
+          </p:cNvSpPr>
+          <p:nvPr>
+            <p:ph type="ftr" sz="quarter" idx="11"/>
+          </p:nvPr>
+        </p:nvSpPr>
+        <p:spPr/>
+        <p:txBody>
+          <a:bodyPr/>
+          <a:lstStyle/>
+          <a:p>
+            <a:endParaRPr kumimoji="0" lang="en-US"/>
+          </a:p>
+        </p:txBody>
+      </p:sp>
+      <p:sp>
+        <p:nvSpPr>
+          <p:cNvPr id="7" name="Slide Number Placeholder 6"/>
+          <p:cNvSpPr>
+            <a:spLocks noGrp="1"/>
+          </p:cNvSpPr>
+          <p:nvPr>
+            <p:ph type="sldNum" sz="quarter" idx="12"/>
+          </p:nvPr>
+        </p:nvSpPr>
+        <p:spPr/>
+        <p:txBody>
+          <a:bodyPr/>
+          <a:lstStyle/>
+          <a:p>
+            <a:fld id="{91974DF9-AD47-4691-BA21-BBFCE3637A9A}" type="slidenum">
+              <a:rPr kumimoji="0" lang="en-US" smtClean="0"/>
+              <a:pPr/>
+              <a:t>‹#›</a:t>
+            </a:fld>
+            <a:endParaRPr kumimoji="0" lang="en-US"/>
           </a:p>
         </p:txBody>
       </p:sp>
@@ -3338,9 +3568,20 @@
         </p:nvSpPr>
         <p:spPr>
           <a:xfrm>
-            <a:off x="1792288" y="612775"/>
-            <a:ext cx="5486400" cy="4114800"/>
+            <a:off x="421480" y="435768"/>
+            <a:ext cx="5925312" cy="4343400"/>
           </a:xfrm>
+          <a:prstGeom prst="snipRoundRect">
+            <a:avLst>
+              <a:gd name="adj1" fmla="val 1040"/>
+              <a:gd name="adj2" fmla="val 0"/>
+            </a:avLst>
+          </a:prstGeom>
+          <a:solidFill>
+            <a:schemeClr val="bg2">
+              <a:shade val="10000"/>
+            </a:schemeClr>
+          </a:solidFill>
         </p:spPr>
         <p:txBody>
           <a:bodyPr/>
@@ -3349,180 +3590,13 @@
               <a:buNone/>
               <a:defRPr sz="3200"/>
             </a:lvl1pPr>
-            <a:lvl2pPr marL="457200" indent="0">
-              <a:buNone/>
-              <a:defRPr sz="2800"/>
-            </a:lvl2pPr>
-            <a:lvl3pPr marL="914400" indent="0">
-              <a:buNone/>
-              <a:defRPr sz="2400"/>
-            </a:lvl3pPr>
-            <a:lvl4pPr marL="1371600" indent="0">
-              <a:buNone/>
-              <a:defRPr sz="2000"/>
-            </a:lvl4pPr>
-            <a:lvl5pPr marL="1828800" indent="0">
-              <a:buNone/>
-              <a:defRPr sz="2000"/>
-            </a:lvl5pPr>
-            <a:lvl6pPr marL="2286000" indent="0">
-              <a:buNone/>
-              <a:defRPr sz="2000"/>
-            </a:lvl6pPr>
-            <a:lvl7pPr marL="2743200" indent="0">
-              <a:buNone/>
-              <a:defRPr sz="2000"/>
-            </a:lvl7pPr>
-            <a:lvl8pPr marL="3200400" indent="0">
-              <a:buNone/>
-              <a:defRPr sz="2000"/>
-            </a:lvl8pPr>
-            <a:lvl9pPr marL="3657600" indent="0">
-              <a:buNone/>
-              <a:defRPr sz="2000"/>
-            </a:lvl9pPr>
           </a:lstStyle>
           <a:p>
-            <a:endParaRPr lang="en-CA"/>
-          </a:p>
-        </p:txBody>
-      </p:sp>
-      <p:sp>
-        <p:nvSpPr>
-          <p:cNvPr id="4" name="Text Placeholder 3"/>
-          <p:cNvSpPr>
-            <a:spLocks noGrp="1"/>
-          </p:cNvSpPr>
-          <p:nvPr>
-            <p:ph type="body" sz="half" idx="2"/>
-          </p:nvPr>
-        </p:nvSpPr>
-        <p:spPr>
-          <a:xfrm>
-            <a:off x="1792288" y="5367338"/>
-            <a:ext cx="5486400" cy="804862"/>
-          </a:xfrm>
-        </p:spPr>
-        <p:txBody>
-          <a:bodyPr/>
-          <a:lstStyle>
-            <a:lvl1pPr marL="0" indent="0">
-              <a:buNone/>
-              <a:defRPr sz="1400"/>
-            </a:lvl1pPr>
-            <a:lvl2pPr marL="457200" indent="0">
-              <a:buNone/>
-              <a:defRPr sz="1200"/>
-            </a:lvl2pPr>
-            <a:lvl3pPr marL="914400" indent="0">
-              <a:buNone/>
-              <a:defRPr sz="1000"/>
-            </a:lvl3pPr>
-            <a:lvl4pPr marL="1371600" indent="0">
-              <a:buNone/>
-              <a:defRPr sz="900"/>
-            </a:lvl4pPr>
-            <a:lvl5pPr marL="1828800" indent="0">
-              <a:buNone/>
-              <a:defRPr sz="900"/>
-            </a:lvl5pPr>
-            <a:lvl6pPr marL="2286000" indent="0">
-              <a:buNone/>
-              <a:defRPr sz="900"/>
-            </a:lvl6pPr>
-            <a:lvl7pPr marL="2743200" indent="0">
-              <a:buNone/>
-              <a:defRPr sz="900"/>
-            </a:lvl7pPr>
-            <a:lvl8pPr marL="3200400" indent="0">
-              <a:buNone/>
-              <a:defRPr sz="900"/>
-            </a:lvl8pPr>
-            <a:lvl9pPr marL="3657600" indent="0">
-              <a:buNone/>
-              <a:defRPr sz="900"/>
-            </a:lvl9pPr>
-          </a:lstStyle>
-          <a:p>
-            <a:pPr lvl="0"/>
-            <a:r>
-              <a:rPr lang="en-US" smtClean="0"/>
-              <a:t>Click to edit Master text styles</a:t>
-            </a:r>
-          </a:p>
-        </p:txBody>
-      </p:sp>
-      <p:sp>
-        <p:nvSpPr>
-          <p:cNvPr id="5" name="Date Placeholder 4"/>
-          <p:cNvSpPr>
-            <a:spLocks noGrp="1"/>
-          </p:cNvSpPr>
-          <p:nvPr>
-            <p:ph type="dt" sz="half" idx="10"/>
-          </p:nvPr>
-        </p:nvSpPr>
-        <p:spPr/>
-        <p:txBody>
-          <a:bodyPr/>
-          <a:lstStyle/>
-          <a:p>
-            <a:fld id="{80AAE011-496F-41C9-BBC2-E7ACFF69BF3B}" type="datetimeFigureOut">
-              <a:rPr lang="en-CA" smtClean="0"/>
-              <a:t>03/10/2012</a:t>
-            </a:fld>
-            <a:endParaRPr lang="en-CA"/>
-          </a:p>
-        </p:txBody>
-      </p:sp>
-      <p:sp>
-        <p:nvSpPr>
-          <p:cNvPr id="6" name="Footer Placeholder 5"/>
-          <p:cNvSpPr>
-            <a:spLocks noGrp="1"/>
-          </p:cNvSpPr>
-          <p:nvPr>
-            <p:ph type="ftr" sz="quarter" idx="11"/>
-          </p:nvPr>
-        </p:nvSpPr>
-        <p:spPr/>
-        <p:txBody>
-          <a:bodyPr/>
-          <a:lstStyle/>
-          <a:p>
-            <a:endParaRPr lang="en-CA"/>
-          </a:p>
-        </p:txBody>
-      </p:sp>
-      <p:sp>
-        <p:nvSpPr>
-          <p:cNvPr id="7" name="Slide Number Placeholder 6"/>
-          <p:cNvSpPr>
-            <a:spLocks noGrp="1"/>
-          </p:cNvSpPr>
-          <p:nvPr>
-            <p:ph type="sldNum" sz="quarter" idx="12"/>
-          </p:nvPr>
-        </p:nvSpPr>
-        <p:spPr/>
-        <p:txBody>
-          <a:bodyPr/>
-          <a:lstStyle/>
-          <a:p>
-            <a:fld id="{5DEA27B1-7EAF-4139-A8DC-C82F031F298F}" type="slidenum">
-              <a:rPr lang="en-CA" smtClean="0"/>
-              <a:t>‹#›</a:t>
-            </a:fld>
-            <a:endParaRPr lang="en-CA"/>
+            <a:endParaRPr kumimoji="0" lang="en-US"/>
           </a:p>
         </p:txBody>
       </p:sp>
     </p:spTree>
-    <p:extLst>
-      <p:ext uri="{BB962C8B-B14F-4D97-AF65-F5344CB8AC3E}">
-        <p14:creationId xmlns:p14="http://schemas.microsoft.com/office/powerpoint/2010/main" val="392770848"/>
-      </p:ext>
-    </p:extLst>
   </p:cSld>
   <p:clrMapOvr>
     <a:masterClrMapping/>
@@ -3535,7 +3609,7 @@
   <p:cSld>
     <p:bg>
       <p:bgRef idx="1001">
-        <a:schemeClr val="bg1"/>
+        <a:schemeClr val="bg2"/>
       </p:bgRef>
     </p:bg>
     <p:spTree>
@@ -3554,40 +3628,192 @@
       </p:grpSpPr>
       <p:sp>
         <p:nvSpPr>
-          <p:cNvPr id="2" name="Title Placeholder 1"/>
-          <p:cNvSpPr>
-            <a:spLocks noGrp="1"/>
-          </p:cNvSpPr>
-          <p:nvPr>
-            <p:ph type="title"/>
-          </p:nvPr>
+          <p:cNvPr id="7" name="Rounded Rectangle 6"/>
+          <p:cNvSpPr/>
+          <p:nvPr/>
         </p:nvSpPr>
         <p:spPr>
           <a:xfrm>
-            <a:off x="457200" y="274638"/>
-            <a:ext cx="8229600" cy="1143000"/>
+            <a:off x="304800" y="329184"/>
+            <a:ext cx="8532055" cy="6196819"/>
+          </a:xfrm>
+          <a:prstGeom prst="roundRect">
+            <a:avLst>
+              <a:gd name="adj" fmla="val 2081"/>
+            </a:avLst>
+          </a:prstGeom>
+          <a:gradFill flip="none" rotWithShape="1">
+            <a:gsLst>
+              <a:gs pos="0">
+                <a:srgbClr val="FFFFFF">
+                  <a:shade val="100000"/>
+                </a:srgbClr>
+              </a:gs>
+              <a:gs pos="98000">
+                <a:srgbClr val="FFFFFF">
+                  <a:shade val="100000"/>
+                </a:srgbClr>
+              </a:gs>
+              <a:gs pos="99055">
+                <a:srgbClr val="FFFFFF">
+                  <a:shade val="93000"/>
+                </a:srgbClr>
+              </a:gs>
+              <a:gs pos="100000">
+                <a:srgbClr val="FFFFFF">
+                  <a:shade val="70000"/>
+                </a:srgbClr>
+              </a:gs>
+            </a:gsLst>
+            <a:lin ang="5400000" scaled="1"/>
+            <a:tileRect/>
+          </a:gradFill>
+          <a:ln w="2000" cap="rnd" cmpd="sng" algn="ctr">
+            <a:solidFill>
+              <a:srgbClr val="302F2C">
+                <a:tint val="65000"/>
+                <a:satMod val="120000"/>
+              </a:srgbClr>
+            </a:solidFill>
+            <a:prstDash val="solid"/>
+          </a:ln>
+          <a:effectLst>
+            <a:outerShdw blurRad="76200" dist="50800" dir="5400000" algn="tl" rotWithShape="0">
+              <a:srgbClr val="000000">
+                <a:alpha val="25000"/>
+              </a:srgbClr>
+            </a:outerShdw>
+          </a:effectLst>
+        </p:spPr>
+        <p:style>
+          <a:lnRef idx="3">
+            <a:schemeClr val="lt1"/>
+          </a:lnRef>
+          <a:fillRef idx="1">
+            <a:schemeClr val="accent1"/>
+          </a:fillRef>
+          <a:effectRef idx="1">
+            <a:schemeClr val="accent1"/>
+          </a:effectRef>
+          <a:fontRef idx="minor">
+            <a:schemeClr val="lt1"/>
+          </a:fontRef>
+        </p:style>
+        <p:txBody>
+          <a:bodyPr anchor="ctr"/>
+          <a:lstStyle/>
+          <a:p>
+            <a:pPr algn="ctr" eaLnBrk="1" latinLnBrk="0" hangingPunct="1"/>
+            <a:endParaRPr kumimoji="0" lang="en-US"/>
+          </a:p>
+        </p:txBody>
+      </p:sp>
+      <p:sp>
+        <p:nvSpPr>
+          <p:cNvPr id="9" name="Rounded Rectangle 8"/>
+          <p:cNvSpPr/>
+          <p:nvPr/>
+        </p:nvSpPr>
+        <p:spPr>
+          <a:xfrm>
+            <a:off x="418596" y="434162"/>
+            <a:ext cx="8306809" cy="5486400"/>
+          </a:xfrm>
+          <a:prstGeom prst="roundRect">
+            <a:avLst>
+              <a:gd name="adj" fmla="val 2127"/>
+            </a:avLst>
+          </a:prstGeom>
+          <a:gradFill rotWithShape="1">
+            <a:gsLst>
+              <a:gs pos="0">
+                <a:schemeClr val="bg1">
+                  <a:tint val="75000"/>
+                  <a:satMod val="150000"/>
+                </a:schemeClr>
+              </a:gs>
+              <a:gs pos="55000">
+                <a:schemeClr val="bg1">
+                  <a:shade val="75000"/>
+                  <a:satMod val="100000"/>
+                </a:schemeClr>
+              </a:gs>
+              <a:gs pos="100000">
+                <a:schemeClr val="bg1">
+                  <a:shade val="35000"/>
+                  <a:satMod val="100000"/>
+                </a:schemeClr>
+              </a:gs>
+            </a:gsLst>
+            <a:path path="circle">
+              <a:fillToRect l="50000" t="175000" r="50000" b="-75000"/>
+            </a:path>
+          </a:gradFill>
+          <a:ln w="8890" cap="rnd" cmpd="sng" algn="ctr">
+            <a:noFill/>
+            <a:prstDash val="solid"/>
+          </a:ln>
+          <a:effectLst/>
+        </p:spPr>
+        <p:style>
+          <a:lnRef idx="3">
+            <a:schemeClr val="lt1"/>
+          </a:lnRef>
+          <a:fillRef idx="1">
+            <a:schemeClr val="accent1"/>
+          </a:fillRef>
+          <a:effectRef idx="1">
+            <a:schemeClr val="accent1"/>
+          </a:effectRef>
+          <a:fontRef idx="minor">
+            <a:schemeClr val="lt1"/>
+          </a:fontRef>
+        </p:style>
+        <p:txBody>
+          <a:bodyPr anchor="ctr"/>
+          <a:lstStyle/>
+          <a:p>
+            <a:pPr algn="ctr" eaLnBrk="1" latinLnBrk="0" hangingPunct="1"/>
+            <a:endParaRPr kumimoji="0" lang="en-US"/>
+          </a:p>
+        </p:txBody>
+      </p:sp>
+      <p:sp>
+        <p:nvSpPr>
+          <p:cNvPr id="13" name="Title Placeholder 12"/>
+          <p:cNvSpPr>
+            <a:spLocks noGrp="1"/>
+          </p:cNvSpPr>
+          <p:nvPr>
+            <p:ph type="title"/>
+          </p:nvPr>
+        </p:nvSpPr>
+        <p:spPr>
+          <a:xfrm>
+            <a:off x="502920" y="4985590"/>
+            <a:ext cx="8183880" cy="1051560"/>
           </a:xfrm>
           <a:prstGeom prst="rect">
             <a:avLst/>
           </a:prstGeom>
         </p:spPr>
         <p:txBody>
-          <a:bodyPr vert="horz" lIns="91440" tIns="45720" rIns="91440" bIns="45720" rtlCol="0" anchor="ctr">
+          <a:bodyPr vert="horz" anchor="b">
             <a:normAutofit/>
           </a:bodyPr>
           <a:lstStyle/>
           <a:p>
             <a:r>
-              <a:rPr lang="en-US" smtClean="0"/>
+              <a:rPr kumimoji="0" lang="en-US" smtClean="0"/>
               <a:t>Click to edit Master title style</a:t>
             </a:r>
-            <a:endParaRPr lang="en-CA"/>
-          </a:p>
-        </p:txBody>
-      </p:sp>
-      <p:sp>
-        <p:nvSpPr>
-          <p:cNvPr id="3" name="Text Placeholder 2"/>
+            <a:endParaRPr kumimoji="0" lang="en-US"/>
+          </a:p>
+        </p:txBody>
+      </p:sp>
+      <p:sp>
+        <p:nvSpPr>
+          <p:cNvPr id="4" name="Text Placeholder 3"/>
           <p:cNvSpPr>
             <a:spLocks noGrp="1"/>
           </p:cNvSpPr>
@@ -3597,59 +3823,59 @@
         </p:nvSpPr>
         <p:spPr>
           <a:xfrm>
-            <a:off x="457200" y="1600200"/>
-            <a:ext cx="8229600" cy="4525963"/>
+            <a:off x="502920" y="530352"/>
+            <a:ext cx="8183880" cy="4187952"/>
           </a:xfrm>
           <a:prstGeom prst="rect">
             <a:avLst/>
           </a:prstGeom>
         </p:spPr>
         <p:txBody>
-          <a:bodyPr vert="horz" lIns="91440" tIns="45720" rIns="91440" bIns="45720" rtlCol="0">
+          <a:bodyPr vert="horz" lIns="182880" tIns="91440">
             <a:normAutofit/>
           </a:bodyPr>
           <a:lstStyle/>
           <a:p>
-            <a:pPr lvl="0"/>
-            <a:r>
-              <a:rPr lang="en-US" smtClean="0"/>
+            <a:pPr lvl="0" eaLnBrk="1" latinLnBrk="0" hangingPunct="1"/>
+            <a:r>
+              <a:rPr kumimoji="0" lang="en-US" smtClean="0"/>
               <a:t>Click to edit Master text styles</a:t>
             </a:r>
           </a:p>
           <a:p>
-            <a:pPr lvl="1"/>
-            <a:r>
-              <a:rPr lang="en-US" smtClean="0"/>
+            <a:pPr lvl="1" eaLnBrk="1" latinLnBrk="0" hangingPunct="1"/>
+            <a:r>
+              <a:rPr kumimoji="0" lang="en-US" smtClean="0"/>
               <a:t>Second level</a:t>
             </a:r>
           </a:p>
           <a:p>
-            <a:pPr lvl="2"/>
-            <a:r>
-              <a:rPr lang="en-US" smtClean="0"/>
+            <a:pPr lvl="2" eaLnBrk="1" latinLnBrk="0" hangingPunct="1"/>
+            <a:r>
+              <a:rPr kumimoji="0" lang="en-US" smtClean="0"/>
               <a:t>Third level</a:t>
             </a:r>
           </a:p>
           <a:p>
-            <a:pPr lvl="3"/>
-            <a:r>
-              <a:rPr lang="en-US" smtClean="0"/>
+            <a:pPr lvl="3" eaLnBrk="1" latinLnBrk="0" hangingPunct="1"/>
+            <a:r>
+              <a:rPr kumimoji="0" lang="en-US" smtClean="0"/>
               <a:t>Fourth level</a:t>
             </a:r>
           </a:p>
           <a:p>
-            <a:pPr lvl="4"/>
-            <a:r>
-              <a:rPr lang="en-US" smtClean="0"/>
+            <a:pPr lvl="4" eaLnBrk="1" latinLnBrk="0" hangingPunct="1"/>
+            <a:r>
+              <a:rPr kumimoji="0" lang="en-US" smtClean="0"/>
               <a:t>Fifth level</a:t>
             </a:r>
-            <a:endParaRPr lang="en-CA"/>
-          </a:p>
-        </p:txBody>
-      </p:sp>
-      <p:sp>
-        <p:nvSpPr>
-          <p:cNvPr id="4" name="Date Placeholder 3"/>
+            <a:endParaRPr kumimoji="0" lang="en-US"/>
+          </a:p>
+        </p:txBody>
+      </p:sp>
+      <p:sp>
+        <p:nvSpPr>
+          <p:cNvPr id="25" name="Date Placeholder 24"/>
           <p:cNvSpPr>
             <a:spLocks noGrp="1"/>
           </p:cNvSpPr>
@@ -3659,38 +3885,39 @@
         </p:nvSpPr>
         <p:spPr>
           <a:xfrm>
-            <a:off x="457200" y="6356350"/>
-            <a:ext cx="2133600" cy="365125"/>
+            <a:off x="3776328" y="6111875"/>
+            <a:ext cx="2286000" cy="365125"/>
           </a:xfrm>
           <a:prstGeom prst="rect">
             <a:avLst/>
           </a:prstGeom>
         </p:spPr>
         <p:txBody>
-          <a:bodyPr vert="horz" lIns="91440" tIns="45720" rIns="91440" bIns="45720" rtlCol="0" anchor="ctr"/>
+          <a:bodyPr vert="horz" anchor="b"/>
           <a:lstStyle>
-            <a:lvl1pPr algn="l">
-              <a:defRPr sz="1200">
+            <a:lvl1pPr algn="r" eaLnBrk="1" latinLnBrk="0" hangingPunct="1">
+              <a:defRPr kumimoji="0" sz="1000">
                 <a:solidFill>
-                  <a:schemeClr val="tx1">
-                    <a:tint val="75000"/>
+                  <a:schemeClr val="bg2">
+                    <a:shade val="50000"/>
                   </a:schemeClr>
                 </a:solidFill>
               </a:defRPr>
             </a:lvl1pPr>
           </a:lstStyle>
           <a:p>
-            <a:fld id="{80AAE011-496F-41C9-BBC2-E7ACFF69BF3B}" type="datetimeFigureOut">
-              <a:rPr lang="en-CA" smtClean="0"/>
-              <a:t>03/10/2012</a:t>
+            <a:fld id="{C699CB88-5E1A-4FAC-892A-60949ACB1F6F}" type="datetimeFigureOut">
+              <a:rPr lang="en-US" smtClean="0"/>
+              <a:pPr/>
+              <a:t>10/5/2012</a:t>
             </a:fld>
-            <a:endParaRPr lang="en-CA"/>
-          </a:p>
-        </p:txBody>
-      </p:sp>
-      <p:sp>
-        <p:nvSpPr>
-          <p:cNvPr id="5" name="Footer Placeholder 4"/>
+            <a:endParaRPr lang="en-US"/>
+          </a:p>
+        </p:txBody>
+      </p:sp>
+      <p:sp>
+        <p:nvSpPr>
+          <p:cNvPr id="18" name="Footer Placeholder 17"/>
           <p:cNvSpPr>
             <a:spLocks noGrp="1"/>
           </p:cNvSpPr>
@@ -3700,34 +3927,34 @@
         </p:nvSpPr>
         <p:spPr>
           <a:xfrm>
-            <a:off x="3124200" y="6356350"/>
-            <a:ext cx="2895600" cy="365125"/>
+            <a:off x="6062328" y="6111875"/>
+            <a:ext cx="2286000" cy="365125"/>
           </a:xfrm>
           <a:prstGeom prst="rect">
             <a:avLst/>
           </a:prstGeom>
         </p:spPr>
         <p:txBody>
-          <a:bodyPr vert="horz" lIns="91440" tIns="45720" rIns="91440" bIns="45720" rtlCol="0" anchor="ctr"/>
+          <a:bodyPr vert="horz" anchor="b"/>
           <a:lstStyle>
-            <a:lvl1pPr algn="ctr">
-              <a:defRPr sz="1200">
+            <a:lvl1pPr algn="l" eaLnBrk="1" latinLnBrk="0" hangingPunct="1">
+              <a:defRPr kumimoji="0" sz="1000">
                 <a:solidFill>
-                  <a:schemeClr val="tx1">
-                    <a:tint val="75000"/>
+                  <a:schemeClr val="bg2">
+                    <a:shade val="50000"/>
                   </a:schemeClr>
                 </a:solidFill>
               </a:defRPr>
             </a:lvl1pPr>
           </a:lstStyle>
           <a:p>
-            <a:endParaRPr lang="en-CA"/>
-          </a:p>
-        </p:txBody>
-      </p:sp>
-      <p:sp>
-        <p:nvSpPr>
-          <p:cNvPr id="6" name="Slide Number Placeholder 5"/>
+            <a:endParaRPr kumimoji="0" lang="en-US"/>
+          </a:p>
+        </p:txBody>
+      </p:sp>
+      <p:sp>
+        <p:nvSpPr>
+          <p:cNvPr id="5" name="Slide Number Placeholder 4"/>
           <p:cNvSpPr>
             <a:spLocks noGrp="1"/>
           </p:cNvSpPr>
@@ -3737,41 +3964,37 @@
         </p:nvSpPr>
         <p:spPr>
           <a:xfrm>
-            <a:off x="6553200" y="6356350"/>
-            <a:ext cx="2133600" cy="365125"/>
+            <a:off x="8348328" y="6111875"/>
+            <a:ext cx="457200" cy="365125"/>
           </a:xfrm>
           <a:prstGeom prst="rect">
             <a:avLst/>
           </a:prstGeom>
         </p:spPr>
         <p:txBody>
-          <a:bodyPr vert="horz" lIns="91440" tIns="45720" rIns="91440" bIns="45720" rtlCol="0" anchor="ctr"/>
+          <a:bodyPr vert="horz" anchor="b"/>
           <a:lstStyle>
-            <a:lvl1pPr algn="r">
-              <a:defRPr sz="1200">
+            <a:lvl1pPr algn="r" eaLnBrk="1" latinLnBrk="0" hangingPunct="1">
+              <a:defRPr kumimoji="0" sz="1000">
                 <a:solidFill>
-                  <a:schemeClr val="tx1">
-                    <a:tint val="75000"/>
+                  <a:schemeClr val="bg2">
+                    <a:shade val="50000"/>
                   </a:schemeClr>
                 </a:solidFill>
               </a:defRPr>
             </a:lvl1pPr>
           </a:lstStyle>
           <a:p>
-            <a:fld id="{5DEA27B1-7EAF-4139-A8DC-C82F031F298F}" type="slidenum">
-              <a:rPr lang="en-CA" smtClean="0"/>
+            <a:fld id="{91974DF9-AD47-4691-BA21-BBFCE3637A9A}" type="slidenum">
+              <a:rPr kumimoji="0" lang="en-US" smtClean="0"/>
+              <a:pPr/>
               <a:t>‹#›</a:t>
             </a:fld>
-            <a:endParaRPr lang="en-CA"/>
+            <a:endParaRPr kumimoji="0" lang="en-US"/>
           </a:p>
         </p:txBody>
       </p:sp>
     </p:spTree>
-    <p:extLst>
-      <p:ext uri="{BB962C8B-B14F-4D97-AF65-F5344CB8AC3E}">
-        <p14:creationId xmlns:p14="http://schemas.microsoft.com/office/powerpoint/2010/main" val="539051449"/>
-      </p:ext>
-    </p:extLst>
   </p:cSld>
   <p:clrMap bg1="lt1" tx1="dk1" bg2="lt2" tx2="dk2" accent1="accent1" accent2="accent2" accent3="accent3" accent4="accent4" accent5="accent5" accent6="accent6" hlink="hlink" folHlink="folHlink"/>
   <p:sldLayoutIdLst>
@@ -3789,15 +4012,25 @@
   </p:sldLayoutIdLst>
   <p:txStyles>
     <p:titleStyle>
-      <a:lvl1pPr algn="ctr" defTabSz="914400" rtl="0" eaLnBrk="1" latinLnBrk="0" hangingPunct="1">
+      <a:lvl1pPr algn="l" rtl="0" eaLnBrk="1" latinLnBrk="0" hangingPunct="1">
         <a:spcBef>
           <a:spcPct val="0"/>
         </a:spcBef>
         <a:buNone/>
-        <a:defRPr sz="4400" kern="1200">
+        <a:defRPr kumimoji="0" sz="3600" b="1" kern="1200">
           <a:solidFill>
-            <a:schemeClr val="tx1"/>
+            <a:schemeClr val="accent1">
+              <a:tint val="88000"/>
+              <a:satMod val="150000"/>
+            </a:schemeClr>
           </a:solidFill>
+          <a:effectLst>
+            <a:outerShdw blurRad="53975" dist="22860" dir="5400000" algn="tl" rotWithShape="0">
+              <a:srgbClr val="000000">
+                <a:alpha val="55000"/>
+              </a:srgbClr>
+            </a:outerShdw>
+          </a:effectLst>
           <a:latin typeface="+mj-lt"/>
           <a:ea typeface="+mj-ea"/>
           <a:cs typeface="+mj-cs"/>
@@ -3805,28 +4038,37 @@
       </a:lvl1pPr>
     </p:titleStyle>
     <p:bodyStyle>
-      <a:lvl1pPr marL="342900" indent="-342900" algn="l" defTabSz="914400" rtl="0" eaLnBrk="1" latinLnBrk="0" hangingPunct="1">
+      <a:lvl1pPr marL="265176" indent="-265176" algn="l" rtl="0" eaLnBrk="1" latinLnBrk="0" hangingPunct="1">
         <a:spcBef>
-          <a:spcPct val="20000"/>
+          <a:spcPts val="250"/>
         </a:spcBef>
-        <a:buFont typeface="Arial" pitchFamily="34" charset="0"/>
-        <a:buChar char="•"/>
-        <a:defRPr sz="3200" kern="1200">
+        <a:buClr>
+          <a:schemeClr val="accent1"/>
+        </a:buClr>
+        <a:buSzPct val="80000"/>
+        <a:buFont typeface="Wingdings 2"/>
+        <a:buChar char=""/>
+        <a:defRPr kumimoji="0" sz="2800" kern="1200">
           <a:solidFill>
             <a:schemeClr val="tx1"/>
           </a:solidFill>
+          <a:effectLst/>
           <a:latin typeface="+mn-lt"/>
           <a:ea typeface="+mn-ea"/>
           <a:cs typeface="+mn-cs"/>
         </a:defRPr>
       </a:lvl1pPr>
-      <a:lvl2pPr marL="742950" indent="-285750" algn="l" defTabSz="914400" rtl="0" eaLnBrk="1" latinLnBrk="0" hangingPunct="1">
+      <a:lvl2pPr marL="548640" indent="-201168" algn="l" rtl="0" eaLnBrk="1" latinLnBrk="0" hangingPunct="1">
         <a:spcBef>
-          <a:spcPct val="20000"/>
+          <a:spcPts val="250"/>
         </a:spcBef>
-        <a:buFont typeface="Arial" pitchFamily="34" charset="0"/>
-        <a:buChar char="–"/>
-        <a:defRPr sz="2800" kern="1200">
+        <a:buClr>
+          <a:schemeClr val="accent1"/>
+        </a:buClr>
+        <a:buSzPct val="100000"/>
+        <a:buFont typeface="Verdana"/>
+        <a:buChar char="◦"/>
+        <a:defRPr kumimoji="0" sz="2400" kern="1200">
           <a:solidFill>
             <a:schemeClr val="tx1"/>
           </a:solidFill>
@@ -3835,13 +4077,20 @@
           <a:cs typeface="+mn-cs"/>
         </a:defRPr>
       </a:lvl2pPr>
-      <a:lvl3pPr marL="1143000" indent="-228600" algn="l" defTabSz="914400" rtl="0" eaLnBrk="1" latinLnBrk="0" hangingPunct="1">
+      <a:lvl3pPr marL="786384" indent="-182880" algn="l" rtl="0" eaLnBrk="1" latinLnBrk="0" hangingPunct="1">
         <a:spcBef>
-          <a:spcPct val="20000"/>
+          <a:spcPts val="250"/>
         </a:spcBef>
-        <a:buFont typeface="Arial" pitchFamily="34" charset="0"/>
-        <a:buChar char="•"/>
-        <a:defRPr sz="2400" kern="1200">
+        <a:buClr>
+          <a:schemeClr val="accent2">
+            <a:tint val="85000"/>
+            <a:satMod val="285000"/>
+          </a:schemeClr>
+        </a:buClr>
+        <a:buSzPct val="100000"/>
+        <a:buFont typeface="Wingdings 2"/>
+        <a:buChar char=""/>
+        <a:defRPr kumimoji="0" sz="2200" kern="1200">
           <a:solidFill>
             <a:schemeClr val="tx1"/>
           </a:solidFill>
@@ -3850,13 +4099,20 @@
           <a:cs typeface="+mn-cs"/>
         </a:defRPr>
       </a:lvl3pPr>
-      <a:lvl4pPr marL="1600200" indent="-228600" algn="l" defTabSz="914400" rtl="0" eaLnBrk="1" latinLnBrk="0" hangingPunct="1">
+      <a:lvl4pPr marL="1024128" indent="-182880" algn="l" rtl="0" eaLnBrk="1" latinLnBrk="0" hangingPunct="1">
         <a:spcBef>
-          <a:spcPct val="20000"/>
+          <a:spcPts val="230"/>
         </a:spcBef>
-        <a:buFont typeface="Arial" pitchFamily="34" charset="0"/>
-        <a:buChar char="–"/>
-        <a:defRPr sz="2000" kern="1200">
+        <a:buClr>
+          <a:schemeClr val="accent2">
+            <a:tint val="85000"/>
+            <a:satMod val="285000"/>
+          </a:schemeClr>
+        </a:buClr>
+        <a:buSzPct val="112000"/>
+        <a:buFont typeface="Verdana"/>
+        <a:buChar char="◦"/>
+        <a:defRPr kumimoji="0" sz="1900" kern="1200">
           <a:solidFill>
             <a:schemeClr val="tx1"/>
           </a:solidFill>
@@ -3865,13 +4121,20 @@
           <a:cs typeface="+mn-cs"/>
         </a:defRPr>
       </a:lvl4pPr>
-      <a:lvl5pPr marL="2057400" indent="-228600" algn="l" defTabSz="914400" rtl="0" eaLnBrk="1" latinLnBrk="0" hangingPunct="1">
+      <a:lvl5pPr marL="1280160" indent="-182880" algn="l" rtl="0" eaLnBrk="1" latinLnBrk="0" hangingPunct="1">
         <a:spcBef>
-          <a:spcPct val="20000"/>
+          <a:spcPts val="250"/>
         </a:spcBef>
-        <a:buFont typeface="Arial" pitchFamily="34" charset="0"/>
-        <a:buChar char="»"/>
-        <a:defRPr sz="2000" kern="1200">
+        <a:buClr>
+          <a:schemeClr val="accent3">
+            <a:tint val="85000"/>
+            <a:satMod val="275000"/>
+          </a:schemeClr>
+        </a:buClr>
+        <a:buSzPct val="100000"/>
+        <a:buFont typeface="Wingdings 2"/>
+        <a:buChar char=""/>
+        <a:defRPr kumimoji="0" sz="1800" kern="1200">
           <a:solidFill>
             <a:schemeClr val="tx1"/>
           </a:solidFill>
@@ -3880,13 +4143,20 @@
           <a:cs typeface="+mn-cs"/>
         </a:defRPr>
       </a:lvl5pPr>
-      <a:lvl6pPr marL="2514600" indent="-228600" algn="l" defTabSz="914400" rtl="0" eaLnBrk="1" latinLnBrk="0" hangingPunct="1">
+      <a:lvl6pPr marL="1490472" indent="-182880" algn="l" rtl="0" eaLnBrk="1" latinLnBrk="0" hangingPunct="1">
         <a:spcBef>
-          <a:spcPct val="20000"/>
+          <a:spcPts val="250"/>
         </a:spcBef>
-        <a:buFont typeface="Arial" pitchFamily="34" charset="0"/>
-        <a:buChar char="•"/>
-        <a:defRPr sz="2000" kern="1200">
+        <a:buClr>
+          <a:schemeClr val="accent3">
+            <a:tint val="85000"/>
+            <a:satMod val="275000"/>
+          </a:schemeClr>
+        </a:buClr>
+        <a:buSzPct val="100000"/>
+        <a:buFont typeface="Verdana"/>
+        <a:buChar char="◦"/>
+        <a:defRPr kumimoji="0" sz="1700" kern="1200" baseline="0">
           <a:solidFill>
             <a:schemeClr val="tx1"/>
           </a:solidFill>
@@ -3895,13 +4165,20 @@
           <a:cs typeface="+mn-cs"/>
         </a:defRPr>
       </a:lvl6pPr>
-      <a:lvl7pPr marL="2971800" indent="-228600" algn="l" defTabSz="914400" rtl="0" eaLnBrk="1" latinLnBrk="0" hangingPunct="1">
+      <a:lvl7pPr marL="1700784" indent="-182880" algn="l" rtl="0" eaLnBrk="1" latinLnBrk="0" hangingPunct="1">
         <a:spcBef>
-          <a:spcPct val="20000"/>
+          <a:spcPts val="255"/>
         </a:spcBef>
-        <a:buFont typeface="Arial" pitchFamily="34" charset="0"/>
-        <a:buChar char="•"/>
-        <a:defRPr sz="2000" kern="1200">
+        <a:buClr>
+          <a:schemeClr val="accent3">
+            <a:tint val="85000"/>
+            <a:satMod val="275000"/>
+          </a:schemeClr>
+        </a:buClr>
+        <a:buSzPct val="100000"/>
+        <a:buFont typeface="Wingdings 2"/>
+        <a:buChar char=""/>
+        <a:defRPr kumimoji="0" sz="1500" kern="1200">
           <a:solidFill>
             <a:schemeClr val="tx1"/>
           </a:solidFill>
@@ -3910,13 +4187,20 @@
           <a:cs typeface="+mn-cs"/>
         </a:defRPr>
       </a:lvl7pPr>
-      <a:lvl8pPr marL="3429000" indent="-228600" algn="l" defTabSz="914400" rtl="0" eaLnBrk="1" latinLnBrk="0" hangingPunct="1">
+      <a:lvl8pPr marL="1920240" indent="-182880" algn="l" rtl="0" eaLnBrk="1" latinLnBrk="0" hangingPunct="1">
         <a:spcBef>
-          <a:spcPct val="20000"/>
+          <a:spcPts val="257"/>
         </a:spcBef>
-        <a:buFont typeface="Arial" pitchFamily="34" charset="0"/>
-        <a:buChar char="•"/>
-        <a:defRPr sz="2000" kern="1200">
+        <a:buClr>
+          <a:schemeClr val="accent3">
+            <a:tint val="85000"/>
+            <a:satMod val="275000"/>
+          </a:schemeClr>
+        </a:buClr>
+        <a:buSzPct val="100000"/>
+        <a:buFont typeface="Verdana"/>
+        <a:buChar char="◦"/>
+        <a:defRPr kumimoji="0" sz="1500" kern="1200" baseline="0">
           <a:solidFill>
             <a:schemeClr val="tx1"/>
           </a:solidFill>
@@ -3925,13 +4209,20 @@
           <a:cs typeface="+mn-cs"/>
         </a:defRPr>
       </a:lvl8pPr>
-      <a:lvl9pPr marL="3886200" indent="-228600" algn="l" defTabSz="914400" rtl="0" eaLnBrk="1" latinLnBrk="0" hangingPunct="1">
+      <a:lvl9pPr marL="2148840" indent="-182880" algn="l" rtl="0" eaLnBrk="1" latinLnBrk="0" hangingPunct="1">
         <a:spcBef>
-          <a:spcPct val="20000"/>
+          <a:spcPts val="255"/>
         </a:spcBef>
-        <a:buFont typeface="Arial" pitchFamily="34" charset="0"/>
-        <a:buChar char="•"/>
-        <a:defRPr sz="2000" kern="1200">
+        <a:buClr>
+          <a:schemeClr val="accent3">
+            <a:tint val="85000"/>
+            <a:satMod val="275000"/>
+          </a:schemeClr>
+        </a:buClr>
+        <a:buSzPct val="100000"/>
+        <a:buFont typeface="Wingdings 2"/>
+        <a:buChar char=""/>
+        <a:defRPr kumimoji="0" sz="1500" kern="1200">
           <a:solidFill>
             <a:schemeClr val="tx1"/>
           </a:solidFill>
@@ -3942,11 +4233,8 @@
       </a:lvl9pPr>
     </p:bodyStyle>
     <p:otherStyle>
-      <a:defPPr>
-        <a:defRPr lang="en-US"/>
-      </a:defPPr>
-      <a:lvl1pPr marL="0" algn="l" defTabSz="914400" rtl="0" eaLnBrk="1" latinLnBrk="0" hangingPunct="1">
-        <a:defRPr sz="1800" kern="1200">
+      <a:lvl1pPr marL="0" algn="l" rtl="0" eaLnBrk="1" latinLnBrk="0" hangingPunct="1">
+        <a:defRPr kumimoji="0" kern="1200">
           <a:solidFill>
             <a:schemeClr val="tx1"/>
           </a:solidFill>
@@ -3955,8 +4243,8 @@
           <a:cs typeface="+mn-cs"/>
         </a:defRPr>
       </a:lvl1pPr>
-      <a:lvl2pPr marL="457200" algn="l" defTabSz="914400" rtl="0" eaLnBrk="1" latinLnBrk="0" hangingPunct="1">
-        <a:defRPr sz="1800" kern="1200">
+      <a:lvl2pPr marL="457200" algn="l" rtl="0" eaLnBrk="1" latinLnBrk="0" hangingPunct="1">
+        <a:defRPr kumimoji="0" kern="1200">
           <a:solidFill>
             <a:schemeClr val="tx1"/>
           </a:solidFill>
@@ -3965,8 +4253,8 @@
           <a:cs typeface="+mn-cs"/>
         </a:defRPr>
       </a:lvl2pPr>
-      <a:lvl3pPr marL="914400" algn="l" defTabSz="914400" rtl="0" eaLnBrk="1" latinLnBrk="0" hangingPunct="1">
-        <a:defRPr sz="1800" kern="1200">
+      <a:lvl3pPr marL="914400" algn="l" rtl="0" eaLnBrk="1" latinLnBrk="0" hangingPunct="1">
+        <a:defRPr kumimoji="0" kern="1200">
           <a:solidFill>
             <a:schemeClr val="tx1"/>
           </a:solidFill>
@@ -3975,8 +4263,8 @@
           <a:cs typeface="+mn-cs"/>
         </a:defRPr>
       </a:lvl3pPr>
-      <a:lvl4pPr marL="1371600" algn="l" defTabSz="914400" rtl="0" eaLnBrk="1" latinLnBrk="0" hangingPunct="1">
-        <a:defRPr sz="1800" kern="1200">
+      <a:lvl4pPr marL="1371600" algn="l" rtl="0" eaLnBrk="1" latinLnBrk="0" hangingPunct="1">
+        <a:defRPr kumimoji="0" kern="1200">
           <a:solidFill>
             <a:schemeClr val="tx1"/>
           </a:solidFill>
@@ -3985,8 +4273,8 @@
           <a:cs typeface="+mn-cs"/>
         </a:defRPr>
       </a:lvl4pPr>
-      <a:lvl5pPr marL="1828800" algn="l" defTabSz="914400" rtl="0" eaLnBrk="1" latinLnBrk="0" hangingPunct="1">
-        <a:defRPr sz="1800" kern="1200">
+      <a:lvl5pPr marL="1828800" algn="l" rtl="0" eaLnBrk="1" latinLnBrk="0" hangingPunct="1">
+        <a:defRPr kumimoji="0" kern="1200">
           <a:solidFill>
             <a:schemeClr val="tx1"/>
           </a:solidFill>
@@ -3995,8 +4283,8 @@
           <a:cs typeface="+mn-cs"/>
         </a:defRPr>
       </a:lvl5pPr>
-      <a:lvl6pPr marL="2286000" algn="l" defTabSz="914400" rtl="0" eaLnBrk="1" latinLnBrk="0" hangingPunct="1">
-        <a:defRPr sz="1800" kern="1200">
+      <a:lvl6pPr marL="2286000" algn="l" rtl="0" eaLnBrk="1" latinLnBrk="0" hangingPunct="1">
+        <a:defRPr kumimoji="0" kern="1200">
           <a:solidFill>
             <a:schemeClr val="tx1"/>
           </a:solidFill>
@@ -4005,8 +4293,8 @@
           <a:cs typeface="+mn-cs"/>
         </a:defRPr>
       </a:lvl6pPr>
-      <a:lvl7pPr marL="2743200" algn="l" defTabSz="914400" rtl="0" eaLnBrk="1" latinLnBrk="0" hangingPunct="1">
-        <a:defRPr sz="1800" kern="1200">
+      <a:lvl7pPr marL="2743200" algn="l" rtl="0" eaLnBrk="1" latinLnBrk="0" hangingPunct="1">
+        <a:defRPr kumimoji="0" kern="1200">
           <a:solidFill>
             <a:schemeClr val="tx1"/>
           </a:solidFill>
@@ -4015,8 +4303,8 @@
           <a:cs typeface="+mn-cs"/>
         </a:defRPr>
       </a:lvl7pPr>
-      <a:lvl8pPr marL="3200400" algn="l" defTabSz="914400" rtl="0" eaLnBrk="1" latinLnBrk="0" hangingPunct="1">
-        <a:defRPr sz="1800" kern="1200">
+      <a:lvl8pPr marL="3200400" algn="l" rtl="0" eaLnBrk="1" latinLnBrk="0" hangingPunct="1">
+        <a:defRPr kumimoji="0" kern="1200">
           <a:solidFill>
             <a:schemeClr val="tx1"/>
           </a:solidFill>
@@ -4025,8 +4313,8 @@
           <a:cs typeface="+mn-cs"/>
         </a:defRPr>
       </a:lvl8pPr>
-      <a:lvl9pPr marL="3657600" algn="l" defTabSz="914400" rtl="0" eaLnBrk="1" latinLnBrk="0" hangingPunct="1">
-        <a:defRPr sz="1800" kern="1200">
+      <a:lvl9pPr marL="3657600" algn="l" rtl="0" eaLnBrk="1" latinLnBrk="0" hangingPunct="1">
+        <a:defRPr kumimoji="0" kern="1200">
           <a:solidFill>
             <a:schemeClr val="tx1"/>
           </a:solidFill>
@@ -4041,6 +4329,773 @@
 </file>
 
 <file path=ppt/slides/slide1.xml><?xml version="1.0" encoding="utf-8"?>
+<p:sld xmlns:a="http://schemas.openxmlformats.org/drawingml/2006/main" xmlns:r="http://schemas.openxmlformats.org/officeDocument/2006/relationships" xmlns:p="http://schemas.openxmlformats.org/presentationml/2006/main">
+  <p:cSld>
+    <p:spTree>
+      <p:nvGrpSpPr>
+        <p:cNvPr id="1" name=""/>
+        <p:cNvGrpSpPr/>
+        <p:nvPr/>
+      </p:nvGrpSpPr>
+      <p:grpSpPr>
+        <a:xfrm>
+          <a:off x="0" y="0"/>
+          <a:ext cx="0" cy="0"/>
+          <a:chOff x="0" y="0"/>
+          <a:chExt cx="0" cy="0"/>
+        </a:xfrm>
+      </p:grpSpPr>
+      <p:sp>
+        <p:nvSpPr>
+          <p:cNvPr id="2" name="Title 1"/>
+          <p:cNvSpPr>
+            <a:spLocks noGrp="1"/>
+          </p:cNvSpPr>
+          <p:nvPr>
+            <p:ph type="ctrTitle"/>
+          </p:nvPr>
+        </p:nvSpPr>
+        <p:spPr/>
+        <p:txBody>
+          <a:bodyPr/>
+          <a:lstStyle/>
+          <a:p>
+            <a:r>
+              <a:rPr lang="en-US" dirty="0" smtClean="0"/>
+              <a:t>Windows Phone 7</a:t>
+            </a:r>
+            <a:endParaRPr lang="en-US" dirty="0"/>
+          </a:p>
+        </p:txBody>
+      </p:sp>
+      <p:sp>
+        <p:nvSpPr>
+          <p:cNvPr id="3" name="Subtitle 2"/>
+          <p:cNvSpPr>
+            <a:spLocks noGrp="1"/>
+          </p:cNvSpPr>
+          <p:nvPr>
+            <p:ph type="subTitle" idx="1"/>
+          </p:nvPr>
+        </p:nvSpPr>
+        <p:spPr/>
+        <p:txBody>
+          <a:bodyPr/>
+          <a:lstStyle/>
+          <a:p>
+            <a:r>
+              <a:rPr lang="en-US" dirty="0" smtClean="0"/>
+              <a:t>A Simple and Streamlined GUI</a:t>
+            </a:r>
+            <a:endParaRPr lang="en-US" dirty="0"/>
+          </a:p>
+        </p:txBody>
+      </p:sp>
+    </p:spTree>
+  </p:cSld>
+  <p:clrMapOvr>
+    <a:masterClrMapping/>
+  </p:clrMapOvr>
+  <p:timing>
+    <p:tnLst>
+      <p:par>
+        <p:cTn id="1" dur="indefinite" restart="never" nodeType="tmRoot"/>
+      </p:par>
+    </p:tnLst>
+  </p:timing>
+</p:sld>
+</file>
+
+<file path=ppt/slides/slide2.xml><?xml version="1.0" encoding="utf-8"?>
+<p:sld xmlns:a="http://schemas.openxmlformats.org/drawingml/2006/main" xmlns:r="http://schemas.openxmlformats.org/officeDocument/2006/relationships" xmlns:p="http://schemas.openxmlformats.org/presentationml/2006/main">
+  <p:cSld>
+    <p:spTree>
+      <p:nvGrpSpPr>
+        <p:cNvPr id="1" name=""/>
+        <p:cNvGrpSpPr/>
+        <p:nvPr/>
+      </p:nvGrpSpPr>
+      <p:grpSpPr>
+        <a:xfrm>
+          <a:off x="0" y="0"/>
+          <a:ext cx="0" cy="0"/>
+          <a:chOff x="0" y="0"/>
+          <a:chExt cx="0" cy="0"/>
+        </a:xfrm>
+      </p:grpSpPr>
+      <p:sp>
+        <p:nvSpPr>
+          <p:cNvPr id="2" name="Title 1"/>
+          <p:cNvSpPr>
+            <a:spLocks noGrp="1"/>
+          </p:cNvSpPr>
+          <p:nvPr>
+            <p:ph type="title"/>
+          </p:nvPr>
+        </p:nvSpPr>
+        <p:spPr/>
+        <p:txBody>
+          <a:bodyPr/>
+          <a:lstStyle/>
+          <a:p>
+            <a:r>
+              <a:rPr lang="en-US" dirty="0" smtClean="0"/>
+              <a:t>The Home Screen</a:t>
+            </a:r>
+            <a:endParaRPr lang="en-US" dirty="0"/>
+          </a:p>
+        </p:txBody>
+      </p:sp>
+      <p:sp>
+        <p:nvSpPr>
+          <p:cNvPr id="3" name="Content Placeholder 2"/>
+          <p:cNvSpPr>
+            <a:spLocks noGrp="1"/>
+          </p:cNvSpPr>
+          <p:nvPr>
+            <p:ph idx="1"/>
+          </p:nvPr>
+        </p:nvSpPr>
+        <p:spPr>
+          <a:xfrm>
+            <a:off x="6019800" y="493776"/>
+            <a:ext cx="2438400" cy="5373624"/>
+          </a:xfrm>
+        </p:spPr>
+        <p:txBody>
+          <a:bodyPr>
+            <a:normAutofit lnSpcReduction="10000"/>
+          </a:bodyPr>
+          <a:lstStyle/>
+          <a:p>
+            <a:r>
+              <a:rPr lang="en-US" sz="1600" dirty="0" smtClean="0"/>
+              <a:t>The large icons prevent unwanted actions through false touches. </a:t>
+            </a:r>
+          </a:p>
+          <a:p>
+            <a:r>
+              <a:rPr lang="en-US" sz="1600" dirty="0" smtClean="0"/>
+              <a:t>The large icons and symbols make it easy to distinguish each button’s functions. </a:t>
+            </a:r>
+          </a:p>
+          <a:p>
+            <a:r>
+              <a:rPr lang="en-US" sz="1600" dirty="0" smtClean="0"/>
+              <a:t>The contrasting </a:t>
+            </a:r>
+            <a:r>
+              <a:rPr lang="en-US" sz="1600" dirty="0" err="1" smtClean="0"/>
+              <a:t>colours</a:t>
+            </a:r>
+            <a:r>
+              <a:rPr lang="en-US" sz="1600" dirty="0" smtClean="0"/>
+              <a:t> make the symbols clear and the writing legible.</a:t>
+            </a:r>
+          </a:p>
+          <a:p>
+            <a:r>
+              <a:rPr lang="en-US" sz="1600" dirty="0" smtClean="0"/>
+              <a:t>It organizes the top objectives into a single top level screen.</a:t>
+            </a:r>
+          </a:p>
+          <a:p>
+            <a:r>
+              <a:rPr lang="en-US" sz="1600" dirty="0" smtClean="0"/>
+              <a:t>It can be modified based on user use.</a:t>
+            </a:r>
+            <a:endParaRPr lang="en-US" sz="1600" dirty="0"/>
+          </a:p>
+        </p:txBody>
+      </p:sp>
+      <p:pic>
+        <p:nvPicPr>
+          <p:cNvPr id="4" name="Picture 3"/>
+          <p:cNvPicPr>
+            <a:picLocks noChangeAspect="1"/>
+          </p:cNvPicPr>
+          <p:nvPr/>
+        </p:nvPicPr>
+        <p:blipFill>
+          <a:blip r:embed="rId2"/>
+          <a:stretch>
+            <a:fillRect/>
+          </a:stretch>
+        </p:blipFill>
+        <p:spPr>
+          <a:xfrm>
+            <a:off x="502920" y="493776"/>
+            <a:ext cx="5368585" cy="4489704"/>
+          </a:xfrm>
+          <a:prstGeom prst="rect">
+            <a:avLst/>
+          </a:prstGeom>
+        </p:spPr>
+      </p:pic>
+    </p:spTree>
+  </p:cSld>
+  <p:clrMapOvr>
+    <a:masterClrMapping/>
+  </p:clrMapOvr>
+  <p:transition>
+    <p:wipe dir="d"/>
+  </p:transition>
+  <p:timing>
+    <p:tnLst>
+      <p:par>
+        <p:cTn id="1" dur="indefinite" restart="never" nodeType="tmRoot"/>
+      </p:par>
+    </p:tnLst>
+  </p:timing>
+</p:sld>
+</file>
+
+<file path=ppt/slides/slide3.xml><?xml version="1.0" encoding="utf-8"?>
+<p:sld xmlns:a="http://schemas.openxmlformats.org/drawingml/2006/main" xmlns:r="http://schemas.openxmlformats.org/officeDocument/2006/relationships" xmlns:p="http://schemas.openxmlformats.org/presentationml/2006/main">
+  <p:cSld>
+    <p:spTree>
+      <p:nvGrpSpPr>
+        <p:cNvPr id="1" name=""/>
+        <p:cNvGrpSpPr/>
+        <p:nvPr/>
+      </p:nvGrpSpPr>
+      <p:grpSpPr>
+        <a:xfrm>
+          <a:off x="0" y="0"/>
+          <a:ext cx="0" cy="0"/>
+          <a:chOff x="0" y="0"/>
+          <a:chExt cx="0" cy="0"/>
+        </a:xfrm>
+      </p:grpSpPr>
+      <p:sp>
+        <p:nvSpPr>
+          <p:cNvPr id="2" name="Title 1"/>
+          <p:cNvSpPr>
+            <a:spLocks noGrp="1"/>
+          </p:cNvSpPr>
+          <p:nvPr>
+            <p:ph type="title"/>
+          </p:nvPr>
+        </p:nvSpPr>
+        <p:spPr/>
+        <p:txBody>
+          <a:bodyPr/>
+          <a:lstStyle/>
+          <a:p>
+            <a:r>
+              <a:rPr lang="en-US" dirty="0" smtClean="0"/>
+              <a:t>The Main Menu</a:t>
+            </a:r>
+            <a:endParaRPr lang="en-US" dirty="0"/>
+          </a:p>
+        </p:txBody>
+      </p:sp>
+      <p:sp>
+        <p:nvSpPr>
+          <p:cNvPr id="3" name="Content Placeholder 2"/>
+          <p:cNvSpPr>
+            <a:spLocks noGrp="1"/>
+          </p:cNvSpPr>
+          <p:nvPr>
+            <p:ph idx="1"/>
+          </p:nvPr>
+        </p:nvSpPr>
+        <p:spPr>
+          <a:xfrm>
+            <a:off x="3429000" y="530352"/>
+            <a:ext cx="5257800" cy="4187952"/>
+          </a:xfrm>
+        </p:spPr>
+        <p:txBody>
+          <a:bodyPr>
+            <a:normAutofit/>
+          </a:bodyPr>
+          <a:lstStyle/>
+          <a:p>
+            <a:r>
+              <a:rPr lang="en-US" sz="1600" dirty="0" smtClean="0"/>
+              <a:t>The main menu has all the programs installed on the phone listed in alphabetical order</a:t>
+            </a:r>
+          </a:p>
+          <a:p>
+            <a:pPr>
+              <a:buNone/>
+            </a:pPr>
+            <a:endParaRPr lang="en-US" sz="1600" dirty="0" smtClean="0"/>
+          </a:p>
+          <a:p>
+            <a:r>
+              <a:rPr lang="en-US" sz="1600" dirty="0" smtClean="0"/>
+              <a:t>The simple symbols in the icons tell what the program does </a:t>
+            </a:r>
+          </a:p>
+          <a:p>
+            <a:endParaRPr lang="en-US" sz="1600" dirty="0" smtClean="0"/>
+          </a:p>
+          <a:p>
+            <a:r>
+              <a:rPr lang="en-US" sz="1600" dirty="0" smtClean="0"/>
+              <a:t>The </a:t>
+            </a:r>
+            <a:r>
+              <a:rPr lang="en-US" sz="1600" dirty="0" err="1" smtClean="0"/>
+              <a:t>colour</a:t>
+            </a:r>
+            <a:r>
+              <a:rPr lang="en-US" sz="1600" dirty="0" smtClean="0"/>
+              <a:t> contrast makes the text very easy to read </a:t>
+            </a:r>
+          </a:p>
+          <a:p>
+            <a:endParaRPr lang="en-US" sz="1600" dirty="0" smtClean="0"/>
+          </a:p>
+          <a:p>
+            <a:r>
+              <a:rPr lang="en-US" sz="1600" dirty="0" smtClean="0"/>
+              <a:t>The icons are still large enough to touch without hitting the wrong icon</a:t>
+            </a:r>
+            <a:endParaRPr lang="en-US" sz="1600" dirty="0"/>
+          </a:p>
+        </p:txBody>
+      </p:sp>
+      <p:pic>
+        <p:nvPicPr>
+          <p:cNvPr id="4" name="Picture 3"/>
+          <p:cNvPicPr>
+            <a:picLocks noChangeAspect="1"/>
+          </p:cNvPicPr>
+          <p:nvPr/>
+        </p:nvPicPr>
+        <p:blipFill>
+          <a:blip r:embed="rId2"/>
+          <a:stretch>
+            <a:fillRect/>
+          </a:stretch>
+        </p:blipFill>
+        <p:spPr>
+          <a:xfrm>
+            <a:off x="502920" y="408940"/>
+            <a:ext cx="2621280" cy="4759127"/>
+          </a:xfrm>
+          <a:prstGeom prst="rect">
+            <a:avLst/>
+          </a:prstGeom>
+        </p:spPr>
+      </p:pic>
+    </p:spTree>
+  </p:cSld>
+  <p:clrMapOvr>
+    <a:masterClrMapping/>
+  </p:clrMapOvr>
+  <p:transition>
+    <p:wipe/>
+  </p:transition>
+  <p:timing>
+    <p:tnLst>
+      <p:par>
+        <p:cTn id="1" dur="indefinite" restart="never" nodeType="tmRoot"/>
+      </p:par>
+    </p:tnLst>
+  </p:timing>
+</p:sld>
+</file>
+
+<file path=ppt/slides/slide4.xml><?xml version="1.0" encoding="utf-8"?>
+<p:sld xmlns:a="http://schemas.openxmlformats.org/drawingml/2006/main" xmlns:r="http://schemas.openxmlformats.org/officeDocument/2006/relationships" xmlns:p="http://schemas.openxmlformats.org/presentationml/2006/main">
+  <p:cSld>
+    <p:spTree>
+      <p:nvGrpSpPr>
+        <p:cNvPr id="1" name=""/>
+        <p:cNvGrpSpPr/>
+        <p:nvPr/>
+      </p:nvGrpSpPr>
+      <p:grpSpPr>
+        <a:xfrm>
+          <a:off x="0" y="0"/>
+          <a:ext cx="0" cy="0"/>
+          <a:chOff x="0" y="0"/>
+          <a:chExt cx="0" cy="0"/>
+        </a:xfrm>
+      </p:grpSpPr>
+      <p:sp>
+        <p:nvSpPr>
+          <p:cNvPr id="2" name="Title 1"/>
+          <p:cNvSpPr>
+            <a:spLocks noGrp="1"/>
+          </p:cNvSpPr>
+          <p:nvPr>
+            <p:ph type="title"/>
+          </p:nvPr>
+        </p:nvSpPr>
+        <p:spPr/>
+        <p:txBody>
+          <a:bodyPr/>
+          <a:lstStyle/>
+          <a:p>
+            <a:r>
+              <a:rPr lang="en-US" dirty="0" smtClean="0"/>
+              <a:t>The Overall Design</a:t>
+            </a:r>
+            <a:endParaRPr lang="en-US" dirty="0"/>
+          </a:p>
+        </p:txBody>
+      </p:sp>
+      <p:sp>
+        <p:nvSpPr>
+          <p:cNvPr id="3" name="Content Placeholder 2"/>
+          <p:cNvSpPr>
+            <a:spLocks noGrp="1"/>
+          </p:cNvSpPr>
+          <p:nvPr>
+            <p:ph idx="1"/>
+          </p:nvPr>
+        </p:nvSpPr>
+        <p:spPr>
+          <a:xfrm>
+            <a:off x="502920" y="530352"/>
+            <a:ext cx="4343400" cy="4187952"/>
+          </a:xfrm>
+        </p:spPr>
+        <p:txBody>
+          <a:bodyPr>
+            <a:normAutofit fontScale="92500"/>
+          </a:bodyPr>
+          <a:lstStyle/>
+          <a:p>
+            <a:r>
+              <a:rPr lang="en-US" sz="1600" dirty="0" smtClean="0"/>
+              <a:t>The large icons on the home screen prevent user eye strain as does the large clear typeset on the main menu</a:t>
+            </a:r>
+          </a:p>
+          <a:p>
+            <a:r>
+              <a:rPr lang="en-US" sz="1600" dirty="0" smtClean="0"/>
+              <a:t>With the exception of the media player, the menus never go more then three layers in preventing the user from forgetting what they were doing</a:t>
+            </a:r>
+          </a:p>
+          <a:p>
+            <a:r>
+              <a:rPr lang="en-US" sz="1600" dirty="0" smtClean="0"/>
+              <a:t>It fits the “20 second” rule</a:t>
+            </a:r>
+          </a:p>
+          <a:p>
+            <a:r>
+              <a:rPr lang="en-US" sz="1600" dirty="0" smtClean="0"/>
+              <a:t>The home screen allows users to place their high frequency applications to be accessed right away, eliminating unnecessary gestures</a:t>
+            </a:r>
+          </a:p>
+          <a:p>
+            <a:r>
+              <a:rPr lang="en-US" sz="1600" dirty="0" smtClean="0"/>
+              <a:t>It deserves the words “Don’t Panic” written in large friendly letters on the cover of the phone </a:t>
+            </a:r>
+            <a:endParaRPr lang="en-US" sz="1600" dirty="0"/>
+          </a:p>
+        </p:txBody>
+      </p:sp>
+      <p:pic>
+        <p:nvPicPr>
+          <p:cNvPr id="4" name="Picture 3"/>
+          <p:cNvPicPr>
+            <a:picLocks noChangeAspect="1"/>
+          </p:cNvPicPr>
+          <p:nvPr/>
+        </p:nvPicPr>
+        <p:blipFill>
+          <a:blip r:embed="rId2"/>
+          <a:stretch>
+            <a:fillRect/>
+          </a:stretch>
+        </p:blipFill>
+        <p:spPr>
+          <a:xfrm>
+            <a:off x="5105400" y="530352"/>
+            <a:ext cx="3581400" cy="2692019"/>
+          </a:xfrm>
+          <a:prstGeom prst="rect">
+            <a:avLst/>
+          </a:prstGeom>
+        </p:spPr>
+      </p:pic>
+    </p:spTree>
+  </p:cSld>
+  <p:clrMapOvr>
+    <a:masterClrMapping/>
+  </p:clrMapOvr>
+  <p:transition>
+    <p:wipe dir="d"/>
+  </p:transition>
+  <p:timing>
+    <p:tnLst>
+      <p:par>
+        <p:cTn id="1" dur="indefinite" restart="never" nodeType="tmRoot"/>
+      </p:par>
+    </p:tnLst>
+  </p:timing>
+</p:sld>
+</file>
+
+<file path=ppt/slides/slide5.xml><?xml version="1.0" encoding="utf-8"?>
+<p:sld xmlns:a="http://schemas.openxmlformats.org/drawingml/2006/main" xmlns:r="http://schemas.openxmlformats.org/officeDocument/2006/relationships" xmlns:p="http://schemas.openxmlformats.org/presentationml/2006/main">
+  <p:cSld>
+    <p:spTree>
+      <p:nvGrpSpPr>
+        <p:cNvPr id="1" name=""/>
+        <p:cNvGrpSpPr/>
+        <p:nvPr/>
+      </p:nvGrpSpPr>
+      <p:grpSpPr>
+        <a:xfrm>
+          <a:off x="0" y="0"/>
+          <a:ext cx="0" cy="0"/>
+          <a:chOff x="0" y="0"/>
+          <a:chExt cx="0" cy="0"/>
+        </a:xfrm>
+      </p:grpSpPr>
+      <p:sp>
+        <p:nvSpPr>
+          <p:cNvPr id="2" name="Title 1"/>
+          <p:cNvSpPr>
+            <a:spLocks noGrp="1"/>
+          </p:cNvSpPr>
+          <p:nvPr>
+            <p:ph type="title"/>
+          </p:nvPr>
+        </p:nvSpPr>
+        <p:spPr/>
+        <p:txBody>
+          <a:bodyPr/>
+          <a:lstStyle/>
+          <a:p>
+            <a:r>
+              <a:rPr lang="en-US" dirty="0" smtClean="0"/>
+              <a:t>Changing Settings</a:t>
+            </a:r>
+            <a:endParaRPr lang="en-US" dirty="0"/>
+          </a:p>
+        </p:txBody>
+      </p:sp>
+      <p:sp>
+        <p:nvSpPr>
+          <p:cNvPr id="3" name="Content Placeholder 2"/>
+          <p:cNvSpPr>
+            <a:spLocks noGrp="1"/>
+          </p:cNvSpPr>
+          <p:nvPr>
+            <p:ph idx="1"/>
+          </p:nvPr>
+        </p:nvSpPr>
+        <p:spPr>
+          <a:xfrm>
+            <a:off x="2819400" y="530352"/>
+            <a:ext cx="3124200" cy="4187952"/>
+          </a:xfrm>
+        </p:spPr>
+        <p:txBody>
+          <a:bodyPr>
+            <a:normAutofit/>
+          </a:bodyPr>
+          <a:lstStyle/>
+          <a:p>
+            <a:r>
+              <a:rPr lang="en-US" sz="1600" dirty="0" smtClean="0"/>
+              <a:t>All settings can be accessed with two gestures</a:t>
+            </a:r>
+          </a:p>
+          <a:p>
+            <a:r>
+              <a:rPr lang="en-US" sz="1600" dirty="0" smtClean="0"/>
+              <a:t>The settings screen in highly legible with a high contrast typeset </a:t>
+            </a:r>
+          </a:p>
+          <a:p>
+            <a:r>
+              <a:rPr lang="en-US" sz="1600" dirty="0" smtClean="0"/>
+              <a:t>Any setting is changed by sliding a slider with your finger</a:t>
+            </a:r>
+          </a:p>
+          <a:p>
+            <a:r>
+              <a:rPr lang="en-US" sz="1600" dirty="0" smtClean="0"/>
+              <a:t>High frequency items can be moved to the home screen by holding down your figure and dragging it back to the home screen.  </a:t>
+            </a:r>
+            <a:endParaRPr lang="en-US" sz="1600" dirty="0"/>
+          </a:p>
+        </p:txBody>
+      </p:sp>
+      <p:pic>
+        <p:nvPicPr>
+          <p:cNvPr id="4" name="Picture 3"/>
+          <p:cNvPicPr>
+            <a:picLocks noChangeAspect="1"/>
+          </p:cNvPicPr>
+          <p:nvPr/>
+        </p:nvPicPr>
+        <p:blipFill>
+          <a:blip r:embed="rId2"/>
+          <a:stretch>
+            <a:fillRect/>
+          </a:stretch>
+        </p:blipFill>
+        <p:spPr>
+          <a:xfrm>
+            <a:off x="502920" y="578104"/>
+            <a:ext cx="2151187" cy="4140200"/>
+          </a:xfrm>
+          <a:prstGeom prst="rect">
+            <a:avLst/>
+          </a:prstGeom>
+        </p:spPr>
+      </p:pic>
+      <p:pic>
+        <p:nvPicPr>
+          <p:cNvPr id="5" name="Picture 4"/>
+          <p:cNvPicPr>
+            <a:picLocks noChangeAspect="1"/>
+          </p:cNvPicPr>
+          <p:nvPr/>
+        </p:nvPicPr>
+        <p:blipFill>
+          <a:blip r:embed="rId3"/>
+          <a:stretch>
+            <a:fillRect/>
+          </a:stretch>
+        </p:blipFill>
+        <p:spPr>
+          <a:xfrm>
+            <a:off x="5943599" y="578104"/>
+            <a:ext cx="2335073" cy="4140200"/>
+          </a:xfrm>
+          <a:prstGeom prst="rect">
+            <a:avLst/>
+          </a:prstGeom>
+        </p:spPr>
+      </p:pic>
+    </p:spTree>
+  </p:cSld>
+  <p:clrMapOvr>
+    <a:masterClrMapping/>
+  </p:clrMapOvr>
+  <p:transition>
+    <p:wipe/>
+  </p:transition>
+  <p:timing>
+    <p:tnLst>
+      <p:par>
+        <p:cTn id="1" dur="indefinite" restart="never" nodeType="tmRoot"/>
+      </p:par>
+    </p:tnLst>
+  </p:timing>
+</p:sld>
+</file>
+
+<file path=ppt/slides/slide6.xml><?xml version="1.0" encoding="utf-8"?>
+<p:sld xmlns:a="http://schemas.openxmlformats.org/drawingml/2006/main" xmlns:r="http://schemas.openxmlformats.org/officeDocument/2006/relationships" xmlns:p="http://schemas.openxmlformats.org/presentationml/2006/main">
+  <p:cSld>
+    <p:spTree>
+      <p:nvGrpSpPr>
+        <p:cNvPr id="1" name=""/>
+        <p:cNvGrpSpPr/>
+        <p:nvPr/>
+      </p:nvGrpSpPr>
+      <p:grpSpPr>
+        <a:xfrm>
+          <a:off x="0" y="0"/>
+          <a:ext cx="0" cy="0"/>
+          <a:chOff x="0" y="0"/>
+          <a:chExt cx="0" cy="0"/>
+        </a:xfrm>
+      </p:grpSpPr>
+      <p:sp>
+        <p:nvSpPr>
+          <p:cNvPr id="2" name="Title 1"/>
+          <p:cNvSpPr>
+            <a:spLocks noGrp="1"/>
+          </p:cNvSpPr>
+          <p:nvPr>
+            <p:ph type="title"/>
+          </p:nvPr>
+        </p:nvSpPr>
+        <p:spPr/>
+        <p:txBody>
+          <a:bodyPr/>
+          <a:lstStyle/>
+          <a:p>
+            <a:r>
+              <a:rPr lang="en-US" dirty="0" smtClean="0"/>
+              <a:t>Conclusion </a:t>
+            </a:r>
+            <a:endParaRPr lang="en-US" dirty="0"/>
+          </a:p>
+        </p:txBody>
+      </p:sp>
+      <p:sp>
+        <p:nvSpPr>
+          <p:cNvPr id="3" name="Content Placeholder 2"/>
+          <p:cNvSpPr>
+            <a:spLocks noGrp="1"/>
+          </p:cNvSpPr>
+          <p:nvPr>
+            <p:ph idx="1"/>
+          </p:nvPr>
+        </p:nvSpPr>
+        <p:spPr/>
+        <p:txBody>
+          <a:bodyPr/>
+          <a:lstStyle/>
+          <a:p>
+            <a:r>
+              <a:rPr lang="en-US" dirty="0" smtClean="0"/>
+              <a:t>Windows Phone 7 is a unique UI that is extremely simple to use</a:t>
+            </a:r>
+          </a:p>
+          <a:p>
+            <a:r>
+              <a:rPr lang="en-US" dirty="0" smtClean="0"/>
+              <a:t>It meets all the elements of a good UI with it’s effective use of </a:t>
+            </a:r>
+            <a:r>
+              <a:rPr lang="en-US" dirty="0" err="1" smtClean="0"/>
+              <a:t>colours</a:t>
+            </a:r>
+            <a:r>
+              <a:rPr lang="en-US" dirty="0" smtClean="0"/>
+              <a:t>, It’s high readability text and simple yet effective symbols</a:t>
+            </a:r>
+          </a:p>
+          <a:p>
+            <a:r>
+              <a:rPr lang="en-US" dirty="0" smtClean="0"/>
+              <a:t>It also meets the twenty second rule by having access to all applications in just </a:t>
+            </a:r>
+            <a:r>
+              <a:rPr lang="en-US" smtClean="0"/>
+              <a:t>two gestures   </a:t>
+            </a:r>
+            <a:endParaRPr lang="en-US"/>
+          </a:p>
+        </p:txBody>
+      </p:sp>
+    </p:spTree>
+  </p:cSld>
+  <p:clrMapOvr>
+    <a:masterClrMapping/>
+  </p:clrMapOvr>
+  <p:transition>
+    <p:wipe dir="d"/>
+  </p:transition>
+  <p:timing>
+    <p:tnLst>
+      <p:par>
+        <p:cTn id="1" dur="indefinite" restart="never" nodeType="tmRoot"/>
+      </p:par>
+    </p:tnLst>
+  </p:timing>
+</p:sld>
+</file>
+
+<file path=ppt/slides/slide7.xml><?xml version="1.0" encoding="utf-8"?>
 <p:sld xmlns:a="http://schemas.openxmlformats.org/drawingml/2006/main" xmlns:r="http://schemas.openxmlformats.org/officeDocument/2006/relationships" xmlns:p="http://schemas.openxmlformats.org/presentationml/2006/main">
   <p:cSld>
     <p:spTree>
@@ -4090,7 +5145,7 @@
     </p:spTree>
     <p:extLst>
       <p:ext uri="{BB962C8B-B14F-4D97-AF65-F5344CB8AC3E}">
-        <p14:creationId xmlns:p14="http://schemas.microsoft.com/office/powerpoint/2010/main" val="3530638216"/>
+        <p14:creationId xmlns:p14="http://schemas.microsoft.com/office/powerpoint/2010/main" val="3860998476"/>
       </p:ext>
     </p:extLst>
   </p:cSld>
@@ -4100,7 +5155,7 @@
 </p:sld>
 </file>
 
-<file path=ppt/slides/slide2.xml><?xml version="1.0" encoding="utf-8"?>
+<file path=ppt/slides/slide8.xml><?xml version="1.0" encoding="utf-8"?>
 <p:sld xmlns:a="http://schemas.openxmlformats.org/drawingml/2006/main" xmlns:r="http://schemas.openxmlformats.org/officeDocument/2006/relationships" xmlns:p="http://schemas.openxmlformats.org/presentationml/2006/main">
   <p:cSld>
     <p:spTree>
@@ -4150,7 +5205,7 @@
     </p:spTree>
     <p:extLst>
       <p:ext uri="{BB962C8B-B14F-4D97-AF65-F5344CB8AC3E}">
-        <p14:creationId xmlns:p14="http://schemas.microsoft.com/office/powerpoint/2010/main" val="1458077138"/>
+        <p14:creationId xmlns:p14="http://schemas.microsoft.com/office/powerpoint/2010/main" val="2139813645"/>
       </p:ext>
     </p:extLst>
   </p:cSld>
@@ -4161,9 +5216,9 @@
 </file>
 
 <file path=ppt/theme/theme1.xml><?xml version="1.0" encoding="utf-8"?>
-<a:theme xmlns:a="http://schemas.openxmlformats.org/drawingml/2006/main" name="Office Theme">
+<a:theme xmlns:a="http://schemas.openxmlformats.org/drawingml/2006/main" name="Aspect">
   <a:themeElements>
-    <a:clrScheme name="Office">
+    <a:clrScheme name="Aspect">
       <a:dk1>
         <a:sysClr val="windowText" lastClr="000000"/>
       </a:dk1>
@@ -4171,83 +5226,48 @@
         <a:sysClr val="window" lastClr="FFFFFF"/>
       </a:lt1>
       <a:dk2>
-        <a:srgbClr val="1F497D"/>
+        <a:srgbClr val="323232"/>
       </a:dk2>
       <a:lt2>
-        <a:srgbClr val="EEECE1"/>
+        <a:srgbClr val="E3DED1"/>
       </a:lt2>
       <a:accent1>
-        <a:srgbClr val="4F81BD"/>
+        <a:srgbClr val="F07F09"/>
       </a:accent1>
       <a:accent2>
-        <a:srgbClr val="C0504D"/>
+        <a:srgbClr val="9F2936"/>
       </a:accent2>
       <a:accent3>
-        <a:srgbClr val="9BBB59"/>
+        <a:srgbClr val="1B587C"/>
       </a:accent3>
       <a:accent4>
-        <a:srgbClr val="8064A2"/>
+        <a:srgbClr val="4E8542"/>
       </a:accent4>
       <a:accent5>
-        <a:srgbClr val="4BACC6"/>
+        <a:srgbClr val="604878"/>
       </a:accent5>
       <a:accent6>
-        <a:srgbClr val="F79646"/>
+        <a:srgbClr val="C19859"/>
       </a:accent6>
       <a:hlink>
-        <a:srgbClr val="0000FF"/>
+        <a:srgbClr val="6B9F25"/>
       </a:hlink>
       <a:folHlink>
-        <a:srgbClr val="800080"/>
+        <a:srgbClr val="B26B02"/>
       </a:folHlink>
     </a:clrScheme>
-    <a:fontScheme name="Office">
+    <a:fontScheme name="Aspect">
       <a:majorFont>
-        <a:latin typeface="Calibri"/>
+        <a:latin typeface="Verdana"/>
         <a:ea typeface=""/>
         <a:cs typeface=""/>
-        <a:font script="Jpan" typeface="ＭＳ Ｐゴシック"/>
-        <a:font script="Hang" typeface="맑은 고딕"/>
-        <a:font script="Hans" typeface="宋体"/>
-        <a:font script="Hant" typeface="新細明體"/>
-        <a:font script="Arab" typeface="Times New Roman"/>
-        <a:font script="Hebr" typeface="Times New Roman"/>
-        <a:font script="Thai" typeface="Angsana New"/>
-        <a:font script="Ethi" typeface="Nyala"/>
-        <a:font script="Beng" typeface="Vrinda"/>
-        <a:font script="Gujr" typeface="Shruti"/>
-        <a:font script="Khmr" typeface="MoolBoran"/>
-        <a:font script="Knda" typeface="Tunga"/>
-        <a:font script="Guru" typeface="Raavi"/>
-        <a:font script="Cans" typeface="Euphemia"/>
-        <a:font script="Cher" typeface="Plantagenet Cherokee"/>
-        <a:font script="Yiii" typeface="Microsoft Yi Baiti"/>
-        <a:font script="Tibt" typeface="Microsoft Himalaya"/>
-        <a:font script="Thaa" typeface="MV Boli"/>
-        <a:font script="Deva" typeface="Mangal"/>
-        <a:font script="Telu" typeface="Gautami"/>
-        <a:font script="Taml" typeface="Latha"/>
-        <a:font script="Syrc" typeface="Estrangelo Edessa"/>
-        <a:font script="Orya" typeface="Kalinga"/>
-        <a:font script="Mlym" typeface="Kartika"/>
-        <a:font script="Laoo" typeface="DokChampa"/>
-        <a:font script="Sinh" typeface="Iskoola Pota"/>
-        <a:font script="Mong" typeface="Mongolian Baiti"/>
-        <a:font script="Viet" typeface="Times New Roman"/>
-        <a:font script="Uigh" typeface="Microsoft Uighur"/>
-        <a:font script="Geor" typeface="Sylfaen"/>
-      </a:majorFont>
-      <a:minorFont>
-        <a:latin typeface="Calibri"/>
-        <a:ea typeface=""/>
-        <a:cs typeface=""/>
-        <a:font script="Jpan" typeface="ＭＳ Ｐゴシック"/>
-        <a:font script="Hang" typeface="맑은 고딕"/>
-        <a:font script="Hans" typeface="宋体"/>
-        <a:font script="Hant" typeface="新細明體"/>
-        <a:font script="Arab" typeface="Arial"/>
-        <a:font script="Hebr" typeface="Arial"/>
-        <a:font script="Thai" typeface="Cordia New"/>
+        <a:font script="Jpan" typeface="ＭＳ ゴシック"/>
+        <a:font script="Hang" typeface="굴림"/>
+        <a:font script="Hans" typeface="微软雅黑"/>
+        <a:font script="Hant" typeface="微軟正黑體"/>
+        <a:font script="Arab" typeface="Tahoma"/>
+        <a:font script="Hebr" typeface="Tahoma"/>
+        <a:font script="Thai" typeface="FreesiaUPC"/>
         <a:font script="Ethi" typeface="Nyala"/>
         <a:font script="Beng" typeface="Vrinda"/>
         <a:font script="Gujr" typeface="Shruti"/>
@@ -4268,12 +5288,45 @@
         <a:font script="Laoo" typeface="DokChampa"/>
         <a:font script="Sinh" typeface="Iskoola Pota"/>
         <a:font script="Mong" typeface="Mongolian Baiti"/>
-        <a:font script="Viet" typeface="Arial"/>
+        <a:font script="Viet" typeface="Verdana"/>
         <a:font script="Uigh" typeface="Microsoft Uighur"/>
-        <a:font script="Geor" typeface="Sylfaen"/>
+      </a:majorFont>
+      <a:minorFont>
+        <a:latin typeface="Verdana"/>
+        <a:ea typeface=""/>
+        <a:cs typeface=""/>
+        <a:font script="Jpan" typeface="ＭＳ ゴシック"/>
+        <a:font script="Hang" typeface="굴림"/>
+        <a:font script="Hans" typeface="微软雅黑"/>
+        <a:font script="Hant" typeface="微軟正黑體"/>
+        <a:font script="Arab" typeface="Tahoma"/>
+        <a:font script="Hebr" typeface="Tahoma"/>
+        <a:font script="Thai" typeface="FreesiaUPC"/>
+        <a:font script="Ethi" typeface="Nyala"/>
+        <a:font script="Beng" typeface="Vrinda"/>
+        <a:font script="Gujr" typeface="Shruti"/>
+        <a:font script="Khmr" typeface="DaunPenh"/>
+        <a:font script="Knda" typeface="Tunga"/>
+        <a:font script="Guru" typeface="Raavi"/>
+        <a:font script="Cans" typeface="Euphemia"/>
+        <a:font script="Cher" typeface="Plantagenet Cherokee"/>
+        <a:font script="Yiii" typeface="Microsoft Yi Baiti"/>
+        <a:font script="Tibt" typeface="Microsoft Himalaya"/>
+        <a:font script="Thaa" typeface="MV Boli"/>
+        <a:font script="Deva" typeface="Mangal"/>
+        <a:font script="Telu" typeface="Gautami"/>
+        <a:font script="Taml" typeface="Latha"/>
+        <a:font script="Syrc" typeface="Estrangelo Edessa"/>
+        <a:font script="Orya" typeface="Kalinga"/>
+        <a:font script="Mlym" typeface="Kartika"/>
+        <a:font script="Laoo" typeface="DokChampa"/>
+        <a:font script="Sinh" typeface="Iskoola Pota"/>
+        <a:font script="Mong" typeface="Mongolian Baiti"/>
+        <a:font script="Viet" typeface="Verdana"/>
+        <a:font script="Uigh" typeface="Microsoft Uighur"/>
       </a:minorFont>
     </a:fontScheme>
-    <a:fmtScheme name="Office">
+    <a:fmtScheme name="Aspect">
       <a:fillStyleLst>
         <a:solidFill>
           <a:schemeClr val="phClr"/>
@@ -4282,20 +5335,20 @@
           <a:gsLst>
             <a:gs pos="0">
               <a:schemeClr val="phClr">
-                <a:tint val="50000"/>
-                <a:satMod val="300000"/>
+                <a:tint val="65000"/>
+                <a:satMod val="270000"/>
               </a:schemeClr>
             </a:gs>
-            <a:gs pos="35000">
+            <a:gs pos="25000">
               <a:schemeClr val="phClr">
-                <a:tint val="37000"/>
+                <a:tint val="60000"/>
                 <a:satMod val="300000"/>
               </a:schemeClr>
             </a:gs>
             <a:gs pos="100000">
               <a:schemeClr val="phClr">
-                <a:tint val="15000"/>
-                <a:satMod val="350000"/>
+                <a:tint val="29000"/>
+                <a:satMod val="400000"/>
               </a:schemeClr>
             </a:gs>
           </a:gsLst>
@@ -4305,20 +5358,20 @@
           <a:gsLst>
             <a:gs pos="0">
               <a:schemeClr val="phClr">
-                <a:shade val="51000"/>
-                <a:satMod val="130000"/>
+                <a:shade val="45000"/>
+                <a:satMod val="155000"/>
               </a:schemeClr>
             </a:gs>
-            <a:gs pos="80000">
+            <a:gs pos="60000">
               <a:schemeClr val="phClr">
-                <a:shade val="93000"/>
-                <a:satMod val="130000"/>
+                <a:shade val="95000"/>
+                <a:satMod val="150000"/>
               </a:schemeClr>
             </a:gs>
             <a:gs pos="100000">
               <a:schemeClr val="phClr">
-                <a:shade val="94000"/>
-                <a:satMod val="135000"/>
+                <a:tint val="87000"/>
+                <a:satMod val="250000"/>
               </a:schemeClr>
             </a:gs>
           </a:gsLst>
@@ -4329,13 +5382,12 @@
         <a:ln w="9525" cap="flat" cmpd="sng" algn="ctr">
           <a:solidFill>
             <a:schemeClr val="phClr">
-              <a:shade val="95000"/>
-              <a:satMod val="105000"/>
+              <a:satMod val="150000"/>
             </a:schemeClr>
           </a:solidFill>
           <a:prstDash val="solid"/>
         </a:ln>
-        <a:ln w="25400" cap="flat" cmpd="sng" algn="ctr">
+        <a:ln w="42500" cap="flat" cmpd="sng" algn="ctr">
           <a:solidFill>
             <a:schemeClr val="phClr"/>
           </a:solidFill>
@@ -4351,40 +5403,40 @@
       <a:effectStyleLst>
         <a:effectStyle>
           <a:effectLst>
-            <a:outerShdw blurRad="40000" dist="20000" dir="5400000" rotWithShape="0">
+            <a:outerShdw blurRad="65500" dist="38100" dir="5400000" rotWithShape="0">
               <a:srgbClr val="000000">
-                <a:alpha val="38000"/>
+                <a:alpha val="40000"/>
               </a:srgbClr>
             </a:outerShdw>
           </a:effectLst>
         </a:effectStyle>
         <a:effectStyle>
           <a:effectLst>
-            <a:outerShdw blurRad="40000" dist="23000" dir="5400000" rotWithShape="0">
+            <a:outerShdw blurRad="65500" dist="38100" dir="5400000" rotWithShape="0">
               <a:srgbClr val="000000">
-                <a:alpha val="35000"/>
+                <a:alpha val="40000"/>
               </a:srgbClr>
             </a:outerShdw>
           </a:effectLst>
         </a:effectStyle>
         <a:effectStyle>
           <a:effectLst>
-            <a:outerShdw blurRad="40000" dist="23000" dir="5400000" rotWithShape="0">
+            <a:outerShdw blurRad="65500" dist="38100" dir="5400000" rotWithShape="0">
               <a:srgbClr val="000000">
-                <a:alpha val="35000"/>
+                <a:alpha val="40000"/>
               </a:srgbClr>
             </a:outerShdw>
           </a:effectLst>
           <a:scene3d>
-            <a:camera prst="orthographicFront">
+            <a:camera prst="orthographicFront" fov="0">
               <a:rot lat="0" lon="0" rev="0"/>
             </a:camera>
-            <a:lightRig rig="threePt" dir="t">
-              <a:rot lat="0" lon="0" rev="1200000"/>
+            <a:lightRig rig="contrasting" dir="t">
+              <a:rot lat="0" lon="0" rev="12000000"/>
             </a:lightRig>
           </a:scene3d>
-          <a:sp3d>
-            <a:bevelT w="63500" h="25400"/>
+          <a:sp3d prstMaterial="powder">
+            <a:bevelT h="50800"/>
           </a:sp3d>
         </a:effectStyle>
       </a:effectStyleLst>
@@ -4396,51 +5448,87 @@
           <a:gsLst>
             <a:gs pos="0">
               <a:schemeClr val="phClr">
-                <a:tint val="40000"/>
-                <a:satMod val="350000"/>
+                <a:shade val="35000"/>
+                <a:satMod val="150000"/>
               </a:schemeClr>
             </a:gs>
-            <a:gs pos="40000">
+            <a:gs pos="45000">
               <a:schemeClr val="phClr">
-                <a:tint val="45000"/>
-                <a:shade val="99000"/>
-                <a:satMod val="350000"/>
+                <a:shade val="68000"/>
+                <a:satMod val="155000"/>
               </a:schemeClr>
             </a:gs>
             <a:gs pos="100000">
               <a:schemeClr val="phClr">
-                <a:shade val="20000"/>
-                <a:satMod val="255000"/>
+                <a:tint val="70000"/>
+                <a:satMod val="175000"/>
               </a:schemeClr>
             </a:gs>
           </a:gsLst>
-          <a:path path="circle">
-            <a:fillToRect l="50000" t="-80000" r="50000" b="180000"/>
-          </a:path>
+          <a:lin ang="16200000" scaled="0"/>
         </a:gradFill>
-        <a:gradFill rotWithShape="1">
-          <a:gsLst>
-            <a:gs pos="0">
+        <a:blipFill>
+          <a:blip xmlns:r="http://schemas.openxmlformats.org/officeDocument/2006/relationships" r:embed="rId1">
+            <a:duotone>
+              <a:schemeClr val="phClr">
+                <a:shade val="800"/>
+                <a:satMod val="150000"/>
+              </a:schemeClr>
               <a:schemeClr val="phClr">
                 <a:tint val="80000"/>
-                <a:satMod val="300000"/>
+                <a:satMod val="150000"/>
               </a:schemeClr>
-            </a:gs>
-            <a:gs pos="100000">
-              <a:schemeClr val="phClr">
-                <a:shade val="30000"/>
-                <a:satMod val="200000"/>
-              </a:schemeClr>
-            </a:gs>
-          </a:gsLst>
-          <a:path path="circle">
-            <a:fillToRect l="50000" t="50000" r="50000" b="50000"/>
-          </a:path>
-        </a:gradFill>
+            </a:duotone>
+          </a:blip>
+          <a:tile tx="0" ty="0" sx="75000" sy="75000" flip="none" algn="tl"/>
+        </a:blipFill>
       </a:bgFillStyleLst>
     </a:fmtScheme>
   </a:themeElements>
-  <a:objectDefaults/>
+  <a:objectDefaults>
+    <a:spDef>
+      <a:spPr/>
+      <a:bodyPr rtlCol="0" anchor="ctr"/>
+      <a:lstStyle>
+        <a:defPPr algn="ctr">
+          <a:defRPr/>
+        </a:defPPr>
+      </a:lstStyle>
+      <a:style>
+        <a:lnRef idx="1">
+          <a:schemeClr val="accent1"/>
+        </a:lnRef>
+        <a:fillRef idx="3">
+          <a:schemeClr val="accent1"/>
+        </a:fillRef>
+        <a:effectRef idx="2">
+          <a:schemeClr val="accent1"/>
+        </a:effectRef>
+        <a:fontRef idx="minor">
+          <a:schemeClr val="lt1"/>
+        </a:fontRef>
+      </a:style>
+    </a:spDef>
+    <a:lnDef>
+      <a:spPr/>
+      <a:bodyPr/>
+      <a:lstStyle/>
+      <a:style>
+        <a:lnRef idx="2">
+          <a:schemeClr val="accent1"/>
+        </a:lnRef>
+        <a:fillRef idx="0">
+          <a:schemeClr val="accent1"/>
+        </a:fillRef>
+        <a:effectRef idx="1">
+          <a:schemeClr val="accent1"/>
+        </a:effectRef>
+        <a:fontRef idx="minor">
+          <a:schemeClr val="tx1"/>
+        </a:fontRef>
+      </a:style>
+    </a:lnDef>
+  </a:objectDefaults>
   <a:extraClrSchemeLst/>
 </a:theme>
 </file>
@@ -4728,289 +5816,4 @@
   <a:objectDefaults/>
   <a:extraClrSchemeLst/>
 </a:theme>
-</file>
-
-<file path=ppt/theme/theme3.xml><?xml version="1.0" encoding="utf-8"?>
-<a:theme xmlns:a="http://schemas.openxmlformats.org/drawingml/2006/main" name="Office Theme">
-  <a:themeElements>
-    <a:clrScheme name="Office">
-      <a:dk1>
-        <a:sysClr val="windowText" lastClr="000000"/>
-      </a:dk1>
-      <a:lt1>
-        <a:sysClr val="window" lastClr="FFFFFF"/>
-      </a:lt1>
-      <a:dk2>
-        <a:srgbClr val="1F497D"/>
-      </a:dk2>
-      <a:lt2>
-        <a:srgbClr val="EEECE1"/>
-      </a:lt2>
-      <a:accent1>
-        <a:srgbClr val="4F81BD"/>
-      </a:accent1>
-      <a:accent2>
-        <a:srgbClr val="C0504D"/>
-      </a:accent2>
-      <a:accent3>
-        <a:srgbClr val="9BBB59"/>
-      </a:accent3>
-      <a:accent4>
-        <a:srgbClr val="8064A2"/>
-      </a:accent4>
-      <a:accent5>
-        <a:srgbClr val="4BACC6"/>
-      </a:accent5>
-      <a:accent6>
-        <a:srgbClr val="F79646"/>
-      </a:accent6>
-      <a:hlink>
-        <a:srgbClr val="0000FF"/>
-      </a:hlink>
-      <a:folHlink>
-        <a:srgbClr val="800080"/>
-      </a:folHlink>
-    </a:clrScheme>
-    <a:fontScheme name="Office">
-      <a:majorFont>
-        <a:latin typeface="Calibri"/>
-        <a:ea typeface=""/>
-        <a:cs typeface=""/>
-        <a:font script="Jpan" typeface="ＭＳ Ｐゴシック"/>
-        <a:font script="Hang" typeface="맑은 고딕"/>
-        <a:font script="Hans" typeface="宋体"/>
-        <a:font script="Hant" typeface="新細明體"/>
-        <a:font script="Arab" typeface="Times New Roman"/>
-        <a:font script="Hebr" typeface="Times New Roman"/>
-        <a:font script="Thai" typeface="Angsana New"/>
-        <a:font script="Ethi" typeface="Nyala"/>
-        <a:font script="Beng" typeface="Vrinda"/>
-        <a:font script="Gujr" typeface="Shruti"/>
-        <a:font script="Khmr" typeface="MoolBoran"/>
-        <a:font script="Knda" typeface="Tunga"/>
-        <a:font script="Guru" typeface="Raavi"/>
-        <a:font script="Cans" typeface="Euphemia"/>
-        <a:font script="Cher" typeface="Plantagenet Cherokee"/>
-        <a:font script="Yiii" typeface="Microsoft Yi Baiti"/>
-        <a:font script="Tibt" typeface="Microsoft Himalaya"/>
-        <a:font script="Thaa" typeface="MV Boli"/>
-        <a:font script="Deva" typeface="Mangal"/>
-        <a:font script="Telu" typeface="Gautami"/>
-        <a:font script="Taml" typeface="Latha"/>
-        <a:font script="Syrc" typeface="Estrangelo Edessa"/>
-        <a:font script="Orya" typeface="Kalinga"/>
-        <a:font script="Mlym" typeface="Kartika"/>
-        <a:font script="Laoo" typeface="DokChampa"/>
-        <a:font script="Sinh" typeface="Iskoola Pota"/>
-        <a:font script="Mong" typeface="Mongolian Baiti"/>
-        <a:font script="Viet" typeface="Times New Roman"/>
-        <a:font script="Uigh" typeface="Microsoft Uighur"/>
-        <a:font script="Geor" typeface="Sylfaen"/>
-      </a:majorFont>
-      <a:minorFont>
-        <a:latin typeface="Calibri"/>
-        <a:ea typeface=""/>
-        <a:cs typeface=""/>
-        <a:font script="Jpan" typeface="ＭＳ Ｐゴシック"/>
-        <a:font script="Hang" typeface="맑은 고딕"/>
-        <a:font script="Hans" typeface="宋体"/>
-        <a:font script="Hant" typeface="新細明體"/>
-        <a:font script="Arab" typeface="Arial"/>
-        <a:font script="Hebr" typeface="Arial"/>
-        <a:font script="Thai" typeface="Cordia New"/>
-        <a:font script="Ethi" typeface="Nyala"/>
-        <a:font script="Beng" typeface="Vrinda"/>
-        <a:font script="Gujr" typeface="Shruti"/>
-        <a:font script="Khmr" typeface="DaunPenh"/>
-        <a:font script="Knda" typeface="Tunga"/>
-        <a:font script="Guru" typeface="Raavi"/>
-        <a:font script="Cans" typeface="Euphemia"/>
-        <a:font script="Cher" typeface="Plantagenet Cherokee"/>
-        <a:font script="Yiii" typeface="Microsoft Yi Baiti"/>
-        <a:font script="Tibt" typeface="Microsoft Himalaya"/>
-        <a:font script="Thaa" typeface="MV Boli"/>
-        <a:font script="Deva" typeface="Mangal"/>
-        <a:font script="Telu" typeface="Gautami"/>
-        <a:font script="Taml" typeface="Latha"/>
-        <a:font script="Syrc" typeface="Estrangelo Edessa"/>
-        <a:font script="Orya" typeface="Kalinga"/>
-        <a:font script="Mlym" typeface="Kartika"/>
-        <a:font script="Laoo" typeface="DokChampa"/>
-        <a:font script="Sinh" typeface="Iskoola Pota"/>
-        <a:font script="Mong" typeface="Mongolian Baiti"/>
-        <a:font script="Viet" typeface="Arial"/>
-        <a:font script="Uigh" typeface="Microsoft Uighur"/>
-        <a:font script="Geor" typeface="Sylfaen"/>
-      </a:minorFont>
-    </a:fontScheme>
-    <a:fmtScheme name="Office">
-      <a:fillStyleLst>
-        <a:solidFill>
-          <a:schemeClr val="phClr"/>
-        </a:solidFill>
-        <a:gradFill rotWithShape="1">
-          <a:gsLst>
-            <a:gs pos="0">
-              <a:schemeClr val="phClr">
-                <a:tint val="50000"/>
-                <a:satMod val="300000"/>
-              </a:schemeClr>
-            </a:gs>
-            <a:gs pos="35000">
-              <a:schemeClr val="phClr">
-                <a:tint val="37000"/>
-                <a:satMod val="300000"/>
-              </a:schemeClr>
-            </a:gs>
-            <a:gs pos="100000">
-              <a:schemeClr val="phClr">
-                <a:tint val="15000"/>
-                <a:satMod val="350000"/>
-              </a:schemeClr>
-            </a:gs>
-          </a:gsLst>
-          <a:lin ang="16200000" scaled="1"/>
-        </a:gradFill>
-        <a:gradFill rotWithShape="1">
-          <a:gsLst>
-            <a:gs pos="0">
-              <a:schemeClr val="phClr">
-                <a:shade val="51000"/>
-                <a:satMod val="130000"/>
-              </a:schemeClr>
-            </a:gs>
-            <a:gs pos="80000">
-              <a:schemeClr val="phClr">
-                <a:shade val="93000"/>
-                <a:satMod val="130000"/>
-              </a:schemeClr>
-            </a:gs>
-            <a:gs pos="100000">
-              <a:schemeClr val="phClr">
-                <a:shade val="94000"/>
-                <a:satMod val="135000"/>
-              </a:schemeClr>
-            </a:gs>
-          </a:gsLst>
-          <a:lin ang="16200000" scaled="0"/>
-        </a:gradFill>
-      </a:fillStyleLst>
-      <a:lnStyleLst>
-        <a:ln w="9525" cap="flat" cmpd="sng" algn="ctr">
-          <a:solidFill>
-            <a:schemeClr val="phClr">
-              <a:shade val="95000"/>
-              <a:satMod val="105000"/>
-            </a:schemeClr>
-          </a:solidFill>
-          <a:prstDash val="solid"/>
-        </a:ln>
-        <a:ln w="25400" cap="flat" cmpd="sng" algn="ctr">
-          <a:solidFill>
-            <a:schemeClr val="phClr"/>
-          </a:solidFill>
-          <a:prstDash val="solid"/>
-        </a:ln>
-        <a:ln w="38100" cap="flat" cmpd="sng" algn="ctr">
-          <a:solidFill>
-            <a:schemeClr val="phClr"/>
-          </a:solidFill>
-          <a:prstDash val="solid"/>
-        </a:ln>
-      </a:lnStyleLst>
-      <a:effectStyleLst>
-        <a:effectStyle>
-          <a:effectLst>
-            <a:outerShdw blurRad="40000" dist="20000" dir="5400000" rotWithShape="0">
-              <a:srgbClr val="000000">
-                <a:alpha val="38000"/>
-              </a:srgbClr>
-            </a:outerShdw>
-          </a:effectLst>
-        </a:effectStyle>
-        <a:effectStyle>
-          <a:effectLst>
-            <a:outerShdw blurRad="40000" dist="23000" dir="5400000" rotWithShape="0">
-              <a:srgbClr val="000000">
-                <a:alpha val="35000"/>
-              </a:srgbClr>
-            </a:outerShdw>
-          </a:effectLst>
-        </a:effectStyle>
-        <a:effectStyle>
-          <a:effectLst>
-            <a:outerShdw blurRad="40000" dist="23000" dir="5400000" rotWithShape="0">
-              <a:srgbClr val="000000">
-                <a:alpha val="35000"/>
-              </a:srgbClr>
-            </a:outerShdw>
-          </a:effectLst>
-          <a:scene3d>
-            <a:camera prst="orthographicFront">
-              <a:rot lat="0" lon="0" rev="0"/>
-            </a:camera>
-            <a:lightRig rig="threePt" dir="t">
-              <a:rot lat="0" lon="0" rev="1200000"/>
-            </a:lightRig>
-          </a:scene3d>
-          <a:sp3d>
-            <a:bevelT w="63500" h="25400"/>
-          </a:sp3d>
-        </a:effectStyle>
-      </a:effectStyleLst>
-      <a:bgFillStyleLst>
-        <a:solidFill>
-          <a:schemeClr val="phClr"/>
-        </a:solidFill>
-        <a:gradFill rotWithShape="1">
-          <a:gsLst>
-            <a:gs pos="0">
-              <a:schemeClr val="phClr">
-                <a:tint val="40000"/>
-                <a:satMod val="350000"/>
-              </a:schemeClr>
-            </a:gs>
-            <a:gs pos="40000">
-              <a:schemeClr val="phClr">
-                <a:tint val="45000"/>
-                <a:shade val="99000"/>
-                <a:satMod val="350000"/>
-              </a:schemeClr>
-            </a:gs>
-            <a:gs pos="100000">
-              <a:schemeClr val="phClr">
-                <a:shade val="20000"/>
-                <a:satMod val="255000"/>
-              </a:schemeClr>
-            </a:gs>
-          </a:gsLst>
-          <a:path path="circle">
-            <a:fillToRect l="50000" t="-80000" r="50000" b="180000"/>
-          </a:path>
-        </a:gradFill>
-        <a:gradFill rotWithShape="1">
-          <a:gsLst>
-            <a:gs pos="0">
-              <a:schemeClr val="phClr">
-                <a:tint val="80000"/>
-                <a:satMod val="300000"/>
-              </a:schemeClr>
-            </a:gs>
-            <a:gs pos="100000">
-              <a:schemeClr val="phClr">
-                <a:shade val="30000"/>
-                <a:satMod val="200000"/>
-              </a:schemeClr>
-            </a:gs>
-          </a:gsLst>
-          <a:path path="circle">
-            <a:fillToRect l="50000" t="50000" r="50000" b="50000"/>
-          </a:path>
-        </a:gradFill>
-      </a:bgFillStyleLst>
-    </a:fmtScheme>
-  </a:themeElements>
-  <a:objectDefaults/>
-  <a:extraClrSchemeLst/>
-</a:theme>
 </file>